--- a/bluemix-env/iot-構成雛形.pptx
+++ b/bluemix-env/iot-構成雛形.pptx
@@ -16259,6 +16259,164 @@
           </a:ln>
         </p:spPr>
       </p:pic>
+      <p:sp>
+        <p:nvSpPr>
+          <p:cNvPr id="5" name="正方形/長方形 4"/>
+          <p:cNvSpPr/>
+          <p:nvPr/>
+        </p:nvSpPr>
+        <p:spPr bwMode="auto">
+          <a:xfrm>
+            <a:off x="5334000" y="1993900"/>
+            <a:ext cx="1981200" cy="330200"/>
+          </a:xfrm>
+          <a:prstGeom prst="rect">
+            <a:avLst/>
+          </a:prstGeom>
+          <a:noFill/>
+          <a:ln w="38100" cap="rnd" cmpd="sng" algn="ctr">
+            <a:solidFill>
+              <a:srgbClr val="FF0000"/>
+            </a:solidFill>
+            <a:prstDash val="solid"/>
+            <a:round/>
+            <a:headEnd type="none" w="sm" len="sm"/>
+            <a:tailEnd type="none" w="sm" len="sm"/>
+          </a:ln>
+          <a:effectLst/>
+          <a:extLst/>
+        </p:spPr>
+        <p:txBody>
+          <a:bodyPr rot="0" spcFirstLastPara="0" vertOverflow="overflow" horzOverflow="overflow" vert="horz" wrap="square" lIns="91440" tIns="45720" rIns="91440" bIns="45720" numCol="1" spcCol="0" rtlCol="0" fromWordArt="0" anchor="t" anchorCtr="0" forceAA="0" compatLnSpc="1">
+            <a:prstTxWarp prst="textNoShape">
+              <a:avLst/>
+            </a:prstTxWarp>
+            <a:noAutofit/>
+          </a:bodyPr>
+          <a:lstStyle/>
+          <a:p>
+            <a:pPr marL="0" marR="0" indent="0" algn="l" defTabSz="914400" rtl="0" eaLnBrk="0" fontAlgn="base" latinLnBrk="0" hangingPunct="0">
+              <a:lnSpc>
+                <a:spcPct val="100000"/>
+              </a:lnSpc>
+              <a:spcBef>
+                <a:spcPct val="0"/>
+              </a:spcBef>
+              <a:spcAft>
+                <a:spcPct val="0"/>
+              </a:spcAft>
+              <a:buClrTx/>
+              <a:buSzTx/>
+              <a:buFontTx/>
+              <a:buNone/>
+              <a:tabLst/>
+            </a:pPr>
+            <a:endParaRPr kumimoji="0" lang="ja-JP" altLang="en-US" sz="1000" b="0" i="0" u="none" strike="noStrike" cap="none" normalizeH="0" baseline="0" dirty="0" smtClean="0">
+              <a:ln>
+                <a:noFill/>
+              </a:ln>
+              <a:solidFill>
+                <a:schemeClr val="tx1"/>
+              </a:solidFill>
+              <a:effectLst/>
+              <a:latin typeface="メイリオ"/>
+              <a:ea typeface="メイリオ"/>
+            </a:endParaRPr>
+          </a:p>
+        </p:txBody>
+      </p:sp>
+      <p:sp>
+        <p:nvSpPr>
+          <p:cNvPr id="4" name="角丸四角形吹き出し 3"/>
+          <p:cNvSpPr/>
+          <p:nvPr/>
+        </p:nvSpPr>
+        <p:spPr bwMode="auto">
+          <a:xfrm>
+            <a:off x="7137400" y="1181100"/>
+            <a:ext cx="1854200" cy="612648"/>
+          </a:xfrm>
+          <a:prstGeom prst="wedgeRoundRectCallout">
+            <a:avLst>
+              <a:gd name="adj1" fmla="val -97998"/>
+              <a:gd name="adj2" fmla="val 79084"/>
+              <a:gd name="adj3" fmla="val 16667"/>
+            </a:avLst>
+          </a:prstGeom>
+          <a:solidFill>
+            <a:schemeClr val="bg1"/>
+          </a:solidFill>
+          <a:ln w="12700" cap="rnd" cmpd="sng" algn="ctr">
+            <a:solidFill>
+              <a:schemeClr val="tx1"/>
+            </a:solidFill>
+            <a:prstDash val="solid"/>
+            <a:round/>
+            <a:headEnd type="none" w="sm" len="sm"/>
+            <a:tailEnd type="none" w="sm" len="sm"/>
+          </a:ln>
+          <a:effectLst/>
+          <a:extLst/>
+        </p:spPr>
+        <p:txBody>
+          <a:bodyPr vert="horz" wrap="square" lIns="91440" tIns="45720" rIns="91440" bIns="45720" numCol="1" rtlCol="0" anchor="t" anchorCtr="0" compatLnSpc="1">
+            <a:prstTxWarp prst="textNoShape">
+              <a:avLst/>
+            </a:prstTxWarp>
+          </a:bodyPr>
+          <a:lstStyle/>
+          <a:p>
+            <a:pPr marL="0" marR="0" indent="0" algn="l" defTabSz="914400" rtl="0" eaLnBrk="0" fontAlgn="base" latinLnBrk="0" hangingPunct="0">
+              <a:lnSpc>
+                <a:spcPct val="100000"/>
+              </a:lnSpc>
+              <a:spcBef>
+                <a:spcPct val="0"/>
+              </a:spcBef>
+              <a:spcAft>
+                <a:spcPct val="0"/>
+              </a:spcAft>
+              <a:buClrTx/>
+              <a:buSzTx/>
+              <a:buFontTx/>
+              <a:buNone/>
+              <a:tabLst/>
+            </a:pPr>
+            <a:r>
+              <a:rPr lang="ja-JP" altLang="en-US" sz="1000" dirty="0" smtClean="0">
+                <a:latin typeface="メイリオ"/>
+                <a:ea typeface="メイリオ"/>
+              </a:rPr>
+              <a:t>リアルタイムに</a:t>
+            </a:r>
+            <a:r>
+              <a:rPr lang="en-US" altLang="ja-JP" sz="1000" dirty="0" smtClean="0">
+                <a:latin typeface="メイリオ"/>
+                <a:ea typeface="メイリオ"/>
+              </a:rPr>
+              <a:t>SPSS</a:t>
+            </a:r>
+            <a:r>
+              <a:rPr lang="ja-JP" altLang="en-US" sz="1000" dirty="0" smtClean="0">
+                <a:latin typeface="メイリオ"/>
+                <a:ea typeface="メイリオ"/>
+              </a:rPr>
+              <a:t>で作った予測モデルを使って分析を行っている</a:t>
+            </a:r>
+            <a:endParaRPr kumimoji="0" lang="ja-JP" altLang="en-US" sz="1000" b="0" i="0" u="none" strike="noStrike" cap="none" normalizeH="0" baseline="0" dirty="0" smtClean="0">
+              <a:ln>
+                <a:noFill/>
+              </a:ln>
+              <a:solidFill>
+                <a:schemeClr val="tx1"/>
+              </a:solidFill>
+              <a:effectLst/>
+              <a:latin typeface="メイリオ"/>
+              <a:ea typeface="メイリオ"/>
+            </a:endParaRPr>
+          </a:p>
+        </p:txBody>
+      </p:sp>
     </p:spTree>
     <p:extLst>
       <p:ext uri="{BB962C8B-B14F-4D97-AF65-F5344CB8AC3E}">

--- a/bluemix-env/iot-構成雛形.pptx
+++ b/bluemix-env/iot-構成雛形.pptx
@@ -16333,13 +16333,13 @@
         </p:nvSpPr>
         <p:spPr bwMode="auto">
           <a:xfrm>
-            <a:off x="7137400" y="1181100"/>
-            <a:ext cx="1854200" cy="612648"/>
+            <a:off x="6477000" y="990600"/>
+            <a:ext cx="2578100" cy="803148"/>
           </a:xfrm>
           <a:prstGeom prst="wedgeRoundRectCallout">
             <a:avLst>
-              <a:gd name="adj1" fmla="val -97998"/>
-              <a:gd name="adj2" fmla="val 79084"/>
+              <a:gd name="adj1" fmla="val -71397"/>
+              <a:gd name="adj2" fmla="val 69596"/>
               <a:gd name="adj3" fmla="val 16667"/>
             </a:avLst>
           </a:prstGeom>
@@ -16383,27 +16383,27 @@
               <a:tabLst/>
             </a:pPr>
             <a:r>
-              <a:rPr lang="ja-JP" altLang="en-US" sz="1000" dirty="0" smtClean="0">
+              <a:rPr lang="ja-JP" altLang="en-US" sz="1400" dirty="0" smtClean="0">
                 <a:latin typeface="メイリオ"/>
                 <a:ea typeface="メイリオ"/>
               </a:rPr>
               <a:t>リアルタイムに</a:t>
             </a:r>
             <a:r>
-              <a:rPr lang="en-US" altLang="ja-JP" sz="1000" dirty="0" smtClean="0">
+              <a:rPr lang="en-US" altLang="ja-JP" sz="1400" dirty="0" smtClean="0">
                 <a:latin typeface="メイリオ"/>
                 <a:ea typeface="メイリオ"/>
               </a:rPr>
               <a:t>SPSS</a:t>
             </a:r>
             <a:r>
-              <a:rPr lang="ja-JP" altLang="en-US" sz="1000" dirty="0" smtClean="0">
+              <a:rPr lang="ja-JP" altLang="en-US" sz="1400" dirty="0" smtClean="0">
                 <a:latin typeface="メイリオ"/>
                 <a:ea typeface="メイリオ"/>
               </a:rPr>
               <a:t>で作った予測モデルを使って分析を行っている</a:t>
             </a:r>
-            <a:endParaRPr kumimoji="0" lang="ja-JP" altLang="en-US" sz="1000" b="0" i="0" u="none" strike="noStrike" cap="none" normalizeH="0" baseline="0" dirty="0" smtClean="0">
+            <a:endParaRPr kumimoji="0" lang="ja-JP" altLang="en-US" sz="1400" b="0" i="0" u="none" strike="noStrike" cap="none" normalizeH="0" baseline="0" dirty="0" smtClean="0">
               <a:ln>
                 <a:noFill/>
               </a:ln>

--- a/bluemix-env/iot-構成雛形.pptx
+++ b/bluemix-env/iot-構成雛形.pptx
@@ -5,10 +5,10 @@
     <p:sldMasterId id="2147483653" r:id="rId1"/>
   </p:sldMasterIdLst>
   <p:notesMasterIdLst>
-    <p:notesMasterId r:id="rId21"/>
+    <p:notesMasterId r:id="rId22"/>
   </p:notesMasterIdLst>
   <p:handoutMasterIdLst>
-    <p:handoutMasterId r:id="rId22"/>
+    <p:handoutMasterId r:id="rId23"/>
   </p:handoutMasterIdLst>
   <p:sldIdLst>
     <p:sldId id="376" r:id="rId2"/>
@@ -30,6 +30,7 @@
     <p:sldId id="414" r:id="rId18"/>
     <p:sldId id="421" r:id="rId19"/>
     <p:sldId id="423" r:id="rId20"/>
+    <p:sldId id="424" r:id="rId21"/>
   </p:sldIdLst>
   <p:sldSz cx="9144000" cy="6858000" type="screen4x3"/>
   <p:notesSz cx="6735763" cy="9866313"/>
@@ -20290,6 +20291,313 @@
     <p:extLst>
       <p:ext uri="{BB962C8B-B14F-4D97-AF65-F5344CB8AC3E}">
         <p14:creationId xmlns:p14="http://schemas.microsoft.com/office/powerpoint/2010/main" val="1440304636"/>
+      </p:ext>
+    </p:extLst>
+  </p:cSld>
+  <p:clrMapOvr>
+    <a:masterClrMapping/>
+  </p:clrMapOvr>
+  <p:timing>
+    <p:tnLst>
+      <p:par>
+        <p:cTn xmlns:p14="http://schemas.microsoft.com/office/powerpoint/2010/main" id="1" dur="indefinite" restart="never" nodeType="tmRoot"/>
+      </p:par>
+    </p:tnLst>
+  </p:timing>
+</p:sld>
+</file>
+
+<file path=ppt/slides/slide20.xml><?xml version="1.0" encoding="utf-8"?>
+<p:sld xmlns:a="http://schemas.openxmlformats.org/drawingml/2006/main" xmlns:r="http://schemas.openxmlformats.org/officeDocument/2006/relationships" xmlns:p="http://schemas.openxmlformats.org/presentationml/2006/main">
+  <p:cSld>
+    <p:spTree>
+      <p:nvGrpSpPr>
+        <p:cNvPr id="1" name=""/>
+        <p:cNvGrpSpPr/>
+        <p:nvPr/>
+      </p:nvGrpSpPr>
+      <p:grpSpPr>
+        <a:xfrm>
+          <a:off x="0" y="0"/>
+          <a:ext cx="0" cy="0"/>
+          <a:chOff x="0" y="0"/>
+          <a:chExt cx="0" cy="0"/>
+        </a:xfrm>
+      </p:grpSpPr>
+      <p:sp>
+        <p:nvSpPr>
+          <p:cNvPr id="2" name="タイトル 1"/>
+          <p:cNvSpPr>
+            <a:spLocks noGrp="1"/>
+          </p:cNvSpPr>
+          <p:nvPr>
+            <p:ph type="title"/>
+          </p:nvPr>
+        </p:nvSpPr>
+        <p:spPr/>
+        <p:txBody>
+          <a:bodyPr/>
+          <a:lstStyle/>
+          <a:p>
+            <a:r>
+              <a:rPr kumimoji="1" lang="en-US" altLang="ja-JP" dirty="0" smtClean="0"/>
+              <a:t>(</a:t>
+            </a:r>
+            <a:r>
+              <a:rPr kumimoji="1" lang="ja-JP" altLang="en-US" dirty="0" smtClean="0"/>
+              <a:t>備考</a:t>
+            </a:r>
+            <a:r>
+              <a:rPr kumimoji="1" lang="en-US" altLang="ja-JP" dirty="0" smtClean="0"/>
+              <a:t>) </a:t>
+            </a:r>
+            <a:r>
+              <a:rPr kumimoji="1" lang="en-US" altLang="ja-JP" dirty="0" err="1" smtClean="0"/>
+              <a:t>RStudio</a:t>
+            </a:r>
+            <a:endParaRPr kumimoji="1" lang="ja-JP" altLang="en-US" dirty="0"/>
+          </a:p>
+        </p:txBody>
+      </p:sp>
+      <p:sp>
+        <p:nvSpPr>
+          <p:cNvPr id="3" name="コンテンツ プレースホルダー 2"/>
+          <p:cNvSpPr>
+            <a:spLocks noGrp="1"/>
+          </p:cNvSpPr>
+          <p:nvPr>
+            <p:ph idx="1"/>
+          </p:nvPr>
+        </p:nvSpPr>
+        <p:spPr>
+          <a:xfrm>
+            <a:off x="182563" y="892315"/>
+            <a:ext cx="8686800" cy="644385"/>
+          </a:xfrm>
+        </p:spPr>
+        <p:txBody>
+          <a:bodyPr/>
+          <a:lstStyle/>
+          <a:p>
+            <a:pPr marL="0" indent="0">
+              <a:buNone/>
+            </a:pPr>
+            <a:r>
+              <a:rPr kumimoji="1" lang="en-US" altLang="ja-JP" dirty="0" smtClean="0"/>
+              <a:t>R</a:t>
+            </a:r>
+            <a:r>
+              <a:rPr kumimoji="1" lang="ja-JP" altLang="en-US" dirty="0" smtClean="0"/>
+              <a:t>言語に詳しいユーザーであれば、</a:t>
+            </a:r>
+            <a:r>
+              <a:rPr kumimoji="1" lang="en-US" altLang="ja-JP" dirty="0" err="1" smtClean="0"/>
+              <a:t>dashDB</a:t>
+            </a:r>
+            <a:r>
+              <a:rPr kumimoji="1" lang="ja-JP" altLang="en-US" dirty="0" smtClean="0"/>
+              <a:t>付属の</a:t>
+            </a:r>
+            <a:r>
+              <a:rPr kumimoji="1" lang="en-US" altLang="ja-JP" dirty="0" err="1" smtClean="0"/>
+              <a:t>Rstudio</a:t>
+            </a:r>
+            <a:r>
+              <a:rPr kumimoji="1" lang="ja-JP" altLang="en-US" dirty="0" smtClean="0"/>
+              <a:t>を活用して、クラウド上で</a:t>
+            </a:r>
+            <a:r>
+              <a:rPr kumimoji="1" lang="en-US" altLang="ja-JP" dirty="0" smtClean="0"/>
+              <a:t>R</a:t>
+            </a:r>
+            <a:r>
+              <a:rPr kumimoji="1" lang="ja-JP" altLang="en-US" dirty="0" smtClean="0"/>
+              <a:t>言語による分析を行うことも可能です。</a:t>
+            </a:r>
+            <a:endParaRPr kumimoji="1" lang="ja-JP" altLang="en-US" dirty="0"/>
+          </a:p>
+        </p:txBody>
+      </p:sp>
+      <p:pic>
+        <p:nvPicPr>
+          <p:cNvPr id="5" name="図 4" descr="スクリーンショット 2016-06-14 14.09.54.png"/>
+          <p:cNvPicPr>
+            <a:picLocks noChangeAspect="1"/>
+          </p:cNvPicPr>
+          <p:nvPr/>
+        </p:nvPicPr>
+        <p:blipFill>
+          <a:blip r:embed="rId2">
+            <a:extLst>
+              <a:ext uri="{28A0092B-C50C-407E-A947-70E740481C1C}">
+                <a14:useLocalDpi xmlns:a14="http://schemas.microsoft.com/office/drawing/2010/main" val="0"/>
+              </a:ext>
+            </a:extLst>
+          </a:blip>
+          <a:stretch>
+            <a:fillRect/>
+          </a:stretch>
+        </p:blipFill>
+        <p:spPr>
+          <a:xfrm>
+            <a:off x="241300" y="1549400"/>
+            <a:ext cx="6521479" cy="3187700"/>
+          </a:xfrm>
+          <a:prstGeom prst="rect">
+            <a:avLst/>
+          </a:prstGeom>
+          <a:ln>
+            <a:solidFill>
+              <a:schemeClr val="tx1"/>
+            </a:solidFill>
+          </a:ln>
+        </p:spPr>
+      </p:pic>
+      <p:pic>
+        <p:nvPicPr>
+          <p:cNvPr id="4" name="図 3" descr="スクリーンショット 2016-06-14 14.08.42.png"/>
+          <p:cNvPicPr>
+            <a:picLocks noChangeAspect="1"/>
+          </p:cNvPicPr>
+          <p:nvPr/>
+        </p:nvPicPr>
+        <p:blipFill>
+          <a:blip r:embed="rId3">
+            <a:extLst>
+              <a:ext uri="{28A0092B-C50C-407E-A947-70E740481C1C}">
+                <a14:useLocalDpi xmlns:a14="http://schemas.microsoft.com/office/drawing/2010/main" val="0"/>
+              </a:ext>
+            </a:extLst>
+          </a:blip>
+          <a:stretch>
+            <a:fillRect/>
+          </a:stretch>
+        </p:blipFill>
+        <p:spPr>
+          <a:xfrm>
+            <a:off x="1231900" y="2754042"/>
+            <a:ext cx="7759700" cy="3762653"/>
+          </a:xfrm>
+          <a:prstGeom prst="rect">
+            <a:avLst/>
+          </a:prstGeom>
+          <a:ln>
+            <a:solidFill>
+              <a:schemeClr val="tx1"/>
+            </a:solidFill>
+          </a:ln>
+        </p:spPr>
+      </p:pic>
+      <p:sp>
+        <p:nvSpPr>
+          <p:cNvPr id="6" name="正方形/長方形 5"/>
+          <p:cNvSpPr/>
+          <p:nvPr/>
+        </p:nvSpPr>
+        <p:spPr bwMode="auto">
+          <a:xfrm>
+            <a:off x="1308100" y="2387600"/>
+            <a:ext cx="857250" cy="342900"/>
+          </a:xfrm>
+          <a:prstGeom prst="rect">
+            <a:avLst/>
+          </a:prstGeom>
+          <a:noFill/>
+          <a:ln w="38100" cap="rnd" cmpd="sng" algn="ctr">
+            <a:solidFill>
+              <a:srgbClr val="FF0000"/>
+            </a:solidFill>
+            <a:prstDash val="solid"/>
+            <a:round/>
+            <a:headEnd type="none" w="sm" len="sm"/>
+            <a:tailEnd type="none" w="sm" len="sm"/>
+          </a:ln>
+          <a:effectLst/>
+          <a:extLst/>
+        </p:spPr>
+        <p:txBody>
+          <a:bodyPr rot="0" spcFirstLastPara="0" vertOverflow="overflow" horzOverflow="overflow" vert="horz" wrap="square" lIns="91440" tIns="45720" rIns="91440" bIns="45720" numCol="1" spcCol="0" rtlCol="0" fromWordArt="0" anchor="t" anchorCtr="0" forceAA="0" compatLnSpc="1">
+            <a:prstTxWarp prst="textNoShape">
+              <a:avLst/>
+            </a:prstTxWarp>
+            <a:noAutofit/>
+          </a:bodyPr>
+          <a:lstStyle/>
+          <a:p>
+            <a:pPr marL="0" marR="0" indent="0" algn="l" defTabSz="914400" rtl="0" eaLnBrk="0" fontAlgn="base" latinLnBrk="0" hangingPunct="0">
+              <a:lnSpc>
+                <a:spcPct val="100000"/>
+              </a:lnSpc>
+              <a:spcBef>
+                <a:spcPct val="0"/>
+              </a:spcBef>
+              <a:spcAft>
+                <a:spcPct val="0"/>
+              </a:spcAft>
+              <a:buClrTx/>
+              <a:buSzTx/>
+              <a:buFontTx/>
+              <a:buNone/>
+              <a:tabLst/>
+            </a:pPr>
+            <a:endParaRPr kumimoji="0" lang="ja-JP" altLang="en-US" sz="1000" b="0" i="0" u="none" strike="noStrike" cap="none" normalizeH="0" baseline="0" dirty="0" smtClean="0">
+              <a:ln>
+                <a:noFill/>
+              </a:ln>
+              <a:solidFill>
+                <a:schemeClr val="tx1"/>
+              </a:solidFill>
+              <a:effectLst/>
+              <a:latin typeface="メイリオ"/>
+              <a:ea typeface="メイリオ"/>
+            </a:endParaRPr>
+          </a:p>
+        </p:txBody>
+      </p:sp>
+      <p:cxnSp>
+        <p:nvCxnSpPr>
+          <p:cNvPr id="8" name="直線矢印コネクタ 7"/>
+          <p:cNvCxnSpPr/>
+          <p:nvPr/>
+        </p:nvCxnSpPr>
+        <p:spPr bwMode="auto">
+          <a:xfrm>
+            <a:off x="2184400" y="2514600"/>
+            <a:ext cx="565150" cy="596900"/>
+          </a:xfrm>
+          <a:prstGeom prst="straightConnector1">
+            <a:avLst/>
+          </a:prstGeom>
+          <a:solidFill>
+            <a:srgbClr val="FFCC00"/>
+          </a:solidFill>
+          <a:ln w="38100" cap="rnd" cmpd="sng" algn="ctr">
+            <a:solidFill>
+              <a:srgbClr val="FF0000"/>
+            </a:solidFill>
+            <a:prstDash val="solid"/>
+            <a:round/>
+            <a:headEnd type="none" w="sm" len="sm"/>
+            <a:tailEnd type="arrow"/>
+          </a:ln>
+          <a:effectLst/>
+          <a:extLst>
+            <a:ext uri="{AF507438-7753-43e0-B8FC-AC1667EBCBE1}">
+              <a14:hiddenEffects xmlns:a14="http://schemas.microsoft.com/office/drawing/2010/main">
+                <a:effectLst>
+                  <a:outerShdw dist="35921" dir="2700000" algn="ctr" rotWithShape="0">
+                    <a:schemeClr val="bg2"/>
+                  </a:outerShdw>
+                </a:effectLst>
+              </a14:hiddenEffects>
+            </a:ext>
+          </a:extLst>
+        </p:spPr>
+      </p:cxnSp>
+    </p:spTree>
+    <p:extLst>
+      <p:ext uri="{BB962C8B-B14F-4D97-AF65-F5344CB8AC3E}">
+        <p14:creationId xmlns:p14="http://schemas.microsoft.com/office/powerpoint/2010/main" val="3968087089"/>
       </p:ext>
     </p:extLst>
   </p:cSld>

--- a/bluemix-env/iot-構成雛形.pptx
+++ b/bluemix-env/iot-構成雛形.pptx
@@ -20388,7 +20388,19 @@
             </a:r>
             <a:r>
               <a:rPr kumimoji="1" lang="ja-JP" altLang="en-US" dirty="0" smtClean="0"/>
-              <a:t>言語に詳しいユーザーであれば、</a:t>
+              <a:t>言語</a:t>
+            </a:r>
+            <a:r>
+              <a:rPr lang="ja-JP" altLang="en-US" dirty="0" smtClean="0"/>
+              <a:t>が使えるユーザー</a:t>
+            </a:r>
+            <a:r>
+              <a:rPr kumimoji="1" lang="ja-JP" altLang="en-US" dirty="0" smtClean="0"/>
+              <a:t>で</a:t>
+            </a:r>
+            <a:r>
+              <a:rPr kumimoji="1" lang="ja-JP" altLang="en-US" dirty="0" smtClean="0"/>
+              <a:t>あれば、</a:t>
             </a:r>
             <a:r>
               <a:rPr kumimoji="1" lang="en-US" altLang="ja-JP" dirty="0" err="1" smtClean="0"/>
@@ -20400,7 +20412,7 @@
             </a:r>
             <a:r>
               <a:rPr kumimoji="1" lang="en-US" altLang="ja-JP" dirty="0" err="1" smtClean="0"/>
-              <a:t>Rstudio</a:t>
+              <a:t>RStudio</a:t>
             </a:r>
             <a:r>
               <a:rPr kumimoji="1" lang="ja-JP" altLang="en-US" dirty="0" smtClean="0"/>

--- a/bluemix-env/iot-構成雛形.pptx
+++ b/bluemix-env/iot-構成雛形.pptx
@@ -15,9 +15,9 @@
     <p:sldId id="400" r:id="rId3"/>
     <p:sldId id="399" r:id="rId4"/>
     <p:sldId id="415" r:id="rId5"/>
-    <p:sldId id="401" r:id="rId6"/>
-    <p:sldId id="407" r:id="rId7"/>
-    <p:sldId id="422" r:id="rId8"/>
+    <p:sldId id="425" r:id="rId6"/>
+    <p:sldId id="401" r:id="rId7"/>
+    <p:sldId id="407" r:id="rId8"/>
     <p:sldId id="416" r:id="rId9"/>
     <p:sldId id="402" r:id="rId10"/>
     <p:sldId id="417" r:id="rId11"/>
@@ -5249,100 +5249,133 @@
             </a:pPr>
             <a:r>
               <a:rPr kumimoji="0" lang="en-US" altLang="ja-JP" sz="2800" dirty="0" smtClean="0">
-                <a:latin typeface="Arial" charset="0"/>
-                <a:ea typeface="ＭＳ Ｐゴシック" charset="0"/>
+                <a:cs typeface="メイリオ"/>
               </a:rPr>
               <a:t/>
             </a:r>
             <a:br>
               <a:rPr kumimoji="0" lang="en-US" altLang="ja-JP" sz="2800" dirty="0" smtClean="0">
-                <a:latin typeface="Arial" charset="0"/>
-                <a:ea typeface="ＭＳ Ｐゴシック" charset="0"/>
+                <a:cs typeface="メイリオ"/>
               </a:rPr>
             </a:br>
             <a:r>
               <a:rPr kumimoji="0" lang="en-US" altLang="ja-JP" sz="2800" dirty="0" smtClean="0">
-                <a:latin typeface="Arial" charset="0"/>
-                <a:ea typeface="ＭＳ Ｐゴシック" charset="0"/>
+                <a:cs typeface="メイリオ"/>
               </a:rPr>
               <a:t>Bluemix</a:t>
             </a:r>
             <a:r>
               <a:rPr kumimoji="0" lang="ja-JP" altLang="en-US" sz="2800" dirty="0" smtClean="0">
-                <a:latin typeface="Arial" charset="0"/>
-                <a:ea typeface="ＭＳ Ｐゴシック" charset="0"/>
+                <a:cs typeface="メイリオ"/>
               </a:rPr>
               <a:t>を活用した</a:t>
             </a:r>
             <a:r>
               <a:rPr kumimoji="0" lang="en-US" altLang="ja-JP" sz="2800" dirty="0" err="1" smtClean="0">
-                <a:latin typeface="Arial" charset="0"/>
-                <a:ea typeface="ＭＳ Ｐゴシック" charset="0"/>
+                <a:cs typeface="メイリオ"/>
               </a:rPr>
               <a:t>IoT</a:t>
             </a:r>
             <a:r>
               <a:rPr kumimoji="0" lang="ja-JP" altLang="en-US" sz="2800" dirty="0" smtClean="0">
-                <a:latin typeface="Arial" charset="0"/>
-                <a:ea typeface="ＭＳ Ｐゴシック" charset="0"/>
-              </a:rPr>
-              <a:t>基盤構成サンプル</a:t>
+                <a:cs typeface="メイリオ"/>
+              </a:rPr>
+              <a:t>基盤構成</a:t>
+            </a:r>
+            <a:r>
+              <a:rPr kumimoji="0" lang="ja-JP" altLang="en-US" sz="2800" dirty="0" smtClean="0">
+                <a:cs typeface="メイリオ"/>
+              </a:rPr>
+              <a:t>サンプル</a:t>
             </a:r>
             <a:r>
               <a:rPr kumimoji="0" lang="en-US" altLang="ja-JP" sz="2800" dirty="0" smtClean="0">
-                <a:latin typeface="Arial" charset="0"/>
-                <a:ea typeface="ＭＳ Ｐゴシック" charset="0"/>
+                <a:cs typeface="メイリオ"/>
               </a:rPr>
               <a:t/>
             </a:r>
             <a:br>
               <a:rPr kumimoji="0" lang="en-US" altLang="ja-JP" sz="2800" dirty="0" smtClean="0">
-                <a:latin typeface="Arial" charset="0"/>
-                <a:ea typeface="ＭＳ Ｐゴシック" charset="0"/>
+                <a:cs typeface="メイリオ"/>
               </a:rPr>
             </a:br>
             <a:r>
               <a:rPr kumimoji="0" lang="en-US" altLang="ja-JP" sz="2800" dirty="0" smtClean="0">
-                <a:latin typeface="Arial" charset="0"/>
-                <a:ea typeface="ＭＳ Ｐゴシック" charset="0"/>
+                <a:cs typeface="メイリオ"/>
               </a:rPr>
               <a:t> </a:t>
+            </a:r>
+            <a:r>
+              <a:rPr kumimoji="0" lang="en-US" altLang="ja-JP" sz="2000" dirty="0" smtClean="0">
+                <a:cs typeface="メイリオ"/>
+              </a:rPr>
+              <a:t>2016</a:t>
+            </a:r>
+            <a:r>
+              <a:rPr kumimoji="0" lang="ja-JP" altLang="en-US" sz="2000" dirty="0" smtClean="0">
+                <a:cs typeface="メイリオ"/>
+              </a:rPr>
+              <a:t>年</a:t>
+            </a:r>
+            <a:r>
+              <a:rPr kumimoji="0" lang="en-US" altLang="ja-JP" sz="2000" dirty="0" smtClean="0">
+                <a:cs typeface="メイリオ"/>
+              </a:rPr>
+              <a:t>6</a:t>
+            </a:r>
+            <a:r>
+              <a:rPr kumimoji="0" lang="ja-JP" altLang="en-US" sz="2000" dirty="0" smtClean="0">
+                <a:cs typeface="メイリオ"/>
+              </a:rPr>
+              <a:t>月</a:t>
+            </a:r>
+            <a:r>
+              <a:rPr kumimoji="0" lang="en-US" altLang="ja-JP" sz="2000" dirty="0" smtClean="0">
+                <a:cs typeface="メイリオ"/>
+              </a:rPr>
+              <a:t>16</a:t>
+            </a:r>
+            <a:r>
+              <a:rPr kumimoji="0" lang="ja-JP" altLang="en-US" sz="2000" dirty="0" smtClean="0">
+                <a:cs typeface="メイリオ"/>
+              </a:rPr>
+              <a:t>日版</a:t>
+            </a:r>
+            <a:r>
+              <a:rPr kumimoji="0" lang="en-US" altLang="ja-JP" sz="2800" dirty="0" smtClean="0">
+                <a:cs typeface="メイリオ"/>
+              </a:rPr>
+              <a:t/>
             </a:r>
             <a:br>
               <a:rPr kumimoji="0" lang="en-US" altLang="ja-JP" sz="2800" dirty="0" smtClean="0">
-                <a:latin typeface="Arial" charset="0"/>
-                <a:ea typeface="ＭＳ Ｐゴシック" charset="0"/>
+                <a:cs typeface="メイリオ"/>
               </a:rPr>
             </a:br>
             <a:r>
               <a:rPr kumimoji="0" lang="en-US" altLang="ja-JP" sz="2800" dirty="0" smtClean="0">
-                <a:latin typeface="Arial" charset="0"/>
-                <a:ea typeface="ＭＳ Ｐゴシック" charset="0"/>
+                <a:cs typeface="メイリオ"/>
               </a:rPr>
               <a:t/>
             </a:r>
             <a:br>
               <a:rPr kumimoji="0" lang="en-US" altLang="ja-JP" sz="2800" dirty="0" smtClean="0">
-                <a:latin typeface="Arial" charset="0"/>
-                <a:ea typeface="ＭＳ Ｐゴシック" charset="0"/>
+                <a:cs typeface="メイリオ"/>
               </a:rPr>
             </a:br>
             <a:r>
               <a:rPr kumimoji="0" lang="en-US" altLang="ja-JP" sz="2400" dirty="0" smtClean="0">
-                <a:latin typeface="Arial" charset="0"/>
-                <a:ea typeface="ＭＳ Ｐゴシック" charset="0"/>
+                <a:cs typeface="メイリオ"/>
               </a:rPr>
               <a:t/>
             </a:r>
             <a:br>
               <a:rPr kumimoji="0" lang="en-US" altLang="ja-JP" sz="2400" dirty="0" smtClean="0">
-                <a:latin typeface="Arial" charset="0"/>
-                <a:ea typeface="ＭＳ Ｐゴシック" charset="0"/>
+                <a:cs typeface="メイリオ"/>
               </a:rPr>
             </a:br>
             <a:endParaRPr kumimoji="0" lang="en-US" altLang="ja-JP" sz="2000" dirty="0">
-              <a:latin typeface="Arial" charset="0"/>
-              <a:ea typeface="ＭＳ Ｐゴシック" charset="0"/>
+              <a:cs typeface="メイリオ"/>
             </a:endParaRPr>
           </a:p>
         </p:txBody>
@@ -20396,11 +20429,7 @@
             </a:r>
             <a:r>
               <a:rPr kumimoji="1" lang="ja-JP" altLang="en-US" dirty="0" smtClean="0"/>
-              <a:t>で</a:t>
-            </a:r>
-            <a:r>
-              <a:rPr kumimoji="1" lang="ja-JP" altLang="en-US" dirty="0" smtClean="0"/>
-              <a:t>あれば、</a:t>
+              <a:t>であれば、</a:t>
             </a:r>
             <a:r>
               <a:rPr kumimoji="1" lang="en-US" altLang="ja-JP" dirty="0" err="1" smtClean="0"/>
@@ -26517,7 +26546,7 @@
         <p:spPr bwMode="auto">
           <a:xfrm>
             <a:off x="1092200" y="1409700"/>
-            <a:ext cx="5003800" cy="1219200"/>
+            <a:ext cx="3911600" cy="1219200"/>
           </a:xfrm>
           <a:prstGeom prst="rect">
             <a:avLst/>
@@ -26627,7 +26656,7 @@
           <a:lstStyle/>
           <a:p>
             <a:r>
-              <a:rPr kumimoji="1" lang="en-US" altLang="ja-JP" dirty="0" smtClean="0"/>
+              <a:rPr lang="en-US" altLang="ja-JP" dirty="0"/>
               <a:t>(1) IOT Platform (Internet of Things Platform) </a:t>
             </a:r>
             <a:endParaRPr kumimoji="1" lang="ja-JP" altLang="en-US" dirty="0"/>
@@ -26644,7 +26673,12 @@
             <p:ph idx="1"/>
           </p:nvPr>
         </p:nvSpPr>
-        <p:spPr/>
+        <p:spPr>
+          <a:xfrm>
+            <a:off x="182563" y="892315"/>
+            <a:ext cx="8686800" cy="517385"/>
+          </a:xfrm>
+        </p:spPr>
         <p:txBody>
           <a:bodyPr/>
           <a:lstStyle/>
@@ -26653,328 +26687,20 @@
               <a:buNone/>
             </a:pPr>
             <a:r>
-              <a:rPr kumimoji="1" lang="en-US" altLang="ja-JP" b="1" dirty="0" smtClean="0"/>
+              <a:rPr kumimoji="1" lang="en-US" altLang="ja-JP" dirty="0" smtClean="0"/>
               <a:t>IOT Platform </a:t>
             </a:r>
             <a:r>
-              <a:rPr kumimoji="1" lang="ja-JP" altLang="en-US" b="1" dirty="0" smtClean="0"/>
-              <a:t>の役割</a:t>
-            </a:r>
-            <a:endParaRPr kumimoji="1" lang="en-US" altLang="ja-JP" b="1" dirty="0" smtClean="0"/>
-          </a:p>
-          <a:p>
-            <a:pPr marL="0" indent="0">
-              <a:buNone/>
-            </a:pPr>
-            <a:r>
-              <a:rPr lang="en-US" altLang="ja-JP" dirty="0" smtClean="0"/>
-              <a:t>MQTT(</a:t>
-            </a:r>
-            <a:r>
-              <a:rPr lang="ja-JP" altLang="en-US" dirty="0" smtClean="0"/>
-              <a:t>注</a:t>
-            </a:r>
-            <a:r>
-              <a:rPr lang="en-US" altLang="ja-JP" dirty="0" smtClean="0"/>
-              <a:t>)</a:t>
-            </a:r>
-            <a:r>
-              <a:rPr lang="ja-JP" altLang="en-US" dirty="0" smtClean="0"/>
-              <a:t>を利用した</a:t>
-            </a:r>
-            <a:r>
-              <a:rPr lang="en-US" altLang="ja-JP" dirty="0" err="1" smtClean="0"/>
-              <a:t>IoT</a:t>
-            </a:r>
-            <a:r>
-              <a:rPr lang="ja-JP" altLang="en-US" dirty="0" smtClean="0"/>
-              <a:t>データ収集のためのフロントサーバーです。</a:t>
-            </a:r>
-            <a:endParaRPr lang="en-US" altLang="ja-JP" dirty="0" smtClean="0"/>
-          </a:p>
-          <a:p>
-            <a:pPr marL="0" indent="0">
-              <a:buNone/>
-            </a:pPr>
-            <a:endParaRPr kumimoji="1" lang="en-US" altLang="ja-JP" dirty="0"/>
-          </a:p>
-          <a:p>
-            <a:pPr marL="0" indent="0">
-              <a:buNone/>
-            </a:pPr>
-            <a:r>
-              <a:rPr kumimoji="1" lang="ja-JP" altLang="en-US" b="1" dirty="0" smtClean="0"/>
-              <a:t>特徴</a:t>
-            </a:r>
-            <a:endParaRPr kumimoji="1" lang="en-US" altLang="ja-JP" b="1" dirty="0" smtClean="0"/>
-          </a:p>
-          <a:p>
-            <a:pPr marL="0" indent="0">
-              <a:buNone/>
-            </a:pPr>
-            <a:r>
-              <a:rPr lang="ja-JP" altLang="en-US" dirty="0" smtClean="0"/>
-              <a:t>・</a:t>
-            </a:r>
-            <a:r>
-              <a:rPr lang="en-US" altLang="ja-JP" dirty="0" smtClean="0"/>
-              <a:t>Publisher – Subscriber </a:t>
-            </a:r>
-            <a:r>
-              <a:rPr lang="ja-JP" altLang="en-US" dirty="0" smtClean="0"/>
-              <a:t>モデル採用よる疎結合なデータ連携の仕組みで</a:t>
-            </a:r>
-            <a:r>
-              <a:rPr lang="en-US" altLang="ja-JP" dirty="0" smtClean="0"/>
-              <a:t>1</a:t>
-            </a:r>
-            <a:r>
-              <a:rPr lang="ja-JP" altLang="en-US" dirty="0" smtClean="0"/>
-              <a:t>対多、多対多の通　信を容易に実現可能です。</a:t>
-            </a:r>
-            <a:endParaRPr lang="en-US" altLang="ja-JP" dirty="0" smtClean="0"/>
-          </a:p>
-          <a:p>
-            <a:pPr marL="0" indent="0">
-              <a:buNone/>
-            </a:pPr>
-            <a:r>
-              <a:rPr lang="ja-JP" altLang="en-US" dirty="0" smtClean="0"/>
-              <a:t>・</a:t>
-            </a:r>
-            <a:r>
-              <a:rPr lang="en-US" altLang="ja-JP" dirty="0" smtClean="0"/>
-              <a:t>IOT</a:t>
-            </a:r>
-            <a:r>
-              <a:rPr lang="ja-JP" altLang="en-US" dirty="0" smtClean="0"/>
-              <a:t>データ収集のために考えられた軽量プロトコルで大量データ受信に最適です。</a:t>
-            </a:r>
-            <a:endParaRPr lang="en-US" altLang="ja-JP" dirty="0" smtClean="0"/>
-          </a:p>
-          <a:p>
-            <a:pPr marL="0" indent="0">
-              <a:buNone/>
-            </a:pPr>
-            <a:r>
-              <a:rPr lang="ja-JP" altLang="en-US" dirty="0" smtClean="0"/>
-              <a:t>・データ重要度とシステム負荷のトレードオフを考慮して</a:t>
-            </a:r>
-            <a:r>
-              <a:rPr lang="en-US" altLang="ja-JP" dirty="0" smtClean="0"/>
-              <a:t>3</a:t>
-            </a:r>
-            <a:r>
-              <a:rPr lang="ja-JP" altLang="en-US" dirty="0" smtClean="0"/>
-              <a:t>種類のモードを選択可能です。</a:t>
-            </a:r>
-            <a:endParaRPr lang="en-US" altLang="ja-JP" dirty="0" smtClean="0"/>
-          </a:p>
-          <a:p>
-            <a:pPr marL="0" indent="0">
-              <a:buNone/>
-            </a:pPr>
-            <a:r>
-              <a:rPr lang="en-US" altLang="ja-JP" dirty="0"/>
-              <a:t> </a:t>
-            </a:r>
-            <a:r>
-              <a:rPr lang="en-US" altLang="ja-JP" dirty="0" smtClean="0"/>
-              <a:t> (</a:t>
-            </a:r>
-            <a:r>
-              <a:rPr lang="ja-JP" altLang="en-US" dirty="0" smtClean="0"/>
-              <a:t>「</a:t>
-            </a:r>
-            <a:r>
-              <a:rPr lang="ja-JP" altLang="en-US" dirty="0"/>
-              <a:t>最高</a:t>
-            </a:r>
-            <a:r>
-              <a:rPr lang="en-US" altLang="ja-JP" dirty="0"/>
-              <a:t>1</a:t>
-            </a:r>
-            <a:r>
-              <a:rPr lang="ja-JP" altLang="en-US" dirty="0"/>
-              <a:t>回」「少なく</a:t>
-            </a:r>
-            <a:r>
-              <a:rPr lang="ja-JP" altLang="en-US" dirty="0" smtClean="0"/>
-              <a:t>とも</a:t>
-            </a:r>
-            <a:r>
-              <a:rPr lang="en-US" altLang="ja-JP" dirty="0" smtClean="0"/>
-              <a:t>1</a:t>
-            </a:r>
-            <a:r>
-              <a:rPr lang="ja-JP" altLang="en-US" dirty="0" smtClean="0"/>
-              <a:t>回</a:t>
-            </a:r>
-            <a:r>
-              <a:rPr lang="ja-JP" altLang="en-US" dirty="0"/>
-              <a:t>」「正確</a:t>
-            </a:r>
-            <a:r>
-              <a:rPr lang="ja-JP" altLang="en-US" dirty="0" smtClean="0"/>
-              <a:t>に</a:t>
-            </a:r>
-            <a:r>
-              <a:rPr lang="en-US" altLang="ja-JP" dirty="0" smtClean="0"/>
-              <a:t>1</a:t>
-            </a:r>
-            <a:r>
-              <a:rPr lang="ja-JP" altLang="en-US" dirty="0" smtClean="0"/>
-              <a:t>回</a:t>
-            </a:r>
-            <a:r>
-              <a:rPr lang="ja-JP" altLang="en-US" dirty="0"/>
-              <a:t>」の三</a:t>
-            </a:r>
-            <a:r>
-              <a:rPr lang="ja-JP" altLang="en-US" dirty="0" smtClean="0"/>
-              <a:t>種類</a:t>
-            </a:r>
-            <a:r>
-              <a:rPr lang="en-US" altLang="ja-JP" dirty="0" smtClean="0"/>
-              <a:t>)</a:t>
-            </a:r>
-          </a:p>
-          <a:p>
-            <a:pPr marL="0" indent="0">
-              <a:buNone/>
-            </a:pPr>
-            <a:r>
               <a:rPr kumimoji="1" lang="ja-JP" altLang="en-US" dirty="0" smtClean="0"/>
-              <a:t>・セキュリティ確保のため、</a:t>
-            </a:r>
-            <a:r>
-              <a:rPr kumimoji="1" lang="en-US" altLang="ja-JP" dirty="0" smtClean="0"/>
-              <a:t>SSL</a:t>
-            </a:r>
-            <a:r>
-              <a:rPr kumimoji="1" lang="ja-JP" altLang="en-US" dirty="0" smtClean="0"/>
-              <a:t>通信も可能です。</a:t>
-            </a:r>
-            <a:endParaRPr kumimoji="1" lang="en-US" altLang="ja-JP" dirty="0" smtClean="0"/>
-          </a:p>
-          <a:p>
-            <a:pPr marL="0" indent="0">
-              <a:buNone/>
-            </a:pPr>
-            <a:endParaRPr lang="en-US" altLang="ja-JP" dirty="0"/>
-          </a:p>
-          <a:p>
-            <a:pPr marL="0" indent="0">
-              <a:buNone/>
-            </a:pPr>
-            <a:r>
-              <a:rPr kumimoji="1" lang="en-US" altLang="ja-JP" sz="1400" dirty="0" smtClean="0"/>
-              <a:t>(</a:t>
-            </a:r>
-            <a:r>
-              <a:rPr kumimoji="1" lang="ja-JP" altLang="en-US" sz="1400" dirty="0" smtClean="0"/>
-              <a:t>注</a:t>
-            </a:r>
-            <a:r>
-              <a:rPr kumimoji="1" lang="en-US" altLang="ja-JP" sz="1400" dirty="0" smtClean="0"/>
-              <a:t>)</a:t>
-            </a:r>
-          </a:p>
-          <a:p>
-            <a:pPr marL="0" indent="0">
-              <a:buNone/>
-            </a:pPr>
-            <a:r>
-              <a:rPr lang="en-US" altLang="ja-JP" sz="1400" dirty="0"/>
-              <a:t>MQTT</a:t>
-            </a:r>
-            <a:r>
-              <a:rPr lang="ja-JP" altLang="en-US" sz="1400" dirty="0"/>
-              <a:t>は</a:t>
-            </a:r>
-            <a:r>
-              <a:rPr lang="en-US" altLang="ja-JP" sz="1400" dirty="0"/>
-              <a:t>1999</a:t>
-            </a:r>
-            <a:r>
-              <a:rPr lang="ja-JP" altLang="en-US" sz="1400" dirty="0"/>
-              <a:t>年に</a:t>
-            </a:r>
-            <a:r>
-              <a:rPr lang="en-US" altLang="ja-JP" sz="1400" dirty="0"/>
-              <a:t>IBM</a:t>
-            </a:r>
-            <a:r>
-              <a:rPr lang="ja-JP" altLang="en-US" sz="1400" dirty="0"/>
-              <a:t>社と</a:t>
-            </a:r>
-            <a:r>
-              <a:rPr lang="en-US" altLang="ja-JP" sz="1400" dirty="0" err="1"/>
-              <a:t>Eurotech</a:t>
-            </a:r>
-            <a:r>
-              <a:rPr lang="ja-JP" altLang="en-US" sz="1400" dirty="0" smtClean="0"/>
-              <a:t>社により</a:t>
-            </a:r>
-            <a:r>
-              <a:rPr lang="en-US" altLang="ja-JP" sz="1400" dirty="0" smtClean="0"/>
-              <a:t>IOT</a:t>
-            </a:r>
-            <a:r>
-              <a:rPr lang="ja-JP" altLang="en-US" sz="1400" dirty="0" smtClean="0"/>
-              <a:t>データ収集を目的として考案</a:t>
-            </a:r>
-            <a:r>
-              <a:rPr lang="ja-JP" altLang="en-US" sz="1400" dirty="0"/>
-              <a:t>された</a:t>
-            </a:r>
-            <a:r>
-              <a:rPr lang="ja-JP" altLang="en-US" sz="1400" dirty="0" smtClean="0"/>
-              <a:t>プロトコルです。</a:t>
-            </a:r>
-            <a:endParaRPr lang="en-US" altLang="ja-JP" sz="1400" dirty="0" smtClean="0"/>
-          </a:p>
-          <a:p>
-            <a:pPr marL="0" indent="0">
-              <a:buNone/>
-            </a:pPr>
-            <a:r>
-              <a:rPr lang="ja-JP" altLang="en-US" sz="1400" dirty="0" smtClean="0"/>
-              <a:t>現在</a:t>
-            </a:r>
-            <a:r>
-              <a:rPr lang="en-US" altLang="ja-JP" sz="1400" dirty="0" smtClean="0"/>
-              <a:t>OASIS</a:t>
-            </a:r>
-            <a:r>
-              <a:rPr lang="ja-JP" altLang="en-US" sz="1400" dirty="0" smtClean="0"/>
-              <a:t>という国際標準化団体で標準化を検討中です。</a:t>
-            </a:r>
-            <a:endParaRPr lang="en-US" altLang="ja-JP" sz="1400" dirty="0" smtClean="0"/>
-          </a:p>
-          <a:p>
-            <a:pPr marL="0" indent="0">
-              <a:buNone/>
-            </a:pPr>
-            <a:endParaRPr kumimoji="1" lang="en-US" altLang="ja-JP" dirty="0" smtClean="0"/>
-          </a:p>
-          <a:p>
-            <a:pPr marL="0" indent="0">
-              <a:buNone/>
-            </a:pPr>
-            <a:endParaRPr lang="en-US" altLang="ja-JP" dirty="0"/>
-          </a:p>
-          <a:p>
-            <a:pPr marL="0" indent="0">
-              <a:buNone/>
-            </a:pPr>
+              <a:t>デモ画面</a:t>
+            </a:r>
             <a:endParaRPr kumimoji="1" lang="ja-JP" altLang="en-US" dirty="0"/>
           </a:p>
         </p:txBody>
       </p:sp>
       <p:pic>
         <p:nvPicPr>
-          <p:cNvPr id="4" name="図 3" descr="スクリーンショット 2016-05-30 11.00.39.png"/>
+          <p:cNvPr id="4" name="図 3" descr="スクリーンショット 2016-06-16 17.39.55.png"/>
           <p:cNvPicPr>
             <a:picLocks noChangeAspect="1"/>
           </p:cNvPicPr>
@@ -26994,31 +26720,29 @@
         </p:blipFill>
         <p:spPr>
           <a:xfrm>
-            <a:off x="8255000" y="723901"/>
-            <a:ext cx="511302" cy="448437"/>
+            <a:off x="342900" y="1448013"/>
+            <a:ext cx="8483600" cy="4407680"/>
           </a:xfrm>
           <a:prstGeom prst="rect">
             <a:avLst/>
           </a:prstGeom>
+          <a:ln>
+            <a:solidFill>
+              <a:schemeClr val="tx1"/>
+            </a:solidFill>
+          </a:ln>
         </p:spPr>
       </p:pic>
     </p:spTree>
     <p:extLst>
       <p:ext uri="{BB962C8B-B14F-4D97-AF65-F5344CB8AC3E}">
-        <p14:creationId xmlns:p14="http://schemas.microsoft.com/office/powerpoint/2010/main" val="3443496409"/>
+        <p14:creationId xmlns:p14="http://schemas.microsoft.com/office/powerpoint/2010/main" val="1643595710"/>
       </p:ext>
     </p:extLst>
   </p:cSld>
   <p:clrMapOvr>
     <a:masterClrMapping/>
   </p:clrMapOvr>
-  <p:timing>
-    <p:tnLst>
-      <p:par>
-        <p:cTn xmlns:p14="http://schemas.microsoft.com/office/powerpoint/2010/main" id="1" dur="indefinite" restart="never" nodeType="tmRoot"/>
-      </p:par>
-    </p:tnLst>
-  </p:timing>
 </p:sld>
 </file>
 
@@ -27055,7 +26779,7 @@
           <a:lstStyle/>
           <a:p>
             <a:r>
-              <a:rPr lang="en-US" altLang="ja-JP" dirty="0"/>
+              <a:rPr kumimoji="1" lang="en-US" altLang="ja-JP" dirty="0" smtClean="0"/>
               <a:t>(1) IOT Platform (Internet of Things Platform) </a:t>
             </a:r>
             <a:endParaRPr kumimoji="1" lang="ja-JP" altLang="en-US" dirty="0"/>
@@ -27072,25 +26796,95 @@
             <p:ph idx="1"/>
           </p:nvPr>
         </p:nvSpPr>
-        <p:spPr>
-          <a:xfrm>
-            <a:off x="182563" y="727214"/>
-            <a:ext cx="8686800" cy="2574786"/>
-          </a:xfrm>
-        </p:spPr>
+        <p:spPr/>
         <p:txBody>
           <a:bodyPr/>
           <a:lstStyle/>
           <a:p>
+            <a:pPr marL="0" indent="0">
+              <a:buNone/>
+            </a:pPr>
             <a:r>
               <a:rPr kumimoji="1" lang="en-US" altLang="ja-JP" b="1" dirty="0" smtClean="0"/>
+              <a:t>IOT Platform </a:t>
+            </a:r>
+            <a:r>
+              <a:rPr kumimoji="1" lang="ja-JP" altLang="en-US" b="1" dirty="0" smtClean="0"/>
+              <a:t>の役割</a:t>
+            </a:r>
+            <a:endParaRPr kumimoji="1" lang="en-US" altLang="ja-JP" b="1" dirty="0" smtClean="0"/>
+          </a:p>
+          <a:p>
+            <a:pPr marL="0" indent="0">
+              <a:buNone/>
+            </a:pPr>
+            <a:r>
+              <a:rPr lang="en-US" altLang="ja-JP" dirty="0" smtClean="0"/>
+              <a:t>MQTT(</a:t>
+            </a:r>
+            <a:r>
+              <a:rPr lang="ja-JP" altLang="en-US" dirty="0" smtClean="0"/>
+              <a:t>注</a:t>
+            </a:r>
+            <a:r>
+              <a:rPr lang="en-US" altLang="ja-JP" dirty="0" smtClean="0"/>
+              <a:t>)</a:t>
+            </a:r>
+            <a:r>
+              <a:rPr lang="ja-JP" altLang="en-US" dirty="0" smtClean="0"/>
+              <a:t>を利用した</a:t>
+            </a:r>
+            <a:r>
+              <a:rPr lang="en-US" altLang="ja-JP" dirty="0" err="1" smtClean="0"/>
+              <a:t>IoT</a:t>
+            </a:r>
+            <a:r>
+              <a:rPr lang="ja-JP" altLang="en-US" dirty="0" smtClean="0"/>
+              <a:t>データ収集のためのフロントサーバーです。</a:t>
+            </a:r>
+            <a:endParaRPr lang="en-US" altLang="ja-JP" dirty="0" smtClean="0"/>
+          </a:p>
+          <a:p>
+            <a:pPr marL="0" indent="0">
+              <a:buNone/>
+            </a:pPr>
+            <a:endParaRPr kumimoji="1" lang="en-US" altLang="ja-JP" dirty="0"/>
+          </a:p>
+          <a:p>
+            <a:pPr marL="0" indent="0">
+              <a:buNone/>
+            </a:pPr>
+            <a:r>
+              <a:rPr kumimoji="1" lang="ja-JP" altLang="en-US" b="1" dirty="0" smtClean="0"/>
+              <a:t>特徴</a:t>
+            </a:r>
+            <a:endParaRPr kumimoji="1" lang="en-US" altLang="ja-JP" b="1" dirty="0" smtClean="0"/>
+          </a:p>
+          <a:p>
+            <a:pPr marL="0" indent="0">
+              <a:buNone/>
+            </a:pPr>
+            <a:r>
+              <a:rPr lang="ja-JP" altLang="en-US" dirty="0" smtClean="0"/>
+              <a:t>・</a:t>
+            </a:r>
+            <a:r>
+              <a:rPr lang="en-US" altLang="ja-JP" dirty="0" smtClean="0"/>
               <a:t>Publisher – Subscriber </a:t>
             </a:r>
             <a:r>
-              <a:rPr kumimoji="1" lang="ja-JP" altLang="en-US" b="1" dirty="0" smtClean="0"/>
-              <a:t>モデル</a:t>
-            </a:r>
-            <a:endParaRPr kumimoji="1" lang="en-US" altLang="ja-JP" b="1" dirty="0" smtClean="0"/>
+              <a:rPr lang="ja-JP" altLang="en-US" dirty="0" smtClean="0"/>
+              <a:t>モデル採用よる疎結合なデータ連携の仕組みで</a:t>
+            </a:r>
+            <a:r>
+              <a:rPr lang="en-US" altLang="ja-JP" dirty="0" smtClean="0"/>
+              <a:t>1</a:t>
+            </a:r>
+            <a:r>
+              <a:rPr lang="ja-JP" altLang="en-US" dirty="0" smtClean="0"/>
+              <a:t>対多、多対多の通　信を容易に実現可能です。</a:t>
+            </a:r>
+            <a:endParaRPr lang="en-US" altLang="ja-JP" dirty="0" smtClean="0"/>
           </a:p>
           <a:p>
             <a:pPr marL="0" indent="0">
@@ -27098,105 +26892,229 @@
             </a:pPr>
             <a:r>
               <a:rPr lang="ja-JP" altLang="en-US" dirty="0" smtClean="0"/>
-              <a:t>データの送り手</a:t>
+              <a:t>・</a:t>
             </a:r>
             <a:r>
               <a:rPr lang="en-US" altLang="ja-JP" dirty="0" smtClean="0"/>
-              <a:t>(Publisher)</a:t>
+              <a:t>IOT</a:t>
             </a:r>
             <a:r>
               <a:rPr lang="ja-JP" altLang="en-US" dirty="0" smtClean="0"/>
-              <a:t>と受け手</a:t>
+              <a:t>データ収集のために考えられた軽量プロトコルで大量データ受信に最適です。</a:t>
+            </a:r>
+            <a:endParaRPr lang="en-US" altLang="ja-JP" dirty="0" smtClean="0"/>
+          </a:p>
+          <a:p>
+            <a:pPr marL="0" indent="0">
+              <a:buNone/>
+            </a:pPr>
+            <a:r>
+              <a:rPr lang="ja-JP" altLang="en-US" dirty="0" smtClean="0"/>
+              <a:t>・データ重要度とシステム負荷のトレードオフを考慮して</a:t>
             </a:r>
             <a:r>
               <a:rPr lang="en-US" altLang="ja-JP" dirty="0" smtClean="0"/>
-              <a:t>(Subscriber)</a:t>
+              <a:t>3</a:t>
             </a:r>
             <a:r>
               <a:rPr lang="ja-JP" altLang="en-US" dirty="0" smtClean="0"/>
-              <a:t>の間に必ず仲介者</a:t>
+              <a:t>種類のモードを選択可能です。</a:t>
+            </a:r>
+            <a:endParaRPr lang="en-US" altLang="ja-JP" dirty="0" smtClean="0"/>
+          </a:p>
+          <a:p>
+            <a:pPr marL="0" indent="0">
+              <a:buNone/>
+            </a:pPr>
+            <a:r>
+              <a:rPr lang="en-US" altLang="ja-JP" dirty="0"/>
+              <a:t> </a:t>
             </a:r>
             <a:r>
               <a:rPr lang="en-US" altLang="ja-JP" dirty="0" smtClean="0"/>
-              <a:t>(Broker)</a:t>
+              <a:t> (</a:t>
             </a:r>
             <a:r>
               <a:rPr lang="ja-JP" altLang="en-US" dirty="0" smtClean="0"/>
-              <a:t>が入るモデルです。</a:t>
-            </a:r>
-            <a:endParaRPr lang="en-US" altLang="ja-JP" dirty="0" smtClean="0"/>
+              <a:t>「</a:t>
+            </a:r>
+            <a:r>
+              <a:rPr lang="ja-JP" altLang="en-US" dirty="0"/>
+              <a:t>最高</a:t>
+            </a:r>
+            <a:r>
+              <a:rPr lang="en-US" altLang="ja-JP" dirty="0"/>
+              <a:t>1</a:t>
+            </a:r>
+            <a:r>
+              <a:rPr lang="ja-JP" altLang="en-US" dirty="0"/>
+              <a:t>回」「少なく</a:t>
+            </a:r>
+            <a:r>
+              <a:rPr lang="ja-JP" altLang="en-US" dirty="0" smtClean="0"/>
+              <a:t>とも</a:t>
+            </a:r>
+            <a:r>
+              <a:rPr lang="en-US" altLang="ja-JP" dirty="0" smtClean="0"/>
+              <a:t>1</a:t>
+            </a:r>
+            <a:r>
+              <a:rPr lang="ja-JP" altLang="en-US" dirty="0" smtClean="0"/>
+              <a:t>回</a:t>
+            </a:r>
+            <a:r>
+              <a:rPr lang="ja-JP" altLang="en-US" dirty="0"/>
+              <a:t>」「正確</a:t>
+            </a:r>
+            <a:r>
+              <a:rPr lang="ja-JP" altLang="en-US" dirty="0" smtClean="0"/>
+              <a:t>に</a:t>
+            </a:r>
+            <a:r>
+              <a:rPr lang="en-US" altLang="ja-JP" dirty="0" smtClean="0"/>
+              <a:t>1</a:t>
+            </a:r>
+            <a:r>
+              <a:rPr lang="ja-JP" altLang="en-US" dirty="0" smtClean="0"/>
+              <a:t>回</a:t>
+            </a:r>
+            <a:r>
+              <a:rPr lang="ja-JP" altLang="en-US" dirty="0"/>
+              <a:t>」の三</a:t>
+            </a:r>
+            <a:r>
+              <a:rPr lang="ja-JP" altLang="en-US" dirty="0" smtClean="0"/>
+              <a:t>種類</a:t>
+            </a:r>
+            <a:r>
+              <a:rPr lang="en-US" altLang="ja-JP" dirty="0" smtClean="0"/>
+              <a:t>)</a:t>
+            </a:r>
           </a:p>
           <a:p>
             <a:pPr marL="0" indent="0">
               <a:buNone/>
             </a:pPr>
             <a:r>
-              <a:rPr lang="en-US" altLang="ja-JP" dirty="0" smtClean="0"/>
-              <a:t>Publisher </a:t>
-            </a:r>
-            <a:r>
-              <a:rPr lang="ja-JP" altLang="en-US" dirty="0" smtClean="0"/>
-              <a:t>と</a:t>
-            </a:r>
-            <a:r>
-              <a:rPr lang="en-US" altLang="ja-JP" dirty="0" smtClean="0"/>
-              <a:t>Subscriber</a:t>
-            </a:r>
-            <a:r>
-              <a:rPr lang="ja-JP" altLang="en-US" dirty="0" smtClean="0"/>
-              <a:t>はそれぞれ</a:t>
-            </a:r>
-            <a:r>
-              <a:rPr lang="en-US" altLang="ja-JP" dirty="0" smtClean="0"/>
-              <a:t>Broker</a:t>
-            </a:r>
-            <a:r>
-              <a:rPr lang="ja-JP" altLang="en-US" dirty="0" smtClean="0"/>
-              <a:t>との通信のみ気にすればよく、最終的な通信相手のことは一切意識しなくていいことがその特徴となります。</a:t>
-            </a:r>
-            <a:endParaRPr lang="en-US" altLang="ja-JP" dirty="0" smtClean="0"/>
+              <a:rPr kumimoji="1" lang="ja-JP" altLang="en-US" dirty="0" smtClean="0"/>
+              <a:t>・セキュリティ確保のため、</a:t>
+            </a:r>
+            <a:r>
+              <a:rPr kumimoji="1" lang="en-US" altLang="ja-JP" dirty="0" smtClean="0"/>
+              <a:t>SSL</a:t>
+            </a:r>
+            <a:r>
+              <a:rPr kumimoji="1" lang="ja-JP" altLang="en-US" dirty="0" smtClean="0"/>
+              <a:t>通信も可能です。</a:t>
+            </a:r>
+            <a:endParaRPr kumimoji="1" lang="en-US" altLang="ja-JP" dirty="0" smtClean="0"/>
           </a:p>
           <a:p>
             <a:pPr marL="0" indent="0">
               <a:buNone/>
             </a:pPr>
-            <a:r>
-              <a:rPr lang="en-US" altLang="ja-JP" dirty="0" smtClean="0"/>
-              <a:t>-&gt; </a:t>
-            </a:r>
-            <a:r>
-              <a:rPr lang="ja-JP" altLang="en-US" dirty="0" smtClean="0"/>
-              <a:t>システム間連携が疎となり、大規模システムを容易に構築可能となります。</a:t>
-            </a:r>
             <a:endParaRPr lang="en-US" altLang="ja-JP" dirty="0"/>
           </a:p>
           <a:p>
             <a:pPr marL="0" indent="0">
               <a:buNone/>
             </a:pPr>
+            <a:r>
+              <a:rPr kumimoji="1" lang="en-US" altLang="ja-JP" sz="1400" dirty="0" smtClean="0"/>
+              <a:t>(</a:t>
+            </a:r>
+            <a:r>
+              <a:rPr kumimoji="1" lang="ja-JP" altLang="en-US" sz="1400" dirty="0" smtClean="0"/>
+              <a:t>注</a:t>
+            </a:r>
+            <a:r>
+              <a:rPr kumimoji="1" lang="en-US" altLang="ja-JP" sz="1400" dirty="0" smtClean="0"/>
+              <a:t>)</a:t>
+            </a:r>
+          </a:p>
+          <a:p>
+            <a:pPr marL="0" indent="0">
+              <a:buNone/>
+            </a:pPr>
+            <a:r>
+              <a:rPr lang="en-US" altLang="ja-JP" sz="1400" dirty="0"/>
+              <a:t>MQTT</a:t>
+            </a:r>
+            <a:r>
+              <a:rPr lang="ja-JP" altLang="en-US" sz="1400" dirty="0"/>
+              <a:t>は</a:t>
+            </a:r>
+            <a:r>
+              <a:rPr lang="en-US" altLang="ja-JP" sz="1400" dirty="0"/>
+              <a:t>1999</a:t>
+            </a:r>
+            <a:r>
+              <a:rPr lang="ja-JP" altLang="en-US" sz="1400" dirty="0"/>
+              <a:t>年に</a:t>
+            </a:r>
+            <a:r>
+              <a:rPr lang="en-US" altLang="ja-JP" sz="1400" dirty="0"/>
+              <a:t>IBM</a:t>
+            </a:r>
+            <a:r>
+              <a:rPr lang="ja-JP" altLang="en-US" sz="1400" dirty="0"/>
+              <a:t>社と</a:t>
+            </a:r>
+            <a:r>
+              <a:rPr lang="en-US" altLang="ja-JP" sz="1400" dirty="0" err="1"/>
+              <a:t>Eurotech</a:t>
+            </a:r>
+            <a:r>
+              <a:rPr lang="ja-JP" altLang="en-US" sz="1400" dirty="0" smtClean="0"/>
+              <a:t>社により</a:t>
+            </a:r>
+            <a:r>
+              <a:rPr lang="en-US" altLang="ja-JP" sz="1400" dirty="0" smtClean="0"/>
+              <a:t>IOT</a:t>
+            </a:r>
+            <a:r>
+              <a:rPr lang="ja-JP" altLang="en-US" sz="1400" dirty="0" smtClean="0"/>
+              <a:t>データ収集を目的として考案</a:t>
+            </a:r>
+            <a:r>
+              <a:rPr lang="ja-JP" altLang="en-US" sz="1400" dirty="0"/>
+              <a:t>された</a:t>
+            </a:r>
+            <a:r>
+              <a:rPr lang="ja-JP" altLang="en-US" sz="1400" dirty="0" smtClean="0"/>
+              <a:t>プロトコルです。</a:t>
+            </a:r>
+            <a:endParaRPr lang="en-US" altLang="ja-JP" sz="1400" dirty="0" smtClean="0"/>
+          </a:p>
+          <a:p>
+            <a:pPr marL="0" indent="0">
+              <a:buNone/>
+            </a:pPr>
+            <a:r>
+              <a:rPr lang="ja-JP" altLang="en-US" sz="1400" dirty="0" smtClean="0"/>
+              <a:t>現在</a:t>
+            </a:r>
+            <a:r>
+              <a:rPr lang="en-US" altLang="ja-JP" sz="1400" dirty="0" smtClean="0"/>
+              <a:t>OASIS</a:t>
+            </a:r>
+            <a:r>
+              <a:rPr lang="ja-JP" altLang="en-US" sz="1400" dirty="0" smtClean="0"/>
+              <a:t>という国際標準化団体で標準化を検討中です。</a:t>
+            </a:r>
+            <a:endParaRPr lang="en-US" altLang="ja-JP" sz="1400" dirty="0" smtClean="0"/>
+          </a:p>
+          <a:p>
+            <a:pPr marL="0" indent="0">
+              <a:buNone/>
+            </a:pPr>
+            <a:endParaRPr kumimoji="1" lang="en-US" altLang="ja-JP" dirty="0" smtClean="0"/>
+          </a:p>
+          <a:p>
+            <a:pPr marL="0" indent="0">
+              <a:buNone/>
+            </a:pPr>
             <a:endParaRPr lang="en-US" altLang="ja-JP" dirty="0"/>
-          </a:p>
-          <a:p>
-            <a:pPr marL="0" indent="0">
-              <a:buNone/>
-            </a:pPr>
-            <a:r>
-              <a:rPr lang="en-US" altLang="ja-JP" sz="1400" dirty="0" smtClean="0"/>
-              <a:t>(</a:t>
-            </a:r>
-            <a:r>
-              <a:rPr lang="ja-JP" altLang="en-US" sz="1400" dirty="0" smtClean="0"/>
-              <a:t>例</a:t>
-            </a:r>
-            <a:r>
-              <a:rPr lang="en-US" altLang="ja-JP" sz="1400" dirty="0" smtClean="0"/>
-              <a:t>)</a:t>
-            </a:r>
-            <a:r>
-              <a:rPr lang="ja-JP" altLang="en-US" sz="1400" dirty="0" smtClean="0"/>
-              <a:t>　下記のどのパターンもアプリ側の修正なしに実現可能です。</a:t>
-            </a:r>
-            <a:endParaRPr lang="en-US" altLang="ja-JP" sz="1400" dirty="0" smtClean="0"/>
           </a:p>
           <a:p>
             <a:pPr marL="0" indent="0">
@@ -27206,1627 +27124,40 @@
           </a:p>
         </p:txBody>
       </p:sp>
-      <p:sp>
-        <p:nvSpPr>
-          <p:cNvPr id="4" name="正方形/長方形 3"/>
-          <p:cNvSpPr/>
-          <p:nvPr/>
-        </p:nvSpPr>
-        <p:spPr bwMode="auto">
-          <a:xfrm>
-            <a:off x="914400" y="3683000"/>
-            <a:ext cx="939800" cy="342900"/>
+      <p:pic>
+        <p:nvPicPr>
+          <p:cNvPr id="4" name="図 3" descr="スクリーンショット 2016-05-30 11.00.39.png"/>
+          <p:cNvPicPr>
+            <a:picLocks noChangeAspect="1"/>
+          </p:cNvPicPr>
+          <p:nvPr/>
+        </p:nvPicPr>
+        <p:blipFill>
+          <a:blip r:embed="rId2">
+            <a:extLst>
+              <a:ext uri="{28A0092B-C50C-407E-A947-70E740481C1C}">
+                <a14:useLocalDpi xmlns:a14="http://schemas.microsoft.com/office/drawing/2010/main" val="0"/>
+              </a:ext>
+            </a:extLst>
+          </a:blip>
+          <a:stretch>
+            <a:fillRect/>
+          </a:stretch>
+        </p:blipFill>
+        <p:spPr>
+          <a:xfrm>
+            <a:off x="8255000" y="723901"/>
+            <a:ext cx="511302" cy="448437"/>
           </a:xfrm>
           <a:prstGeom prst="rect">
             <a:avLst/>
           </a:prstGeom>
-          <a:solidFill>
-            <a:schemeClr val="accent2">
-              <a:lumMod val="20000"/>
-              <a:lumOff val="80000"/>
-            </a:schemeClr>
-          </a:solidFill>
-          <a:ln w="12700" cap="rnd" cmpd="sng" algn="ctr">
-            <a:solidFill>
-              <a:schemeClr val="tx1"/>
-            </a:solidFill>
-            <a:prstDash val="solid"/>
-            <a:round/>
-            <a:headEnd type="none" w="sm" len="sm"/>
-            <a:tailEnd type="none" w="sm" len="sm"/>
-          </a:ln>
-          <a:effectLst/>
-          <a:extLst/>
-        </p:spPr>
-        <p:txBody>
-          <a:bodyPr rot="0" spcFirstLastPara="0" vertOverflow="overflow" horzOverflow="overflow" vert="horz" wrap="square" lIns="91440" tIns="45720" rIns="91440" bIns="45720" numCol="1" spcCol="0" rtlCol="0" fromWordArt="0" anchor="ctr" anchorCtr="0" forceAA="0" compatLnSpc="1">
-            <a:prstTxWarp prst="textNoShape">
-              <a:avLst/>
-            </a:prstTxWarp>
-            <a:noAutofit/>
-          </a:bodyPr>
-          <a:lstStyle/>
-          <a:p>
-            <a:pPr marL="0" marR="0" indent="0" algn="ctr" defTabSz="914400" rtl="0" eaLnBrk="0" fontAlgn="base" latinLnBrk="0" hangingPunct="0">
-              <a:lnSpc>
-                <a:spcPct val="100000"/>
-              </a:lnSpc>
-              <a:spcBef>
-                <a:spcPct val="0"/>
-              </a:spcBef>
-              <a:spcAft>
-                <a:spcPct val="0"/>
-              </a:spcAft>
-              <a:buClrTx/>
-              <a:buSzTx/>
-              <a:buFontTx/>
-              <a:buNone/>
-              <a:tabLst/>
-            </a:pPr>
-            <a:r>
-              <a:rPr kumimoji="0" lang="en-US" altLang="ja-JP" sz="1000" b="1" i="0" u="none" strike="noStrike" cap="none" normalizeH="0" baseline="0" dirty="0" smtClean="0">
-                <a:ln>
-                  <a:noFill/>
-                </a:ln>
-                <a:solidFill>
-                  <a:schemeClr val="tx1"/>
-                </a:solidFill>
-                <a:effectLst/>
-                <a:latin typeface="メイリオ"/>
-                <a:ea typeface="メイリオ"/>
-              </a:rPr>
-              <a:t>Publisher</a:t>
-            </a:r>
-            <a:endParaRPr kumimoji="0" lang="ja-JP" altLang="en-US" sz="1000" b="1" i="0" u="none" strike="noStrike" cap="none" normalizeH="0" baseline="0" dirty="0" smtClean="0">
-              <a:ln>
-                <a:noFill/>
-              </a:ln>
-              <a:solidFill>
-                <a:schemeClr val="tx1"/>
-              </a:solidFill>
-              <a:effectLst/>
-              <a:latin typeface="メイリオ"/>
-              <a:ea typeface="メイリオ"/>
-            </a:endParaRPr>
-          </a:p>
-        </p:txBody>
-      </p:sp>
-      <p:sp>
-        <p:nvSpPr>
-          <p:cNvPr id="5" name="正方形/長方形 4"/>
-          <p:cNvSpPr/>
-          <p:nvPr/>
-        </p:nvSpPr>
-        <p:spPr bwMode="auto">
-          <a:xfrm>
-            <a:off x="3556000" y="3708400"/>
-            <a:ext cx="939800" cy="342900"/>
-          </a:xfrm>
-          <a:prstGeom prst="rect">
-            <a:avLst/>
-          </a:prstGeom>
-          <a:solidFill>
-            <a:srgbClr val="FFF0A6"/>
-          </a:solidFill>
-          <a:ln w="12700" cap="rnd" cmpd="sng" algn="ctr">
-            <a:solidFill>
-              <a:schemeClr val="tx1"/>
-            </a:solidFill>
-            <a:prstDash val="solid"/>
-            <a:round/>
-            <a:headEnd type="none" w="sm" len="sm"/>
-            <a:tailEnd type="none" w="sm" len="sm"/>
-          </a:ln>
-          <a:effectLst/>
-          <a:extLst/>
-        </p:spPr>
-        <p:txBody>
-          <a:bodyPr rot="0" spcFirstLastPara="0" vertOverflow="overflow" horzOverflow="overflow" vert="horz" wrap="square" lIns="91440" tIns="45720" rIns="91440" bIns="45720" numCol="1" spcCol="0" rtlCol="0" fromWordArt="0" anchor="ctr" anchorCtr="0" forceAA="0" compatLnSpc="1">
-            <a:prstTxWarp prst="textNoShape">
-              <a:avLst/>
-            </a:prstTxWarp>
-            <a:noAutofit/>
-          </a:bodyPr>
-          <a:lstStyle/>
-          <a:p>
-            <a:pPr marL="0" marR="0" indent="0" algn="ctr" defTabSz="914400" rtl="0" eaLnBrk="0" fontAlgn="base" latinLnBrk="0" hangingPunct="0">
-              <a:lnSpc>
-                <a:spcPct val="100000"/>
-              </a:lnSpc>
-              <a:spcBef>
-                <a:spcPct val="0"/>
-              </a:spcBef>
-              <a:spcAft>
-                <a:spcPct val="0"/>
-              </a:spcAft>
-              <a:buClrTx/>
-              <a:buSzTx/>
-              <a:buFontTx/>
-              <a:buNone/>
-              <a:tabLst/>
-            </a:pPr>
-            <a:r>
-              <a:rPr lang="en-US" altLang="ja-JP" sz="1000" b="1" dirty="0" smtClean="0">
-                <a:latin typeface="メイリオ"/>
-                <a:ea typeface="メイリオ"/>
-              </a:rPr>
-              <a:t>Broker</a:t>
-            </a:r>
-            <a:endParaRPr kumimoji="0" lang="ja-JP" altLang="en-US" sz="1000" b="1" i="0" u="none" strike="noStrike" cap="none" normalizeH="0" baseline="0" dirty="0" smtClean="0">
-              <a:ln>
-                <a:noFill/>
-              </a:ln>
-              <a:solidFill>
-                <a:schemeClr val="tx1"/>
-              </a:solidFill>
-              <a:effectLst/>
-              <a:latin typeface="メイリオ"/>
-              <a:ea typeface="メイリオ"/>
-            </a:endParaRPr>
-          </a:p>
-        </p:txBody>
-      </p:sp>
-      <p:sp>
-        <p:nvSpPr>
-          <p:cNvPr id="6" name="正方形/長方形 5"/>
-          <p:cNvSpPr/>
-          <p:nvPr/>
-        </p:nvSpPr>
-        <p:spPr bwMode="auto">
-          <a:xfrm>
-            <a:off x="6172200" y="3721100"/>
-            <a:ext cx="939800" cy="342900"/>
-          </a:xfrm>
-          <a:prstGeom prst="rect">
-            <a:avLst/>
-          </a:prstGeom>
-          <a:solidFill>
-            <a:srgbClr val="FFD0ED"/>
-          </a:solidFill>
-          <a:ln w="12700" cap="rnd" cmpd="sng" algn="ctr">
-            <a:solidFill>
-              <a:schemeClr val="tx1"/>
-            </a:solidFill>
-            <a:prstDash val="solid"/>
-            <a:round/>
-            <a:headEnd type="none" w="sm" len="sm"/>
-            <a:tailEnd type="none" w="sm" len="sm"/>
-          </a:ln>
-          <a:effectLst/>
-          <a:extLst/>
-        </p:spPr>
-        <p:txBody>
-          <a:bodyPr rot="0" spcFirstLastPara="0" vertOverflow="overflow" horzOverflow="overflow" vert="horz" wrap="square" lIns="91440" tIns="45720" rIns="91440" bIns="45720" numCol="1" spcCol="0" rtlCol="0" fromWordArt="0" anchor="ctr" anchorCtr="0" forceAA="0" compatLnSpc="1">
-            <a:prstTxWarp prst="textNoShape">
-              <a:avLst/>
-            </a:prstTxWarp>
-            <a:noAutofit/>
-          </a:bodyPr>
-          <a:lstStyle/>
-          <a:p>
-            <a:pPr marL="0" marR="0" indent="0" algn="ctr" defTabSz="914400" rtl="0" eaLnBrk="0" fontAlgn="base" latinLnBrk="0" hangingPunct="0">
-              <a:lnSpc>
-                <a:spcPct val="100000"/>
-              </a:lnSpc>
-              <a:spcBef>
-                <a:spcPct val="0"/>
-              </a:spcBef>
-              <a:spcAft>
-                <a:spcPct val="0"/>
-              </a:spcAft>
-              <a:buClrTx/>
-              <a:buSzTx/>
-              <a:buFontTx/>
-              <a:buNone/>
-              <a:tabLst/>
-            </a:pPr>
-            <a:r>
-              <a:rPr lang="en-US" altLang="ja-JP" sz="1000" b="1" dirty="0" smtClean="0">
-                <a:latin typeface="メイリオ"/>
-                <a:ea typeface="メイリオ"/>
-              </a:rPr>
-              <a:t>Subscriber</a:t>
-            </a:r>
-            <a:endParaRPr kumimoji="0" lang="ja-JP" altLang="en-US" sz="1000" b="1" i="0" u="none" strike="noStrike" cap="none" normalizeH="0" baseline="0" dirty="0" smtClean="0">
-              <a:ln>
-                <a:noFill/>
-              </a:ln>
-              <a:solidFill>
-                <a:schemeClr val="tx1"/>
-              </a:solidFill>
-              <a:effectLst/>
-              <a:latin typeface="メイリオ"/>
-              <a:ea typeface="メイリオ"/>
-            </a:endParaRPr>
-          </a:p>
-        </p:txBody>
-      </p:sp>
-      <p:cxnSp>
-        <p:nvCxnSpPr>
-          <p:cNvPr id="8" name="直線矢印コネクタ 7"/>
-          <p:cNvCxnSpPr>
-            <a:stCxn id="4" idx="3"/>
-            <a:endCxn id="5" idx="1"/>
-          </p:cNvCxnSpPr>
-          <p:nvPr/>
-        </p:nvCxnSpPr>
-        <p:spPr bwMode="auto">
-          <a:xfrm>
-            <a:off x="1854200" y="3854450"/>
-            <a:ext cx="1701800" cy="25400"/>
-          </a:xfrm>
-          <a:prstGeom prst="straightConnector1">
-            <a:avLst/>
-          </a:prstGeom>
-          <a:solidFill>
-            <a:srgbClr val="FFCC00"/>
-          </a:solidFill>
-          <a:ln w="12700" cap="rnd" cmpd="sng" algn="ctr">
-            <a:solidFill>
-              <a:schemeClr val="tx1"/>
-            </a:solidFill>
-            <a:prstDash val="solid"/>
-            <a:round/>
-            <a:headEnd type="none" w="sm" len="sm"/>
-            <a:tailEnd type="arrow"/>
-          </a:ln>
-          <a:effectLst/>
-          <a:extLst>
-            <a:ext uri="{AF507438-7753-43e0-B8FC-AC1667EBCBE1}">
-              <a14:hiddenEffects xmlns:a14="http://schemas.microsoft.com/office/drawing/2010/main">
-                <a:effectLst>
-                  <a:outerShdw dist="35921" dir="2700000" algn="ctr" rotWithShape="0">
-                    <a:schemeClr val="bg2"/>
-                  </a:outerShdw>
-                </a:effectLst>
-              </a14:hiddenEffects>
-            </a:ext>
-          </a:extLst>
-        </p:spPr>
-      </p:cxnSp>
-      <p:cxnSp>
-        <p:nvCxnSpPr>
-          <p:cNvPr id="12" name="直線矢印コネクタ 11"/>
-          <p:cNvCxnSpPr>
-            <a:stCxn id="5" idx="3"/>
-            <a:endCxn id="6" idx="1"/>
-          </p:cNvCxnSpPr>
-          <p:nvPr/>
-        </p:nvCxnSpPr>
-        <p:spPr bwMode="auto">
-          <a:xfrm>
-            <a:off x="4495800" y="3879850"/>
-            <a:ext cx="1676400" cy="12700"/>
-          </a:xfrm>
-          <a:prstGeom prst="straightConnector1">
-            <a:avLst/>
-          </a:prstGeom>
-          <a:solidFill>
-            <a:srgbClr val="FFCC00"/>
-          </a:solidFill>
-          <a:ln w="12700" cap="rnd" cmpd="sng" algn="ctr">
-            <a:solidFill>
-              <a:schemeClr val="tx1"/>
-            </a:solidFill>
-            <a:prstDash val="solid"/>
-            <a:round/>
-            <a:headEnd type="none" w="sm" len="sm"/>
-            <a:tailEnd type="arrow"/>
-          </a:ln>
-          <a:effectLst/>
-          <a:extLst>
-            <a:ext uri="{AF507438-7753-43e0-B8FC-AC1667EBCBE1}">
-              <a14:hiddenEffects xmlns:a14="http://schemas.microsoft.com/office/drawing/2010/main">
-                <a:effectLst>
-                  <a:outerShdw dist="35921" dir="2700000" algn="ctr" rotWithShape="0">
-                    <a:schemeClr val="bg2"/>
-                  </a:outerShdw>
-                </a:effectLst>
-              </a14:hiddenEffects>
-            </a:ext>
-          </a:extLst>
-        </p:spPr>
-      </p:cxnSp>
-      <p:sp>
-        <p:nvSpPr>
-          <p:cNvPr id="16" name="テキスト ボックス 15"/>
-          <p:cNvSpPr txBox="1"/>
-          <p:nvPr/>
-        </p:nvSpPr>
-        <p:spPr>
-          <a:xfrm>
-            <a:off x="510282" y="3365500"/>
-            <a:ext cx="1261884" cy="307777"/>
-          </a:xfrm>
-          <a:prstGeom prst="rect">
-            <a:avLst/>
-          </a:prstGeom>
-          <a:noFill/>
-        </p:spPr>
-        <p:txBody>
-          <a:bodyPr wrap="none" rtlCol="0">
-            <a:spAutoFit/>
-          </a:bodyPr>
-          <a:lstStyle/>
-          <a:p>
-            <a:r>
-              <a:rPr kumimoji="1" lang="ja-JP" altLang="en-US" sz="1400" b="1" dirty="0" smtClean="0">
-                <a:latin typeface="メイリオ"/>
-                <a:ea typeface="メイリオ"/>
-                <a:cs typeface="メイリオ"/>
-              </a:rPr>
-              <a:t>基本パターン</a:t>
-            </a:r>
-            <a:endParaRPr kumimoji="1" lang="ja-JP" altLang="en-US" sz="1400" b="1" dirty="0">
-              <a:latin typeface="メイリオ"/>
-              <a:ea typeface="メイリオ"/>
-              <a:cs typeface="メイリオ"/>
-            </a:endParaRPr>
-          </a:p>
-        </p:txBody>
-      </p:sp>
-      <p:sp>
-        <p:nvSpPr>
-          <p:cNvPr id="19" name="正方形/長方形 18"/>
-          <p:cNvSpPr/>
-          <p:nvPr/>
-        </p:nvSpPr>
-        <p:spPr bwMode="auto">
-          <a:xfrm>
-            <a:off x="914400" y="4876800"/>
-            <a:ext cx="939800" cy="317500"/>
-          </a:xfrm>
-          <a:prstGeom prst="rect">
-            <a:avLst/>
-          </a:prstGeom>
-          <a:solidFill>
-            <a:schemeClr val="accent2">
-              <a:lumMod val="20000"/>
-              <a:lumOff val="80000"/>
-            </a:schemeClr>
-          </a:solidFill>
-          <a:ln w="12700" cap="rnd" cmpd="sng" algn="ctr">
-            <a:solidFill>
-              <a:schemeClr val="tx1"/>
-            </a:solidFill>
-            <a:prstDash val="solid"/>
-            <a:round/>
-            <a:headEnd type="none" w="sm" len="sm"/>
-            <a:tailEnd type="none" w="sm" len="sm"/>
-          </a:ln>
-          <a:effectLst/>
-          <a:extLst/>
-        </p:spPr>
-        <p:txBody>
-          <a:bodyPr rot="0" spcFirstLastPara="0" vertOverflow="overflow" horzOverflow="overflow" vert="horz" wrap="square" lIns="91440" tIns="45720" rIns="91440" bIns="45720" numCol="1" spcCol="0" rtlCol="0" fromWordArt="0" anchor="ctr" anchorCtr="0" forceAA="0" compatLnSpc="1">
-            <a:prstTxWarp prst="textNoShape">
-              <a:avLst/>
-            </a:prstTxWarp>
-            <a:noAutofit/>
-          </a:bodyPr>
-          <a:lstStyle/>
-          <a:p>
-            <a:pPr marL="0" marR="0" indent="0" algn="ctr" defTabSz="914400" rtl="0" eaLnBrk="0" fontAlgn="base" latinLnBrk="0" hangingPunct="0">
-              <a:lnSpc>
-                <a:spcPct val="100000"/>
-              </a:lnSpc>
-              <a:spcBef>
-                <a:spcPct val="0"/>
-              </a:spcBef>
-              <a:spcAft>
-                <a:spcPct val="0"/>
-              </a:spcAft>
-              <a:buClrTx/>
-              <a:buSzTx/>
-              <a:buFontTx/>
-              <a:buNone/>
-              <a:tabLst/>
-            </a:pPr>
-            <a:r>
-              <a:rPr kumimoji="0" lang="en-US" altLang="ja-JP" sz="1000" b="1" i="0" u="none" strike="noStrike" cap="none" normalizeH="0" baseline="0" dirty="0" smtClean="0">
-                <a:ln>
-                  <a:noFill/>
-                </a:ln>
-                <a:solidFill>
-                  <a:schemeClr val="tx1"/>
-                </a:solidFill>
-                <a:effectLst/>
-                <a:latin typeface="メイリオ"/>
-                <a:ea typeface="メイリオ"/>
-              </a:rPr>
-              <a:t>Publisher</a:t>
-            </a:r>
-            <a:endParaRPr kumimoji="0" lang="ja-JP" altLang="en-US" sz="1000" b="1" i="0" u="none" strike="noStrike" cap="none" normalizeH="0" baseline="0" dirty="0" smtClean="0">
-              <a:ln>
-                <a:noFill/>
-              </a:ln>
-              <a:solidFill>
-                <a:schemeClr val="tx1"/>
-              </a:solidFill>
-              <a:effectLst/>
-              <a:latin typeface="メイリオ"/>
-              <a:ea typeface="メイリオ"/>
-            </a:endParaRPr>
-          </a:p>
-        </p:txBody>
-      </p:sp>
-      <p:sp>
-        <p:nvSpPr>
-          <p:cNvPr id="20" name="正方形/長方形 19"/>
-          <p:cNvSpPr/>
-          <p:nvPr/>
-        </p:nvSpPr>
-        <p:spPr bwMode="auto">
-          <a:xfrm>
-            <a:off x="3556000" y="4902200"/>
-            <a:ext cx="939800" cy="317500"/>
-          </a:xfrm>
-          <a:prstGeom prst="rect">
-            <a:avLst/>
-          </a:prstGeom>
-          <a:solidFill>
-            <a:srgbClr val="FFF0A6"/>
-          </a:solidFill>
-          <a:ln w="12700" cap="rnd" cmpd="sng" algn="ctr">
-            <a:solidFill>
-              <a:schemeClr val="tx1"/>
-            </a:solidFill>
-            <a:prstDash val="solid"/>
-            <a:round/>
-            <a:headEnd type="none" w="sm" len="sm"/>
-            <a:tailEnd type="none" w="sm" len="sm"/>
-          </a:ln>
-          <a:effectLst/>
-          <a:extLst/>
-        </p:spPr>
-        <p:txBody>
-          <a:bodyPr rot="0" spcFirstLastPara="0" vertOverflow="overflow" horzOverflow="overflow" vert="horz" wrap="square" lIns="91440" tIns="45720" rIns="91440" bIns="45720" numCol="1" spcCol="0" rtlCol="0" fromWordArt="0" anchor="ctr" anchorCtr="0" forceAA="0" compatLnSpc="1">
-            <a:prstTxWarp prst="textNoShape">
-              <a:avLst/>
-            </a:prstTxWarp>
-            <a:noAutofit/>
-          </a:bodyPr>
-          <a:lstStyle/>
-          <a:p>
-            <a:pPr marL="0" marR="0" indent="0" algn="ctr" defTabSz="914400" rtl="0" eaLnBrk="0" fontAlgn="base" latinLnBrk="0" hangingPunct="0">
-              <a:lnSpc>
-                <a:spcPct val="100000"/>
-              </a:lnSpc>
-              <a:spcBef>
-                <a:spcPct val="0"/>
-              </a:spcBef>
-              <a:spcAft>
-                <a:spcPct val="0"/>
-              </a:spcAft>
-              <a:buClrTx/>
-              <a:buSzTx/>
-              <a:buFontTx/>
-              <a:buNone/>
-              <a:tabLst/>
-            </a:pPr>
-            <a:r>
-              <a:rPr lang="en-US" altLang="ja-JP" sz="1000" b="1" dirty="0" smtClean="0">
-                <a:latin typeface="メイリオ"/>
-                <a:ea typeface="メイリオ"/>
-              </a:rPr>
-              <a:t>Broker</a:t>
-            </a:r>
-            <a:endParaRPr kumimoji="0" lang="ja-JP" altLang="en-US" sz="1000" b="1" i="0" u="none" strike="noStrike" cap="none" normalizeH="0" baseline="0" dirty="0" smtClean="0">
-              <a:ln>
-                <a:noFill/>
-              </a:ln>
-              <a:solidFill>
-                <a:schemeClr val="tx1"/>
-              </a:solidFill>
-              <a:effectLst/>
-              <a:latin typeface="メイリオ"/>
-              <a:ea typeface="メイリオ"/>
-            </a:endParaRPr>
-          </a:p>
-        </p:txBody>
-      </p:sp>
-      <p:sp>
-        <p:nvSpPr>
-          <p:cNvPr id="21" name="正方形/長方形 20"/>
-          <p:cNvSpPr/>
-          <p:nvPr/>
-        </p:nvSpPr>
-        <p:spPr bwMode="auto">
-          <a:xfrm>
-            <a:off x="6172200" y="4914900"/>
-            <a:ext cx="939800" cy="317500"/>
-          </a:xfrm>
-          <a:prstGeom prst="rect">
-            <a:avLst/>
-          </a:prstGeom>
-          <a:solidFill>
-            <a:srgbClr val="FFD0ED"/>
-          </a:solidFill>
-          <a:ln w="12700" cap="rnd" cmpd="sng" algn="ctr">
-            <a:solidFill>
-              <a:schemeClr val="tx1"/>
-            </a:solidFill>
-            <a:prstDash val="solid"/>
-            <a:round/>
-            <a:headEnd type="none" w="sm" len="sm"/>
-            <a:tailEnd type="none" w="sm" len="sm"/>
-          </a:ln>
-          <a:effectLst/>
-          <a:extLst/>
-        </p:spPr>
-        <p:txBody>
-          <a:bodyPr rot="0" spcFirstLastPara="0" vertOverflow="overflow" horzOverflow="overflow" vert="horz" wrap="square" lIns="91440" tIns="45720" rIns="91440" bIns="45720" numCol="1" spcCol="0" rtlCol="0" fromWordArt="0" anchor="ctr" anchorCtr="0" forceAA="0" compatLnSpc="1">
-            <a:prstTxWarp prst="textNoShape">
-              <a:avLst/>
-            </a:prstTxWarp>
-            <a:noAutofit/>
-          </a:bodyPr>
-          <a:lstStyle/>
-          <a:p>
-            <a:pPr marL="0" marR="0" indent="0" algn="ctr" defTabSz="914400" rtl="0" eaLnBrk="0" fontAlgn="base" latinLnBrk="0" hangingPunct="0">
-              <a:lnSpc>
-                <a:spcPct val="100000"/>
-              </a:lnSpc>
-              <a:spcBef>
-                <a:spcPct val="0"/>
-              </a:spcBef>
-              <a:spcAft>
-                <a:spcPct val="0"/>
-              </a:spcAft>
-              <a:buClrTx/>
-              <a:buSzTx/>
-              <a:buFontTx/>
-              <a:buNone/>
-              <a:tabLst/>
-            </a:pPr>
-            <a:r>
-              <a:rPr lang="en-US" altLang="ja-JP" sz="1000" b="1" dirty="0" smtClean="0">
-                <a:latin typeface="メイリオ"/>
-                <a:ea typeface="メイリオ"/>
-              </a:rPr>
-              <a:t>Subscriber</a:t>
-            </a:r>
-            <a:endParaRPr kumimoji="0" lang="ja-JP" altLang="en-US" sz="1000" b="1" i="0" u="none" strike="noStrike" cap="none" normalizeH="0" baseline="0" dirty="0" smtClean="0">
-              <a:ln>
-                <a:noFill/>
-              </a:ln>
-              <a:solidFill>
-                <a:schemeClr val="tx1"/>
-              </a:solidFill>
-              <a:effectLst/>
-              <a:latin typeface="メイリオ"/>
-              <a:ea typeface="メイリオ"/>
-            </a:endParaRPr>
-          </a:p>
-        </p:txBody>
-      </p:sp>
-      <p:cxnSp>
-        <p:nvCxnSpPr>
-          <p:cNvPr id="22" name="直線矢印コネクタ 21"/>
-          <p:cNvCxnSpPr>
-            <a:stCxn id="19" idx="3"/>
-            <a:endCxn id="20" idx="1"/>
-          </p:cNvCxnSpPr>
-          <p:nvPr/>
-        </p:nvCxnSpPr>
-        <p:spPr bwMode="auto">
-          <a:xfrm>
-            <a:off x="1854200" y="5035550"/>
-            <a:ext cx="1701800" cy="25400"/>
-          </a:xfrm>
-          <a:prstGeom prst="straightConnector1">
-            <a:avLst/>
-          </a:prstGeom>
-          <a:solidFill>
-            <a:srgbClr val="FFCC00"/>
-          </a:solidFill>
-          <a:ln w="12700" cap="rnd" cmpd="sng" algn="ctr">
-            <a:solidFill>
-              <a:schemeClr val="tx1"/>
-            </a:solidFill>
-            <a:prstDash val="solid"/>
-            <a:round/>
-            <a:headEnd type="none" w="sm" len="sm"/>
-            <a:tailEnd type="arrow"/>
-          </a:ln>
-          <a:effectLst/>
-          <a:extLst>
-            <a:ext uri="{AF507438-7753-43e0-B8FC-AC1667EBCBE1}">
-              <a14:hiddenEffects xmlns:a14="http://schemas.microsoft.com/office/drawing/2010/main">
-                <a:effectLst>
-                  <a:outerShdw dist="35921" dir="2700000" algn="ctr" rotWithShape="0">
-                    <a:schemeClr val="bg2"/>
-                  </a:outerShdw>
-                </a:effectLst>
-              </a14:hiddenEffects>
-            </a:ext>
-          </a:extLst>
-        </p:spPr>
-      </p:cxnSp>
-      <p:cxnSp>
-        <p:nvCxnSpPr>
-          <p:cNvPr id="23" name="直線矢印コネクタ 22"/>
-          <p:cNvCxnSpPr>
-            <a:stCxn id="20" idx="3"/>
-            <a:endCxn id="21" idx="1"/>
-          </p:cNvCxnSpPr>
-          <p:nvPr/>
-        </p:nvCxnSpPr>
-        <p:spPr bwMode="auto">
-          <a:xfrm>
-            <a:off x="4495800" y="5060950"/>
-            <a:ext cx="1676400" cy="12700"/>
-          </a:xfrm>
-          <a:prstGeom prst="straightConnector1">
-            <a:avLst/>
-          </a:prstGeom>
-          <a:solidFill>
-            <a:srgbClr val="FFCC00"/>
-          </a:solidFill>
-          <a:ln w="12700" cap="rnd" cmpd="sng" algn="ctr">
-            <a:solidFill>
-              <a:schemeClr val="tx1"/>
-            </a:solidFill>
-            <a:prstDash val="solid"/>
-            <a:round/>
-            <a:headEnd type="none" w="sm" len="sm"/>
-            <a:tailEnd type="arrow"/>
-          </a:ln>
-          <a:effectLst/>
-          <a:extLst>
-            <a:ext uri="{AF507438-7753-43e0-B8FC-AC1667EBCBE1}">
-              <a14:hiddenEffects xmlns:a14="http://schemas.microsoft.com/office/drawing/2010/main">
-                <a:effectLst>
-                  <a:outerShdw dist="35921" dir="2700000" algn="ctr" rotWithShape="0">
-                    <a:schemeClr val="bg2"/>
-                  </a:outerShdw>
-                </a:effectLst>
-              </a14:hiddenEffects>
-            </a:ext>
-          </a:extLst>
-        </p:spPr>
-      </p:cxnSp>
-      <p:sp>
-        <p:nvSpPr>
-          <p:cNvPr id="24" name="テキスト ボックス 23"/>
-          <p:cNvSpPr txBox="1"/>
-          <p:nvPr/>
-        </p:nvSpPr>
-        <p:spPr>
-          <a:xfrm>
-            <a:off x="509414" y="4203700"/>
-            <a:ext cx="1351652" cy="307777"/>
-          </a:xfrm>
-          <a:prstGeom prst="rect">
-            <a:avLst/>
-          </a:prstGeom>
-          <a:noFill/>
-        </p:spPr>
-        <p:txBody>
-          <a:bodyPr wrap="none" rtlCol="0">
-            <a:spAutoFit/>
-          </a:bodyPr>
-          <a:lstStyle/>
-          <a:p>
-            <a:r>
-              <a:rPr kumimoji="1" lang="en-US" altLang="ja-JP" sz="1400" b="1" dirty="0" smtClean="0">
-                <a:latin typeface="メイリオ"/>
-                <a:ea typeface="メイリオ"/>
-                <a:cs typeface="メイリオ"/>
-              </a:rPr>
-              <a:t>N</a:t>
-            </a:r>
-            <a:r>
-              <a:rPr kumimoji="1" lang="ja-JP" altLang="en-US" sz="1400" b="1" dirty="0" smtClean="0">
-                <a:latin typeface="メイリオ"/>
-                <a:ea typeface="メイリオ"/>
-                <a:cs typeface="メイリオ"/>
-              </a:rPr>
-              <a:t>対</a:t>
-            </a:r>
-            <a:r>
-              <a:rPr kumimoji="1" lang="en-US" altLang="ja-JP" sz="1400" b="1" dirty="0" smtClean="0">
-                <a:latin typeface="メイリオ"/>
-                <a:ea typeface="メイリオ"/>
-                <a:cs typeface="メイリオ"/>
-              </a:rPr>
-              <a:t>1</a:t>
-            </a:r>
-            <a:r>
-              <a:rPr kumimoji="1" lang="ja-JP" altLang="en-US" sz="1400" b="1" dirty="0" smtClean="0">
-                <a:latin typeface="メイリオ"/>
-                <a:ea typeface="メイリオ"/>
-                <a:cs typeface="メイリオ"/>
-              </a:rPr>
-              <a:t>パターン</a:t>
-            </a:r>
-            <a:endParaRPr kumimoji="1" lang="ja-JP" altLang="en-US" sz="1400" b="1" dirty="0">
-              <a:latin typeface="メイリオ"/>
-              <a:ea typeface="メイリオ"/>
-              <a:cs typeface="メイリオ"/>
-            </a:endParaRPr>
-          </a:p>
-        </p:txBody>
-      </p:sp>
-      <p:sp>
-        <p:nvSpPr>
-          <p:cNvPr id="25" name="正方形/長方形 24"/>
-          <p:cNvSpPr/>
-          <p:nvPr/>
-        </p:nvSpPr>
-        <p:spPr bwMode="auto">
-          <a:xfrm>
-            <a:off x="889000" y="6057900"/>
-            <a:ext cx="939800" cy="279400"/>
-          </a:xfrm>
-          <a:prstGeom prst="rect">
-            <a:avLst/>
-          </a:prstGeom>
-          <a:solidFill>
-            <a:schemeClr val="accent2">
-              <a:lumMod val="20000"/>
-              <a:lumOff val="80000"/>
-            </a:schemeClr>
-          </a:solidFill>
-          <a:ln w="12700" cap="rnd" cmpd="sng" algn="ctr">
-            <a:solidFill>
-              <a:schemeClr val="tx1"/>
-            </a:solidFill>
-            <a:prstDash val="solid"/>
-            <a:round/>
-            <a:headEnd type="none" w="sm" len="sm"/>
-            <a:tailEnd type="none" w="sm" len="sm"/>
-          </a:ln>
-          <a:effectLst/>
-          <a:extLst/>
-        </p:spPr>
-        <p:txBody>
-          <a:bodyPr rot="0" spcFirstLastPara="0" vertOverflow="overflow" horzOverflow="overflow" vert="horz" wrap="square" lIns="91440" tIns="45720" rIns="91440" bIns="45720" numCol="1" spcCol="0" rtlCol="0" fromWordArt="0" anchor="ctr" anchorCtr="0" forceAA="0" compatLnSpc="1">
-            <a:prstTxWarp prst="textNoShape">
-              <a:avLst/>
-            </a:prstTxWarp>
-            <a:noAutofit/>
-          </a:bodyPr>
-          <a:lstStyle/>
-          <a:p>
-            <a:pPr marL="0" marR="0" indent="0" algn="ctr" defTabSz="914400" rtl="0" eaLnBrk="0" fontAlgn="base" latinLnBrk="0" hangingPunct="0">
-              <a:lnSpc>
-                <a:spcPct val="100000"/>
-              </a:lnSpc>
-              <a:spcBef>
-                <a:spcPct val="0"/>
-              </a:spcBef>
-              <a:spcAft>
-                <a:spcPct val="0"/>
-              </a:spcAft>
-              <a:buClrTx/>
-              <a:buSzTx/>
-              <a:buFontTx/>
-              <a:buNone/>
-              <a:tabLst/>
-            </a:pPr>
-            <a:r>
-              <a:rPr kumimoji="0" lang="en-US" altLang="ja-JP" sz="1000" b="1" i="0" u="none" strike="noStrike" cap="none" normalizeH="0" baseline="0" dirty="0" smtClean="0">
-                <a:ln>
-                  <a:noFill/>
-                </a:ln>
-                <a:solidFill>
-                  <a:schemeClr val="tx1"/>
-                </a:solidFill>
-                <a:effectLst/>
-                <a:latin typeface="メイリオ"/>
-                <a:ea typeface="メイリオ"/>
-              </a:rPr>
-              <a:t>Publisher</a:t>
-            </a:r>
-            <a:endParaRPr kumimoji="0" lang="ja-JP" altLang="en-US" sz="1000" b="1" i="0" u="none" strike="noStrike" cap="none" normalizeH="0" baseline="0" dirty="0" smtClean="0">
-              <a:ln>
-                <a:noFill/>
-              </a:ln>
-              <a:solidFill>
-                <a:schemeClr val="tx1"/>
-              </a:solidFill>
-              <a:effectLst/>
-              <a:latin typeface="メイリオ"/>
-              <a:ea typeface="メイリオ"/>
-            </a:endParaRPr>
-          </a:p>
-        </p:txBody>
-      </p:sp>
-      <p:sp>
-        <p:nvSpPr>
-          <p:cNvPr id="26" name="正方形/長方形 25"/>
-          <p:cNvSpPr/>
-          <p:nvPr/>
-        </p:nvSpPr>
-        <p:spPr bwMode="auto">
-          <a:xfrm>
-            <a:off x="3530600" y="6083300"/>
-            <a:ext cx="939800" cy="279400"/>
-          </a:xfrm>
-          <a:prstGeom prst="rect">
-            <a:avLst/>
-          </a:prstGeom>
-          <a:solidFill>
-            <a:srgbClr val="FFF0A6"/>
-          </a:solidFill>
-          <a:ln w="12700" cap="rnd" cmpd="sng" algn="ctr">
-            <a:solidFill>
-              <a:schemeClr val="tx1"/>
-            </a:solidFill>
-            <a:prstDash val="solid"/>
-            <a:round/>
-            <a:headEnd type="none" w="sm" len="sm"/>
-            <a:tailEnd type="none" w="sm" len="sm"/>
-          </a:ln>
-          <a:effectLst/>
-          <a:extLst/>
-        </p:spPr>
-        <p:txBody>
-          <a:bodyPr rot="0" spcFirstLastPara="0" vertOverflow="overflow" horzOverflow="overflow" vert="horz" wrap="square" lIns="91440" tIns="45720" rIns="91440" bIns="45720" numCol="1" spcCol="0" rtlCol="0" fromWordArt="0" anchor="ctr" anchorCtr="0" forceAA="0" compatLnSpc="1">
-            <a:prstTxWarp prst="textNoShape">
-              <a:avLst/>
-            </a:prstTxWarp>
-            <a:noAutofit/>
-          </a:bodyPr>
-          <a:lstStyle/>
-          <a:p>
-            <a:pPr marL="0" marR="0" indent="0" algn="ctr" defTabSz="914400" rtl="0" eaLnBrk="0" fontAlgn="base" latinLnBrk="0" hangingPunct="0">
-              <a:lnSpc>
-                <a:spcPct val="100000"/>
-              </a:lnSpc>
-              <a:spcBef>
-                <a:spcPct val="0"/>
-              </a:spcBef>
-              <a:spcAft>
-                <a:spcPct val="0"/>
-              </a:spcAft>
-              <a:buClrTx/>
-              <a:buSzTx/>
-              <a:buFontTx/>
-              <a:buNone/>
-              <a:tabLst/>
-            </a:pPr>
-            <a:r>
-              <a:rPr lang="en-US" altLang="ja-JP" sz="1000" b="1" dirty="0" smtClean="0">
-                <a:latin typeface="メイリオ"/>
-                <a:ea typeface="メイリオ"/>
-              </a:rPr>
-              <a:t>Broker</a:t>
-            </a:r>
-            <a:endParaRPr kumimoji="0" lang="ja-JP" altLang="en-US" sz="1000" b="1" i="0" u="none" strike="noStrike" cap="none" normalizeH="0" baseline="0" dirty="0" smtClean="0">
-              <a:ln>
-                <a:noFill/>
-              </a:ln>
-              <a:solidFill>
-                <a:schemeClr val="tx1"/>
-              </a:solidFill>
-              <a:effectLst/>
-              <a:latin typeface="メイリオ"/>
-              <a:ea typeface="メイリオ"/>
-            </a:endParaRPr>
-          </a:p>
-        </p:txBody>
-      </p:sp>
-      <p:sp>
-        <p:nvSpPr>
-          <p:cNvPr id="27" name="正方形/長方形 26"/>
-          <p:cNvSpPr/>
-          <p:nvPr/>
-        </p:nvSpPr>
-        <p:spPr bwMode="auto">
-          <a:xfrm>
-            <a:off x="6146800" y="6096000"/>
-            <a:ext cx="939800" cy="279400"/>
-          </a:xfrm>
-          <a:prstGeom prst="rect">
-            <a:avLst/>
-          </a:prstGeom>
-          <a:solidFill>
-            <a:srgbClr val="FFD0ED"/>
-          </a:solidFill>
-          <a:ln w="12700" cap="rnd" cmpd="sng" algn="ctr">
-            <a:solidFill>
-              <a:schemeClr val="tx1"/>
-            </a:solidFill>
-            <a:prstDash val="solid"/>
-            <a:round/>
-            <a:headEnd type="none" w="sm" len="sm"/>
-            <a:tailEnd type="none" w="sm" len="sm"/>
-          </a:ln>
-          <a:effectLst/>
-          <a:extLst/>
-        </p:spPr>
-        <p:txBody>
-          <a:bodyPr rot="0" spcFirstLastPara="0" vertOverflow="overflow" horzOverflow="overflow" vert="horz" wrap="square" lIns="91440" tIns="45720" rIns="91440" bIns="45720" numCol="1" spcCol="0" rtlCol="0" fromWordArt="0" anchor="ctr" anchorCtr="0" forceAA="0" compatLnSpc="1">
-            <a:prstTxWarp prst="textNoShape">
-              <a:avLst/>
-            </a:prstTxWarp>
-            <a:noAutofit/>
-          </a:bodyPr>
-          <a:lstStyle/>
-          <a:p>
-            <a:pPr marL="0" marR="0" indent="0" algn="ctr" defTabSz="914400" rtl="0" eaLnBrk="0" fontAlgn="base" latinLnBrk="0" hangingPunct="0">
-              <a:lnSpc>
-                <a:spcPct val="100000"/>
-              </a:lnSpc>
-              <a:spcBef>
-                <a:spcPct val="0"/>
-              </a:spcBef>
-              <a:spcAft>
-                <a:spcPct val="0"/>
-              </a:spcAft>
-              <a:buClrTx/>
-              <a:buSzTx/>
-              <a:buFontTx/>
-              <a:buNone/>
-              <a:tabLst/>
-            </a:pPr>
-            <a:r>
-              <a:rPr lang="en-US" altLang="ja-JP" sz="1000" b="1" dirty="0" smtClean="0">
-                <a:latin typeface="メイリオ"/>
-                <a:ea typeface="メイリオ"/>
-              </a:rPr>
-              <a:t>Subscriber</a:t>
-            </a:r>
-            <a:endParaRPr kumimoji="0" lang="ja-JP" altLang="en-US" sz="1000" b="1" i="0" u="none" strike="noStrike" cap="none" normalizeH="0" baseline="0" dirty="0" smtClean="0">
-              <a:ln>
-                <a:noFill/>
-              </a:ln>
-              <a:solidFill>
-                <a:schemeClr val="tx1"/>
-              </a:solidFill>
-              <a:effectLst/>
-              <a:latin typeface="メイリオ"/>
-              <a:ea typeface="メイリオ"/>
-            </a:endParaRPr>
-          </a:p>
-        </p:txBody>
-      </p:sp>
-      <p:cxnSp>
-        <p:nvCxnSpPr>
-          <p:cNvPr id="28" name="直線矢印コネクタ 27"/>
-          <p:cNvCxnSpPr>
-            <a:stCxn id="25" idx="3"/>
-            <a:endCxn id="26" idx="1"/>
-          </p:cNvCxnSpPr>
-          <p:nvPr/>
-        </p:nvCxnSpPr>
-        <p:spPr bwMode="auto">
-          <a:xfrm>
-            <a:off x="1828800" y="6197600"/>
-            <a:ext cx="1701800" cy="25400"/>
-          </a:xfrm>
-          <a:prstGeom prst="straightConnector1">
-            <a:avLst/>
-          </a:prstGeom>
-          <a:solidFill>
-            <a:srgbClr val="FFCC00"/>
-          </a:solidFill>
-          <a:ln w="12700" cap="rnd" cmpd="sng" algn="ctr">
-            <a:solidFill>
-              <a:schemeClr val="tx1"/>
-            </a:solidFill>
-            <a:prstDash val="solid"/>
-            <a:round/>
-            <a:headEnd type="none" w="sm" len="sm"/>
-            <a:tailEnd type="arrow"/>
-          </a:ln>
-          <a:effectLst/>
-          <a:extLst>
-            <a:ext uri="{AF507438-7753-43e0-B8FC-AC1667EBCBE1}">
-              <a14:hiddenEffects xmlns:a14="http://schemas.microsoft.com/office/drawing/2010/main">
-                <a:effectLst>
-                  <a:outerShdw dist="35921" dir="2700000" algn="ctr" rotWithShape="0">
-                    <a:schemeClr val="bg2"/>
-                  </a:outerShdw>
-                </a:effectLst>
-              </a14:hiddenEffects>
-            </a:ext>
-          </a:extLst>
-        </p:spPr>
-      </p:cxnSp>
-      <p:cxnSp>
-        <p:nvCxnSpPr>
-          <p:cNvPr id="29" name="直線矢印コネクタ 28"/>
-          <p:cNvCxnSpPr>
-            <a:stCxn id="26" idx="3"/>
-            <a:endCxn id="27" idx="1"/>
-          </p:cNvCxnSpPr>
-          <p:nvPr/>
-        </p:nvCxnSpPr>
-        <p:spPr bwMode="auto">
-          <a:xfrm>
-            <a:off x="4470400" y="6223000"/>
-            <a:ext cx="1676400" cy="12700"/>
-          </a:xfrm>
-          <a:prstGeom prst="straightConnector1">
-            <a:avLst/>
-          </a:prstGeom>
-          <a:solidFill>
-            <a:srgbClr val="FFCC00"/>
-          </a:solidFill>
-          <a:ln w="12700" cap="rnd" cmpd="sng" algn="ctr">
-            <a:solidFill>
-              <a:schemeClr val="tx1"/>
-            </a:solidFill>
-            <a:prstDash val="solid"/>
-            <a:round/>
-            <a:headEnd type="none" w="sm" len="sm"/>
-            <a:tailEnd type="arrow"/>
-          </a:ln>
-          <a:effectLst/>
-          <a:extLst>
-            <a:ext uri="{AF507438-7753-43e0-B8FC-AC1667EBCBE1}">
-              <a14:hiddenEffects xmlns:a14="http://schemas.microsoft.com/office/drawing/2010/main">
-                <a:effectLst>
-                  <a:outerShdw dist="35921" dir="2700000" algn="ctr" rotWithShape="0">
-                    <a:schemeClr val="bg2"/>
-                  </a:outerShdw>
-                </a:effectLst>
-              </a14:hiddenEffects>
-            </a:ext>
-          </a:extLst>
-        </p:spPr>
-      </p:cxnSp>
-      <p:sp>
-        <p:nvSpPr>
-          <p:cNvPr id="30" name="テキスト ボックス 29"/>
-          <p:cNvSpPr txBox="1"/>
-          <p:nvPr/>
-        </p:nvSpPr>
-        <p:spPr>
-          <a:xfrm>
-            <a:off x="572914" y="5689600"/>
-            <a:ext cx="1351652" cy="307777"/>
-          </a:xfrm>
-          <a:prstGeom prst="rect">
-            <a:avLst/>
-          </a:prstGeom>
-          <a:noFill/>
-        </p:spPr>
-        <p:txBody>
-          <a:bodyPr wrap="none" rtlCol="0">
-            <a:spAutoFit/>
-          </a:bodyPr>
-          <a:lstStyle/>
-          <a:p>
-            <a:r>
-              <a:rPr kumimoji="1" lang="en-US" altLang="ja-JP" sz="1400" b="1" dirty="0" smtClean="0">
-                <a:latin typeface="メイリオ"/>
-                <a:ea typeface="メイリオ"/>
-                <a:cs typeface="メイリオ"/>
-              </a:rPr>
-              <a:t>1</a:t>
-            </a:r>
-            <a:r>
-              <a:rPr kumimoji="1" lang="ja-JP" altLang="en-US" sz="1400" b="1" dirty="0" smtClean="0">
-                <a:latin typeface="メイリオ"/>
-                <a:ea typeface="メイリオ"/>
-                <a:cs typeface="メイリオ"/>
-              </a:rPr>
-              <a:t>対</a:t>
-            </a:r>
-            <a:r>
-              <a:rPr kumimoji="1" lang="en-US" altLang="ja-JP" sz="1400" b="1" dirty="0" smtClean="0">
-                <a:latin typeface="メイリオ"/>
-                <a:ea typeface="メイリオ"/>
-                <a:cs typeface="メイリオ"/>
-              </a:rPr>
-              <a:t>N</a:t>
-            </a:r>
-            <a:r>
-              <a:rPr kumimoji="1" lang="ja-JP" altLang="en-US" sz="1400" b="1" dirty="0" smtClean="0">
-                <a:latin typeface="メイリオ"/>
-                <a:ea typeface="メイリオ"/>
-                <a:cs typeface="メイリオ"/>
-              </a:rPr>
-              <a:t>パターン</a:t>
-            </a:r>
-            <a:endParaRPr kumimoji="1" lang="ja-JP" altLang="en-US" sz="1400" b="1" dirty="0">
-              <a:latin typeface="メイリオ"/>
-              <a:ea typeface="メイリオ"/>
-              <a:cs typeface="メイリオ"/>
-            </a:endParaRPr>
-          </a:p>
-        </p:txBody>
-      </p:sp>
-      <p:sp>
-        <p:nvSpPr>
-          <p:cNvPr id="37" name="正方形/長方形 36"/>
-          <p:cNvSpPr/>
-          <p:nvPr/>
-        </p:nvSpPr>
-        <p:spPr bwMode="auto">
-          <a:xfrm>
-            <a:off x="914400" y="4483100"/>
-            <a:ext cx="939800" cy="317500"/>
-          </a:xfrm>
-          <a:prstGeom prst="rect">
-            <a:avLst/>
-          </a:prstGeom>
-          <a:solidFill>
-            <a:schemeClr val="accent2">
-              <a:lumMod val="20000"/>
-              <a:lumOff val="80000"/>
-            </a:schemeClr>
-          </a:solidFill>
-          <a:ln w="12700" cap="rnd" cmpd="sng" algn="ctr">
-            <a:solidFill>
-              <a:schemeClr val="tx1"/>
-            </a:solidFill>
-            <a:prstDash val="solid"/>
-            <a:round/>
-            <a:headEnd type="none" w="sm" len="sm"/>
-            <a:tailEnd type="none" w="sm" len="sm"/>
-          </a:ln>
-          <a:effectLst/>
-          <a:extLst/>
-        </p:spPr>
-        <p:txBody>
-          <a:bodyPr rot="0" spcFirstLastPara="0" vertOverflow="overflow" horzOverflow="overflow" vert="horz" wrap="square" lIns="91440" tIns="45720" rIns="91440" bIns="45720" numCol="1" spcCol="0" rtlCol="0" fromWordArt="0" anchor="ctr" anchorCtr="0" forceAA="0" compatLnSpc="1">
-            <a:prstTxWarp prst="textNoShape">
-              <a:avLst/>
-            </a:prstTxWarp>
-            <a:noAutofit/>
-          </a:bodyPr>
-          <a:lstStyle/>
-          <a:p>
-            <a:pPr marL="0" marR="0" indent="0" algn="ctr" defTabSz="914400" rtl="0" eaLnBrk="0" fontAlgn="base" latinLnBrk="0" hangingPunct="0">
-              <a:lnSpc>
-                <a:spcPct val="100000"/>
-              </a:lnSpc>
-              <a:spcBef>
-                <a:spcPct val="0"/>
-              </a:spcBef>
-              <a:spcAft>
-                <a:spcPct val="0"/>
-              </a:spcAft>
-              <a:buClrTx/>
-              <a:buSzTx/>
-              <a:buFontTx/>
-              <a:buNone/>
-              <a:tabLst/>
-            </a:pPr>
-            <a:r>
-              <a:rPr kumimoji="0" lang="en-US" altLang="ja-JP" sz="1000" b="1" i="0" u="none" strike="noStrike" cap="none" normalizeH="0" baseline="0" dirty="0" smtClean="0">
-                <a:ln>
-                  <a:noFill/>
-                </a:ln>
-                <a:solidFill>
-                  <a:schemeClr val="tx1"/>
-                </a:solidFill>
-                <a:effectLst/>
-                <a:latin typeface="メイリオ"/>
-                <a:ea typeface="メイリオ"/>
-              </a:rPr>
-              <a:t>Publisher</a:t>
-            </a:r>
-            <a:endParaRPr kumimoji="0" lang="ja-JP" altLang="en-US" sz="1000" b="1" i="0" u="none" strike="noStrike" cap="none" normalizeH="0" baseline="0" dirty="0" smtClean="0">
-              <a:ln>
-                <a:noFill/>
-              </a:ln>
-              <a:solidFill>
-                <a:schemeClr val="tx1"/>
-              </a:solidFill>
-              <a:effectLst/>
-              <a:latin typeface="メイリオ"/>
-              <a:ea typeface="メイリオ"/>
-            </a:endParaRPr>
-          </a:p>
-        </p:txBody>
-      </p:sp>
-      <p:sp>
-        <p:nvSpPr>
-          <p:cNvPr id="38" name="正方形/長方形 37"/>
-          <p:cNvSpPr/>
-          <p:nvPr/>
-        </p:nvSpPr>
-        <p:spPr bwMode="auto">
-          <a:xfrm>
-            <a:off x="927100" y="5270500"/>
-            <a:ext cx="939800" cy="317500"/>
-          </a:xfrm>
-          <a:prstGeom prst="rect">
-            <a:avLst/>
-          </a:prstGeom>
-          <a:solidFill>
-            <a:schemeClr val="accent2">
-              <a:lumMod val="20000"/>
-              <a:lumOff val="80000"/>
-            </a:schemeClr>
-          </a:solidFill>
-          <a:ln w="12700" cap="rnd" cmpd="sng" algn="ctr">
-            <a:solidFill>
-              <a:schemeClr val="tx1"/>
-            </a:solidFill>
-            <a:prstDash val="solid"/>
-            <a:round/>
-            <a:headEnd type="none" w="sm" len="sm"/>
-            <a:tailEnd type="none" w="sm" len="sm"/>
-          </a:ln>
-          <a:effectLst/>
-          <a:extLst/>
-        </p:spPr>
-        <p:txBody>
-          <a:bodyPr rot="0" spcFirstLastPara="0" vertOverflow="overflow" horzOverflow="overflow" vert="horz" wrap="square" lIns="91440" tIns="45720" rIns="91440" bIns="45720" numCol="1" spcCol="0" rtlCol="0" fromWordArt="0" anchor="ctr" anchorCtr="0" forceAA="0" compatLnSpc="1">
-            <a:prstTxWarp prst="textNoShape">
-              <a:avLst/>
-            </a:prstTxWarp>
-            <a:noAutofit/>
-          </a:bodyPr>
-          <a:lstStyle/>
-          <a:p>
-            <a:pPr marL="0" marR="0" indent="0" algn="ctr" defTabSz="914400" rtl="0" eaLnBrk="0" fontAlgn="base" latinLnBrk="0" hangingPunct="0">
-              <a:lnSpc>
-                <a:spcPct val="100000"/>
-              </a:lnSpc>
-              <a:spcBef>
-                <a:spcPct val="0"/>
-              </a:spcBef>
-              <a:spcAft>
-                <a:spcPct val="0"/>
-              </a:spcAft>
-              <a:buClrTx/>
-              <a:buSzTx/>
-              <a:buFontTx/>
-              <a:buNone/>
-              <a:tabLst/>
-            </a:pPr>
-            <a:r>
-              <a:rPr kumimoji="0" lang="en-US" altLang="ja-JP" sz="1000" b="1" i="0" u="none" strike="noStrike" cap="none" normalizeH="0" baseline="0" dirty="0" smtClean="0">
-                <a:ln>
-                  <a:noFill/>
-                </a:ln>
-                <a:solidFill>
-                  <a:schemeClr val="tx1"/>
-                </a:solidFill>
-                <a:effectLst/>
-                <a:latin typeface="メイリオ"/>
-                <a:ea typeface="メイリオ"/>
-              </a:rPr>
-              <a:t>Publisher</a:t>
-            </a:r>
-            <a:endParaRPr kumimoji="0" lang="ja-JP" altLang="en-US" sz="1000" b="1" i="0" u="none" strike="noStrike" cap="none" normalizeH="0" baseline="0" dirty="0" smtClean="0">
-              <a:ln>
-                <a:noFill/>
-              </a:ln>
-              <a:solidFill>
-                <a:schemeClr val="tx1"/>
-              </a:solidFill>
-              <a:effectLst/>
-              <a:latin typeface="メイリオ"/>
-              <a:ea typeface="メイリオ"/>
-            </a:endParaRPr>
-          </a:p>
-        </p:txBody>
-      </p:sp>
-      <p:cxnSp>
-        <p:nvCxnSpPr>
-          <p:cNvPr id="39" name="直線矢印コネクタ 38"/>
-          <p:cNvCxnSpPr>
-            <a:stCxn id="37" idx="3"/>
-            <a:endCxn id="20" idx="1"/>
-          </p:cNvCxnSpPr>
-          <p:nvPr/>
-        </p:nvCxnSpPr>
-        <p:spPr bwMode="auto">
-          <a:xfrm>
-            <a:off x="1854200" y="4641850"/>
-            <a:ext cx="1701800" cy="419100"/>
-          </a:xfrm>
-          <a:prstGeom prst="straightConnector1">
-            <a:avLst/>
-          </a:prstGeom>
-          <a:solidFill>
-            <a:srgbClr val="FFCC00"/>
-          </a:solidFill>
-          <a:ln w="12700" cap="rnd" cmpd="sng" algn="ctr">
-            <a:solidFill>
-              <a:schemeClr val="tx1"/>
-            </a:solidFill>
-            <a:prstDash val="solid"/>
-            <a:round/>
-            <a:headEnd type="none" w="sm" len="sm"/>
-            <a:tailEnd type="arrow"/>
-          </a:ln>
-          <a:effectLst/>
-          <a:extLst>
-            <a:ext uri="{AF507438-7753-43e0-B8FC-AC1667EBCBE1}">
-              <a14:hiddenEffects xmlns:a14="http://schemas.microsoft.com/office/drawing/2010/main">
-                <a:effectLst>
-                  <a:outerShdw dist="35921" dir="2700000" algn="ctr" rotWithShape="0">
-                    <a:schemeClr val="bg2"/>
-                  </a:outerShdw>
-                </a:effectLst>
-              </a14:hiddenEffects>
-            </a:ext>
-          </a:extLst>
-        </p:spPr>
-      </p:cxnSp>
-      <p:cxnSp>
-        <p:nvCxnSpPr>
-          <p:cNvPr id="42" name="直線矢印コネクタ 41"/>
-          <p:cNvCxnSpPr>
-            <a:stCxn id="38" idx="3"/>
-            <a:endCxn id="20" idx="1"/>
-          </p:cNvCxnSpPr>
-          <p:nvPr/>
-        </p:nvCxnSpPr>
-        <p:spPr bwMode="auto">
-          <a:xfrm flipV="1">
-            <a:off x="1866900" y="5060950"/>
-            <a:ext cx="1689100" cy="368300"/>
-          </a:xfrm>
-          <a:prstGeom prst="straightConnector1">
-            <a:avLst/>
-          </a:prstGeom>
-          <a:solidFill>
-            <a:srgbClr val="FFCC00"/>
-          </a:solidFill>
-          <a:ln w="12700" cap="rnd" cmpd="sng" algn="ctr">
-            <a:solidFill>
-              <a:schemeClr val="tx1"/>
-            </a:solidFill>
-            <a:prstDash val="solid"/>
-            <a:round/>
-            <a:headEnd type="none" w="sm" len="sm"/>
-            <a:tailEnd type="arrow"/>
-          </a:ln>
-          <a:effectLst/>
-          <a:extLst>
-            <a:ext uri="{AF507438-7753-43e0-B8FC-AC1667EBCBE1}">
-              <a14:hiddenEffects xmlns:a14="http://schemas.microsoft.com/office/drawing/2010/main">
-                <a:effectLst>
-                  <a:outerShdw dist="35921" dir="2700000" algn="ctr" rotWithShape="0">
-                    <a:schemeClr val="bg2"/>
-                  </a:outerShdw>
-                </a:effectLst>
-              </a14:hiddenEffects>
-            </a:ext>
-          </a:extLst>
-        </p:spPr>
-      </p:cxnSp>
-      <p:sp>
-        <p:nvSpPr>
-          <p:cNvPr id="45" name="正方形/長方形 44"/>
-          <p:cNvSpPr/>
-          <p:nvPr/>
-        </p:nvSpPr>
-        <p:spPr bwMode="auto">
-          <a:xfrm>
-            <a:off x="6159500" y="5740400"/>
-            <a:ext cx="939800" cy="279400"/>
-          </a:xfrm>
-          <a:prstGeom prst="rect">
-            <a:avLst/>
-          </a:prstGeom>
-          <a:solidFill>
-            <a:srgbClr val="FFD0ED"/>
-          </a:solidFill>
-          <a:ln w="12700" cap="rnd" cmpd="sng" algn="ctr">
-            <a:solidFill>
-              <a:schemeClr val="tx1"/>
-            </a:solidFill>
-            <a:prstDash val="solid"/>
-            <a:round/>
-            <a:headEnd type="none" w="sm" len="sm"/>
-            <a:tailEnd type="none" w="sm" len="sm"/>
-          </a:ln>
-          <a:effectLst/>
-          <a:extLst/>
-        </p:spPr>
-        <p:txBody>
-          <a:bodyPr rot="0" spcFirstLastPara="0" vertOverflow="overflow" horzOverflow="overflow" vert="horz" wrap="square" lIns="91440" tIns="45720" rIns="91440" bIns="45720" numCol="1" spcCol="0" rtlCol="0" fromWordArt="0" anchor="ctr" anchorCtr="0" forceAA="0" compatLnSpc="1">
-            <a:prstTxWarp prst="textNoShape">
-              <a:avLst/>
-            </a:prstTxWarp>
-            <a:noAutofit/>
-          </a:bodyPr>
-          <a:lstStyle/>
-          <a:p>
-            <a:pPr marL="0" marR="0" indent="0" algn="ctr" defTabSz="914400" rtl="0" eaLnBrk="0" fontAlgn="base" latinLnBrk="0" hangingPunct="0">
-              <a:lnSpc>
-                <a:spcPct val="100000"/>
-              </a:lnSpc>
-              <a:spcBef>
-                <a:spcPct val="0"/>
-              </a:spcBef>
-              <a:spcAft>
-                <a:spcPct val="0"/>
-              </a:spcAft>
-              <a:buClrTx/>
-              <a:buSzTx/>
-              <a:buFontTx/>
-              <a:buNone/>
-              <a:tabLst/>
-            </a:pPr>
-            <a:r>
-              <a:rPr lang="en-US" altLang="ja-JP" sz="1000" b="1" dirty="0" smtClean="0">
-                <a:latin typeface="メイリオ"/>
-                <a:ea typeface="メイリオ"/>
-              </a:rPr>
-              <a:t>Subscriber</a:t>
-            </a:r>
-            <a:endParaRPr kumimoji="0" lang="ja-JP" altLang="en-US" sz="1000" b="1" i="0" u="none" strike="noStrike" cap="none" normalizeH="0" baseline="0" dirty="0" smtClean="0">
-              <a:ln>
-                <a:noFill/>
-              </a:ln>
-              <a:solidFill>
-                <a:schemeClr val="tx1"/>
-              </a:solidFill>
-              <a:effectLst/>
-              <a:latin typeface="メイリオ"/>
-              <a:ea typeface="メイリオ"/>
-            </a:endParaRPr>
-          </a:p>
-        </p:txBody>
-      </p:sp>
-      <p:sp>
-        <p:nvSpPr>
-          <p:cNvPr id="46" name="正方形/長方形 45"/>
-          <p:cNvSpPr/>
-          <p:nvPr/>
-        </p:nvSpPr>
-        <p:spPr bwMode="auto">
-          <a:xfrm>
-            <a:off x="6146800" y="6438900"/>
-            <a:ext cx="939800" cy="279400"/>
-          </a:xfrm>
-          <a:prstGeom prst="rect">
-            <a:avLst/>
-          </a:prstGeom>
-          <a:solidFill>
-            <a:srgbClr val="FFD0ED"/>
-          </a:solidFill>
-          <a:ln w="12700" cap="rnd" cmpd="sng" algn="ctr">
-            <a:solidFill>
-              <a:schemeClr val="tx1"/>
-            </a:solidFill>
-            <a:prstDash val="solid"/>
-            <a:round/>
-            <a:headEnd type="none" w="sm" len="sm"/>
-            <a:tailEnd type="none" w="sm" len="sm"/>
-          </a:ln>
-          <a:effectLst/>
-          <a:extLst/>
-        </p:spPr>
-        <p:txBody>
-          <a:bodyPr rot="0" spcFirstLastPara="0" vertOverflow="overflow" horzOverflow="overflow" vert="horz" wrap="square" lIns="91440" tIns="45720" rIns="91440" bIns="45720" numCol="1" spcCol="0" rtlCol="0" fromWordArt="0" anchor="ctr" anchorCtr="0" forceAA="0" compatLnSpc="1">
-            <a:prstTxWarp prst="textNoShape">
-              <a:avLst/>
-            </a:prstTxWarp>
-            <a:noAutofit/>
-          </a:bodyPr>
-          <a:lstStyle/>
-          <a:p>
-            <a:pPr marL="0" marR="0" indent="0" algn="ctr" defTabSz="914400" rtl="0" eaLnBrk="0" fontAlgn="base" latinLnBrk="0" hangingPunct="0">
-              <a:lnSpc>
-                <a:spcPct val="100000"/>
-              </a:lnSpc>
-              <a:spcBef>
-                <a:spcPct val="0"/>
-              </a:spcBef>
-              <a:spcAft>
-                <a:spcPct val="0"/>
-              </a:spcAft>
-              <a:buClrTx/>
-              <a:buSzTx/>
-              <a:buFontTx/>
-              <a:buNone/>
-              <a:tabLst/>
-            </a:pPr>
-            <a:r>
-              <a:rPr lang="en-US" altLang="ja-JP" sz="1000" b="1" dirty="0" smtClean="0">
-                <a:latin typeface="メイリオ"/>
-                <a:ea typeface="メイリオ"/>
-              </a:rPr>
-              <a:t>Subscriber</a:t>
-            </a:r>
-            <a:endParaRPr kumimoji="0" lang="ja-JP" altLang="en-US" sz="1000" b="1" i="0" u="none" strike="noStrike" cap="none" normalizeH="0" baseline="0" dirty="0" smtClean="0">
-              <a:ln>
-                <a:noFill/>
-              </a:ln>
-              <a:solidFill>
-                <a:schemeClr val="tx1"/>
-              </a:solidFill>
-              <a:effectLst/>
-              <a:latin typeface="メイリオ"/>
-              <a:ea typeface="メイリオ"/>
-            </a:endParaRPr>
-          </a:p>
-        </p:txBody>
-      </p:sp>
-      <p:cxnSp>
-        <p:nvCxnSpPr>
-          <p:cNvPr id="47" name="直線矢印コネクタ 46"/>
-          <p:cNvCxnSpPr>
-            <a:stCxn id="26" idx="3"/>
-            <a:endCxn id="45" idx="1"/>
-          </p:cNvCxnSpPr>
-          <p:nvPr/>
-        </p:nvCxnSpPr>
-        <p:spPr bwMode="auto">
-          <a:xfrm flipV="1">
-            <a:off x="4470400" y="5880100"/>
-            <a:ext cx="1689100" cy="342900"/>
-          </a:xfrm>
-          <a:prstGeom prst="straightConnector1">
-            <a:avLst/>
-          </a:prstGeom>
-          <a:solidFill>
-            <a:srgbClr val="FFCC00"/>
-          </a:solidFill>
-          <a:ln w="12700" cap="rnd" cmpd="sng" algn="ctr">
-            <a:solidFill>
-              <a:schemeClr val="tx1"/>
-            </a:solidFill>
-            <a:prstDash val="solid"/>
-            <a:round/>
-            <a:headEnd type="none" w="sm" len="sm"/>
-            <a:tailEnd type="arrow"/>
-          </a:ln>
-          <a:effectLst/>
-          <a:extLst>
-            <a:ext uri="{AF507438-7753-43e0-B8FC-AC1667EBCBE1}">
-              <a14:hiddenEffects xmlns:a14="http://schemas.microsoft.com/office/drawing/2010/main">
-                <a:effectLst>
-                  <a:outerShdw dist="35921" dir="2700000" algn="ctr" rotWithShape="0">
-                    <a:schemeClr val="bg2"/>
-                  </a:outerShdw>
-                </a:effectLst>
-              </a14:hiddenEffects>
-            </a:ext>
-          </a:extLst>
-        </p:spPr>
-      </p:cxnSp>
-      <p:cxnSp>
-        <p:nvCxnSpPr>
-          <p:cNvPr id="50" name="直線矢印コネクタ 49"/>
-          <p:cNvCxnSpPr>
-            <a:stCxn id="26" idx="3"/>
-            <a:endCxn id="46" idx="1"/>
-          </p:cNvCxnSpPr>
-          <p:nvPr/>
-        </p:nvCxnSpPr>
-        <p:spPr bwMode="auto">
-          <a:xfrm>
-            <a:off x="4470400" y="6223000"/>
-            <a:ext cx="1676400" cy="355600"/>
-          </a:xfrm>
-          <a:prstGeom prst="straightConnector1">
-            <a:avLst/>
-          </a:prstGeom>
-          <a:solidFill>
-            <a:srgbClr val="FFCC00"/>
-          </a:solidFill>
-          <a:ln w="12700" cap="rnd" cmpd="sng" algn="ctr">
-            <a:solidFill>
-              <a:schemeClr val="tx1"/>
-            </a:solidFill>
-            <a:prstDash val="solid"/>
-            <a:round/>
-            <a:headEnd type="none" w="sm" len="sm"/>
-            <a:tailEnd type="arrow"/>
-          </a:ln>
-          <a:effectLst/>
-          <a:extLst>
-            <a:ext uri="{AF507438-7753-43e0-B8FC-AC1667EBCBE1}">
-              <a14:hiddenEffects xmlns:a14="http://schemas.microsoft.com/office/drawing/2010/main">
-                <a:effectLst>
-                  <a:outerShdw dist="35921" dir="2700000" algn="ctr" rotWithShape="0">
-                    <a:schemeClr val="bg2"/>
-                  </a:outerShdw>
-                </a:effectLst>
-              </a14:hiddenEffects>
-            </a:ext>
-          </a:extLst>
-        </p:spPr>
-      </p:cxnSp>
+        </p:spPr>
+      </p:pic>
     </p:spTree>
     <p:extLst>
       <p:ext uri="{BB962C8B-B14F-4D97-AF65-F5344CB8AC3E}">
-        <p14:creationId xmlns:p14="http://schemas.microsoft.com/office/powerpoint/2010/main" val="682340286"/>
+        <p14:creationId xmlns:p14="http://schemas.microsoft.com/office/powerpoint/2010/main" val="3443496409"/>
       </p:ext>
     </p:extLst>
   </p:cSld>
@@ -28862,6 +27193,29 @@
       </p:grpSpPr>
       <p:sp>
         <p:nvSpPr>
+          <p:cNvPr id="2" name="タイトル 1"/>
+          <p:cNvSpPr>
+            <a:spLocks noGrp="1"/>
+          </p:cNvSpPr>
+          <p:nvPr>
+            <p:ph type="title"/>
+          </p:nvPr>
+        </p:nvSpPr>
+        <p:spPr/>
+        <p:txBody>
+          <a:bodyPr/>
+          <a:lstStyle/>
+          <a:p>
+            <a:r>
+              <a:rPr lang="en-US" altLang="ja-JP" dirty="0"/>
+              <a:t>(1) IOT Platform (Internet of Things Platform) </a:t>
+            </a:r>
+            <a:endParaRPr kumimoji="1" lang="ja-JP" altLang="en-US" dirty="0"/>
+          </a:p>
+        </p:txBody>
+      </p:sp>
+      <p:sp>
+        <p:nvSpPr>
           <p:cNvPr id="3" name="コンテンツ プレースホルダー 2"/>
           <p:cNvSpPr>
             <a:spLocks noGrp="1"/>
@@ -28870,34 +27224,1761 @@
             <p:ph idx="1"/>
           </p:nvPr>
         </p:nvSpPr>
-        <p:spPr/>
+        <p:spPr>
+          <a:xfrm>
+            <a:off x="182563" y="727214"/>
+            <a:ext cx="8686800" cy="2574786"/>
+          </a:xfrm>
+        </p:spPr>
         <p:txBody>
           <a:bodyPr/>
           <a:lstStyle/>
           <a:p>
+            <a:r>
+              <a:rPr kumimoji="1" lang="en-US" altLang="ja-JP" b="1" dirty="0" smtClean="0"/>
+              <a:t>Publisher – Subscriber </a:t>
+            </a:r>
+            <a:r>
+              <a:rPr kumimoji="1" lang="ja-JP" altLang="en-US" b="1" dirty="0" smtClean="0"/>
+              <a:t>モデル</a:t>
+            </a:r>
+            <a:endParaRPr kumimoji="1" lang="en-US" altLang="ja-JP" b="1" dirty="0" smtClean="0"/>
+          </a:p>
+          <a:p>
             <a:pPr marL="0" indent="0">
               <a:buNone/>
             </a:pPr>
             <a:r>
+              <a:rPr lang="ja-JP" altLang="en-US" dirty="0" smtClean="0"/>
+              <a:t>データの送り手</a:t>
+            </a:r>
+            <a:r>
               <a:rPr lang="en-US" altLang="ja-JP" dirty="0" smtClean="0"/>
+              <a:t>(Publisher)</a:t>
+            </a:r>
+            <a:r>
+              <a:rPr lang="ja-JP" altLang="en-US" dirty="0" smtClean="0"/>
+              <a:t>と受け手</a:t>
+            </a:r>
+            <a:r>
+              <a:rPr lang="en-US" altLang="ja-JP" dirty="0" smtClean="0"/>
+              <a:t>(Subscriber)</a:t>
+            </a:r>
+            <a:r>
+              <a:rPr lang="ja-JP" altLang="en-US" dirty="0" smtClean="0"/>
+              <a:t>の間に必ず仲介者</a:t>
+            </a:r>
+            <a:r>
+              <a:rPr lang="en-US" altLang="ja-JP" dirty="0" smtClean="0"/>
+              <a:t>(Broker)</a:t>
+            </a:r>
+            <a:r>
+              <a:rPr lang="ja-JP" altLang="en-US" dirty="0" smtClean="0"/>
+              <a:t>が入るモデルです。</a:t>
+            </a:r>
+            <a:endParaRPr lang="en-US" altLang="ja-JP" dirty="0" smtClean="0"/>
+          </a:p>
+          <a:p>
+            <a:pPr marL="0" indent="0">
+              <a:buNone/>
+            </a:pPr>
+            <a:r>
+              <a:rPr lang="en-US" altLang="ja-JP" dirty="0" smtClean="0"/>
+              <a:t>Publisher </a:t>
+            </a:r>
+            <a:r>
+              <a:rPr lang="ja-JP" altLang="en-US" dirty="0" smtClean="0"/>
+              <a:t>と</a:t>
+            </a:r>
+            <a:r>
+              <a:rPr lang="en-US" altLang="ja-JP" dirty="0" smtClean="0"/>
+              <a:t>Subscriber</a:t>
+            </a:r>
+            <a:r>
+              <a:rPr lang="ja-JP" altLang="en-US" dirty="0" smtClean="0"/>
+              <a:t>はそれぞれ</a:t>
+            </a:r>
+            <a:r>
+              <a:rPr lang="en-US" altLang="ja-JP" dirty="0" smtClean="0"/>
+              <a:t>Broker</a:t>
+            </a:r>
+            <a:r>
+              <a:rPr lang="ja-JP" altLang="en-US" dirty="0" smtClean="0"/>
+              <a:t>との通信のみ気にすればよく、最終的な通信相手のことは一切意識しなくていいことがその特徴となります。</a:t>
+            </a:r>
+            <a:endParaRPr lang="en-US" altLang="ja-JP" dirty="0" smtClean="0"/>
+          </a:p>
+          <a:p>
+            <a:pPr marL="0" indent="0">
+              <a:buNone/>
+            </a:pPr>
+            <a:r>
+              <a:rPr lang="en-US" altLang="ja-JP" dirty="0" smtClean="0"/>
+              <a:t>-&gt; </a:t>
+            </a:r>
+            <a:r>
+              <a:rPr lang="ja-JP" altLang="en-US" dirty="0" smtClean="0"/>
+              <a:t>システム間連携が疎となり、大規模システムを容易に構築可能となります。</a:t>
+            </a:r>
+            <a:endParaRPr lang="en-US" altLang="ja-JP" dirty="0"/>
+          </a:p>
+          <a:p>
+            <a:pPr marL="0" indent="0">
+              <a:buNone/>
+            </a:pPr>
+            <a:endParaRPr lang="en-US" altLang="ja-JP" dirty="0"/>
+          </a:p>
+          <a:p>
+            <a:pPr marL="0" indent="0">
+              <a:buNone/>
+            </a:pPr>
+            <a:r>
+              <a:rPr lang="en-US" altLang="ja-JP" sz="1400" dirty="0" smtClean="0"/>
               <a:t>(</a:t>
             </a:r>
             <a:r>
-              <a:rPr lang="ja-JP" altLang="en-US" dirty="0" smtClean="0"/>
-              <a:t>ブランクページ</a:t>
-            </a:r>
-            <a:r>
-              <a:rPr kumimoji="1" lang="en-US" altLang="ja-JP" dirty="0" smtClean="0"/>
+              <a:rPr lang="ja-JP" altLang="en-US" sz="1400" dirty="0" smtClean="0"/>
+              <a:t>例</a:t>
+            </a:r>
+            <a:r>
+              <a:rPr lang="en-US" altLang="ja-JP" sz="1400" dirty="0" smtClean="0"/>
               <a:t>)</a:t>
             </a:r>
+            <a:r>
+              <a:rPr lang="ja-JP" altLang="en-US" sz="1400" dirty="0" smtClean="0"/>
+              <a:t>　下記のどのパターンもアプリ側の修正なしに実現可能です。</a:t>
+            </a:r>
+            <a:endParaRPr lang="en-US" altLang="ja-JP" sz="1400" dirty="0" smtClean="0"/>
+          </a:p>
+          <a:p>
+            <a:pPr marL="0" indent="0">
+              <a:buNone/>
+            </a:pPr>
             <a:endParaRPr kumimoji="1" lang="ja-JP" altLang="en-US" dirty="0"/>
           </a:p>
         </p:txBody>
       </p:sp>
+      <p:sp>
+        <p:nvSpPr>
+          <p:cNvPr id="4" name="正方形/長方形 3"/>
+          <p:cNvSpPr/>
+          <p:nvPr/>
+        </p:nvSpPr>
+        <p:spPr bwMode="auto">
+          <a:xfrm>
+            <a:off x="914400" y="3683000"/>
+            <a:ext cx="939800" cy="342900"/>
+          </a:xfrm>
+          <a:prstGeom prst="rect">
+            <a:avLst/>
+          </a:prstGeom>
+          <a:solidFill>
+            <a:schemeClr val="accent2">
+              <a:lumMod val="20000"/>
+              <a:lumOff val="80000"/>
+            </a:schemeClr>
+          </a:solidFill>
+          <a:ln w="12700" cap="rnd" cmpd="sng" algn="ctr">
+            <a:solidFill>
+              <a:schemeClr val="tx1"/>
+            </a:solidFill>
+            <a:prstDash val="solid"/>
+            <a:round/>
+            <a:headEnd type="none" w="sm" len="sm"/>
+            <a:tailEnd type="none" w="sm" len="sm"/>
+          </a:ln>
+          <a:effectLst/>
+          <a:extLst/>
+        </p:spPr>
+        <p:txBody>
+          <a:bodyPr rot="0" spcFirstLastPara="0" vertOverflow="overflow" horzOverflow="overflow" vert="horz" wrap="square" lIns="91440" tIns="45720" rIns="91440" bIns="45720" numCol="1" spcCol="0" rtlCol="0" fromWordArt="0" anchor="ctr" anchorCtr="0" forceAA="0" compatLnSpc="1">
+            <a:prstTxWarp prst="textNoShape">
+              <a:avLst/>
+            </a:prstTxWarp>
+            <a:noAutofit/>
+          </a:bodyPr>
+          <a:lstStyle/>
+          <a:p>
+            <a:pPr marL="0" marR="0" indent="0" algn="ctr" defTabSz="914400" rtl="0" eaLnBrk="0" fontAlgn="base" latinLnBrk="0" hangingPunct="0">
+              <a:lnSpc>
+                <a:spcPct val="100000"/>
+              </a:lnSpc>
+              <a:spcBef>
+                <a:spcPct val="0"/>
+              </a:spcBef>
+              <a:spcAft>
+                <a:spcPct val="0"/>
+              </a:spcAft>
+              <a:buClrTx/>
+              <a:buSzTx/>
+              <a:buFontTx/>
+              <a:buNone/>
+              <a:tabLst/>
+            </a:pPr>
+            <a:r>
+              <a:rPr kumimoji="0" lang="en-US" altLang="ja-JP" sz="1000" b="1" i="0" u="none" strike="noStrike" cap="none" normalizeH="0" baseline="0" dirty="0" smtClean="0">
+                <a:ln>
+                  <a:noFill/>
+                </a:ln>
+                <a:solidFill>
+                  <a:schemeClr val="tx1"/>
+                </a:solidFill>
+                <a:effectLst/>
+                <a:latin typeface="メイリオ"/>
+                <a:ea typeface="メイリオ"/>
+              </a:rPr>
+              <a:t>Publisher</a:t>
+            </a:r>
+            <a:endParaRPr kumimoji="0" lang="ja-JP" altLang="en-US" sz="1000" b="1" i="0" u="none" strike="noStrike" cap="none" normalizeH="0" baseline="0" dirty="0" smtClean="0">
+              <a:ln>
+                <a:noFill/>
+              </a:ln>
+              <a:solidFill>
+                <a:schemeClr val="tx1"/>
+              </a:solidFill>
+              <a:effectLst/>
+              <a:latin typeface="メイリオ"/>
+              <a:ea typeface="メイリオ"/>
+            </a:endParaRPr>
+          </a:p>
+        </p:txBody>
+      </p:sp>
+      <p:sp>
+        <p:nvSpPr>
+          <p:cNvPr id="5" name="正方形/長方形 4"/>
+          <p:cNvSpPr/>
+          <p:nvPr/>
+        </p:nvSpPr>
+        <p:spPr bwMode="auto">
+          <a:xfrm>
+            <a:off x="3556000" y="3708400"/>
+            <a:ext cx="939800" cy="342900"/>
+          </a:xfrm>
+          <a:prstGeom prst="rect">
+            <a:avLst/>
+          </a:prstGeom>
+          <a:solidFill>
+            <a:srgbClr val="FFF0A6"/>
+          </a:solidFill>
+          <a:ln w="12700" cap="rnd" cmpd="sng" algn="ctr">
+            <a:solidFill>
+              <a:schemeClr val="tx1"/>
+            </a:solidFill>
+            <a:prstDash val="solid"/>
+            <a:round/>
+            <a:headEnd type="none" w="sm" len="sm"/>
+            <a:tailEnd type="none" w="sm" len="sm"/>
+          </a:ln>
+          <a:effectLst/>
+          <a:extLst/>
+        </p:spPr>
+        <p:txBody>
+          <a:bodyPr rot="0" spcFirstLastPara="0" vertOverflow="overflow" horzOverflow="overflow" vert="horz" wrap="square" lIns="91440" tIns="45720" rIns="91440" bIns="45720" numCol="1" spcCol="0" rtlCol="0" fromWordArt="0" anchor="ctr" anchorCtr="0" forceAA="0" compatLnSpc="1">
+            <a:prstTxWarp prst="textNoShape">
+              <a:avLst/>
+            </a:prstTxWarp>
+            <a:noAutofit/>
+          </a:bodyPr>
+          <a:lstStyle/>
+          <a:p>
+            <a:pPr marL="0" marR="0" indent="0" algn="ctr" defTabSz="914400" rtl="0" eaLnBrk="0" fontAlgn="base" latinLnBrk="0" hangingPunct="0">
+              <a:lnSpc>
+                <a:spcPct val="100000"/>
+              </a:lnSpc>
+              <a:spcBef>
+                <a:spcPct val="0"/>
+              </a:spcBef>
+              <a:spcAft>
+                <a:spcPct val="0"/>
+              </a:spcAft>
+              <a:buClrTx/>
+              <a:buSzTx/>
+              <a:buFontTx/>
+              <a:buNone/>
+              <a:tabLst/>
+            </a:pPr>
+            <a:r>
+              <a:rPr lang="en-US" altLang="ja-JP" sz="1000" b="1" dirty="0" smtClean="0">
+                <a:latin typeface="メイリオ"/>
+                <a:ea typeface="メイリオ"/>
+              </a:rPr>
+              <a:t>Broker</a:t>
+            </a:r>
+            <a:endParaRPr kumimoji="0" lang="ja-JP" altLang="en-US" sz="1000" b="1" i="0" u="none" strike="noStrike" cap="none" normalizeH="0" baseline="0" dirty="0" smtClean="0">
+              <a:ln>
+                <a:noFill/>
+              </a:ln>
+              <a:solidFill>
+                <a:schemeClr val="tx1"/>
+              </a:solidFill>
+              <a:effectLst/>
+              <a:latin typeface="メイリオ"/>
+              <a:ea typeface="メイリオ"/>
+            </a:endParaRPr>
+          </a:p>
+        </p:txBody>
+      </p:sp>
+      <p:sp>
+        <p:nvSpPr>
+          <p:cNvPr id="6" name="正方形/長方形 5"/>
+          <p:cNvSpPr/>
+          <p:nvPr/>
+        </p:nvSpPr>
+        <p:spPr bwMode="auto">
+          <a:xfrm>
+            <a:off x="6172200" y="3721100"/>
+            <a:ext cx="939800" cy="342900"/>
+          </a:xfrm>
+          <a:prstGeom prst="rect">
+            <a:avLst/>
+          </a:prstGeom>
+          <a:solidFill>
+            <a:srgbClr val="FFD0ED"/>
+          </a:solidFill>
+          <a:ln w="12700" cap="rnd" cmpd="sng" algn="ctr">
+            <a:solidFill>
+              <a:schemeClr val="tx1"/>
+            </a:solidFill>
+            <a:prstDash val="solid"/>
+            <a:round/>
+            <a:headEnd type="none" w="sm" len="sm"/>
+            <a:tailEnd type="none" w="sm" len="sm"/>
+          </a:ln>
+          <a:effectLst/>
+          <a:extLst/>
+        </p:spPr>
+        <p:txBody>
+          <a:bodyPr rot="0" spcFirstLastPara="0" vertOverflow="overflow" horzOverflow="overflow" vert="horz" wrap="square" lIns="91440" tIns="45720" rIns="91440" bIns="45720" numCol="1" spcCol="0" rtlCol="0" fromWordArt="0" anchor="ctr" anchorCtr="0" forceAA="0" compatLnSpc="1">
+            <a:prstTxWarp prst="textNoShape">
+              <a:avLst/>
+            </a:prstTxWarp>
+            <a:noAutofit/>
+          </a:bodyPr>
+          <a:lstStyle/>
+          <a:p>
+            <a:pPr marL="0" marR="0" indent="0" algn="ctr" defTabSz="914400" rtl="0" eaLnBrk="0" fontAlgn="base" latinLnBrk="0" hangingPunct="0">
+              <a:lnSpc>
+                <a:spcPct val="100000"/>
+              </a:lnSpc>
+              <a:spcBef>
+                <a:spcPct val="0"/>
+              </a:spcBef>
+              <a:spcAft>
+                <a:spcPct val="0"/>
+              </a:spcAft>
+              <a:buClrTx/>
+              <a:buSzTx/>
+              <a:buFontTx/>
+              <a:buNone/>
+              <a:tabLst/>
+            </a:pPr>
+            <a:r>
+              <a:rPr lang="en-US" altLang="ja-JP" sz="1000" b="1" dirty="0" smtClean="0">
+                <a:latin typeface="メイリオ"/>
+                <a:ea typeface="メイリオ"/>
+              </a:rPr>
+              <a:t>Subscriber</a:t>
+            </a:r>
+            <a:endParaRPr kumimoji="0" lang="ja-JP" altLang="en-US" sz="1000" b="1" i="0" u="none" strike="noStrike" cap="none" normalizeH="0" baseline="0" dirty="0" smtClean="0">
+              <a:ln>
+                <a:noFill/>
+              </a:ln>
+              <a:solidFill>
+                <a:schemeClr val="tx1"/>
+              </a:solidFill>
+              <a:effectLst/>
+              <a:latin typeface="メイリオ"/>
+              <a:ea typeface="メイリオ"/>
+            </a:endParaRPr>
+          </a:p>
+        </p:txBody>
+      </p:sp>
+      <p:cxnSp>
+        <p:nvCxnSpPr>
+          <p:cNvPr id="8" name="直線矢印コネクタ 7"/>
+          <p:cNvCxnSpPr>
+            <a:stCxn id="4" idx="3"/>
+            <a:endCxn id="5" idx="1"/>
+          </p:cNvCxnSpPr>
+          <p:nvPr/>
+        </p:nvCxnSpPr>
+        <p:spPr bwMode="auto">
+          <a:xfrm>
+            <a:off x="1854200" y="3854450"/>
+            <a:ext cx="1701800" cy="25400"/>
+          </a:xfrm>
+          <a:prstGeom prst="straightConnector1">
+            <a:avLst/>
+          </a:prstGeom>
+          <a:solidFill>
+            <a:srgbClr val="FFCC00"/>
+          </a:solidFill>
+          <a:ln w="12700" cap="rnd" cmpd="sng" algn="ctr">
+            <a:solidFill>
+              <a:schemeClr val="tx1"/>
+            </a:solidFill>
+            <a:prstDash val="solid"/>
+            <a:round/>
+            <a:headEnd type="none" w="sm" len="sm"/>
+            <a:tailEnd type="arrow"/>
+          </a:ln>
+          <a:effectLst/>
+          <a:extLst>
+            <a:ext uri="{AF507438-7753-43e0-B8FC-AC1667EBCBE1}">
+              <a14:hiddenEffects xmlns:a14="http://schemas.microsoft.com/office/drawing/2010/main">
+                <a:effectLst>
+                  <a:outerShdw dist="35921" dir="2700000" algn="ctr" rotWithShape="0">
+                    <a:schemeClr val="bg2"/>
+                  </a:outerShdw>
+                </a:effectLst>
+              </a14:hiddenEffects>
+            </a:ext>
+          </a:extLst>
+        </p:spPr>
+      </p:cxnSp>
+      <p:cxnSp>
+        <p:nvCxnSpPr>
+          <p:cNvPr id="12" name="直線矢印コネクタ 11"/>
+          <p:cNvCxnSpPr>
+            <a:stCxn id="5" idx="3"/>
+            <a:endCxn id="6" idx="1"/>
+          </p:cNvCxnSpPr>
+          <p:nvPr/>
+        </p:nvCxnSpPr>
+        <p:spPr bwMode="auto">
+          <a:xfrm>
+            <a:off x="4495800" y="3879850"/>
+            <a:ext cx="1676400" cy="12700"/>
+          </a:xfrm>
+          <a:prstGeom prst="straightConnector1">
+            <a:avLst/>
+          </a:prstGeom>
+          <a:solidFill>
+            <a:srgbClr val="FFCC00"/>
+          </a:solidFill>
+          <a:ln w="12700" cap="rnd" cmpd="sng" algn="ctr">
+            <a:solidFill>
+              <a:schemeClr val="tx1"/>
+            </a:solidFill>
+            <a:prstDash val="solid"/>
+            <a:round/>
+            <a:headEnd type="none" w="sm" len="sm"/>
+            <a:tailEnd type="arrow"/>
+          </a:ln>
+          <a:effectLst/>
+          <a:extLst>
+            <a:ext uri="{AF507438-7753-43e0-B8FC-AC1667EBCBE1}">
+              <a14:hiddenEffects xmlns:a14="http://schemas.microsoft.com/office/drawing/2010/main">
+                <a:effectLst>
+                  <a:outerShdw dist="35921" dir="2700000" algn="ctr" rotWithShape="0">
+                    <a:schemeClr val="bg2"/>
+                  </a:outerShdw>
+                </a:effectLst>
+              </a14:hiddenEffects>
+            </a:ext>
+          </a:extLst>
+        </p:spPr>
+      </p:cxnSp>
+      <p:sp>
+        <p:nvSpPr>
+          <p:cNvPr id="16" name="テキスト ボックス 15"/>
+          <p:cNvSpPr txBox="1"/>
+          <p:nvPr/>
+        </p:nvSpPr>
+        <p:spPr>
+          <a:xfrm>
+            <a:off x="510282" y="3365500"/>
+            <a:ext cx="1261884" cy="307777"/>
+          </a:xfrm>
+          <a:prstGeom prst="rect">
+            <a:avLst/>
+          </a:prstGeom>
+          <a:noFill/>
+        </p:spPr>
+        <p:txBody>
+          <a:bodyPr wrap="none" rtlCol="0">
+            <a:spAutoFit/>
+          </a:bodyPr>
+          <a:lstStyle/>
+          <a:p>
+            <a:r>
+              <a:rPr kumimoji="1" lang="ja-JP" altLang="en-US" sz="1400" b="1" dirty="0" smtClean="0">
+                <a:latin typeface="メイリオ"/>
+                <a:ea typeface="メイリオ"/>
+                <a:cs typeface="メイリオ"/>
+              </a:rPr>
+              <a:t>基本パターン</a:t>
+            </a:r>
+            <a:endParaRPr kumimoji="1" lang="ja-JP" altLang="en-US" sz="1400" b="1" dirty="0">
+              <a:latin typeface="メイリオ"/>
+              <a:ea typeface="メイリオ"/>
+              <a:cs typeface="メイリオ"/>
+            </a:endParaRPr>
+          </a:p>
+        </p:txBody>
+      </p:sp>
+      <p:sp>
+        <p:nvSpPr>
+          <p:cNvPr id="19" name="正方形/長方形 18"/>
+          <p:cNvSpPr/>
+          <p:nvPr/>
+        </p:nvSpPr>
+        <p:spPr bwMode="auto">
+          <a:xfrm>
+            <a:off x="914400" y="4876800"/>
+            <a:ext cx="939800" cy="317500"/>
+          </a:xfrm>
+          <a:prstGeom prst="rect">
+            <a:avLst/>
+          </a:prstGeom>
+          <a:solidFill>
+            <a:schemeClr val="accent2">
+              <a:lumMod val="20000"/>
+              <a:lumOff val="80000"/>
+            </a:schemeClr>
+          </a:solidFill>
+          <a:ln w="12700" cap="rnd" cmpd="sng" algn="ctr">
+            <a:solidFill>
+              <a:schemeClr val="tx1"/>
+            </a:solidFill>
+            <a:prstDash val="solid"/>
+            <a:round/>
+            <a:headEnd type="none" w="sm" len="sm"/>
+            <a:tailEnd type="none" w="sm" len="sm"/>
+          </a:ln>
+          <a:effectLst/>
+          <a:extLst/>
+        </p:spPr>
+        <p:txBody>
+          <a:bodyPr rot="0" spcFirstLastPara="0" vertOverflow="overflow" horzOverflow="overflow" vert="horz" wrap="square" lIns="91440" tIns="45720" rIns="91440" bIns="45720" numCol="1" spcCol="0" rtlCol="0" fromWordArt="0" anchor="ctr" anchorCtr="0" forceAA="0" compatLnSpc="1">
+            <a:prstTxWarp prst="textNoShape">
+              <a:avLst/>
+            </a:prstTxWarp>
+            <a:noAutofit/>
+          </a:bodyPr>
+          <a:lstStyle/>
+          <a:p>
+            <a:pPr marL="0" marR="0" indent="0" algn="ctr" defTabSz="914400" rtl="0" eaLnBrk="0" fontAlgn="base" latinLnBrk="0" hangingPunct="0">
+              <a:lnSpc>
+                <a:spcPct val="100000"/>
+              </a:lnSpc>
+              <a:spcBef>
+                <a:spcPct val="0"/>
+              </a:spcBef>
+              <a:spcAft>
+                <a:spcPct val="0"/>
+              </a:spcAft>
+              <a:buClrTx/>
+              <a:buSzTx/>
+              <a:buFontTx/>
+              <a:buNone/>
+              <a:tabLst/>
+            </a:pPr>
+            <a:r>
+              <a:rPr kumimoji="0" lang="en-US" altLang="ja-JP" sz="1000" b="1" i="0" u="none" strike="noStrike" cap="none" normalizeH="0" baseline="0" dirty="0" smtClean="0">
+                <a:ln>
+                  <a:noFill/>
+                </a:ln>
+                <a:solidFill>
+                  <a:schemeClr val="tx1"/>
+                </a:solidFill>
+                <a:effectLst/>
+                <a:latin typeface="メイリオ"/>
+                <a:ea typeface="メイリオ"/>
+              </a:rPr>
+              <a:t>Publisher</a:t>
+            </a:r>
+            <a:endParaRPr kumimoji="0" lang="ja-JP" altLang="en-US" sz="1000" b="1" i="0" u="none" strike="noStrike" cap="none" normalizeH="0" baseline="0" dirty="0" smtClean="0">
+              <a:ln>
+                <a:noFill/>
+              </a:ln>
+              <a:solidFill>
+                <a:schemeClr val="tx1"/>
+              </a:solidFill>
+              <a:effectLst/>
+              <a:latin typeface="メイリオ"/>
+              <a:ea typeface="メイリオ"/>
+            </a:endParaRPr>
+          </a:p>
+        </p:txBody>
+      </p:sp>
+      <p:sp>
+        <p:nvSpPr>
+          <p:cNvPr id="20" name="正方形/長方形 19"/>
+          <p:cNvSpPr/>
+          <p:nvPr/>
+        </p:nvSpPr>
+        <p:spPr bwMode="auto">
+          <a:xfrm>
+            <a:off x="3556000" y="4902200"/>
+            <a:ext cx="939800" cy="317500"/>
+          </a:xfrm>
+          <a:prstGeom prst="rect">
+            <a:avLst/>
+          </a:prstGeom>
+          <a:solidFill>
+            <a:srgbClr val="FFF0A6"/>
+          </a:solidFill>
+          <a:ln w="12700" cap="rnd" cmpd="sng" algn="ctr">
+            <a:solidFill>
+              <a:schemeClr val="tx1"/>
+            </a:solidFill>
+            <a:prstDash val="solid"/>
+            <a:round/>
+            <a:headEnd type="none" w="sm" len="sm"/>
+            <a:tailEnd type="none" w="sm" len="sm"/>
+          </a:ln>
+          <a:effectLst/>
+          <a:extLst/>
+        </p:spPr>
+        <p:txBody>
+          <a:bodyPr rot="0" spcFirstLastPara="0" vertOverflow="overflow" horzOverflow="overflow" vert="horz" wrap="square" lIns="91440" tIns="45720" rIns="91440" bIns="45720" numCol="1" spcCol="0" rtlCol="0" fromWordArt="0" anchor="ctr" anchorCtr="0" forceAA="0" compatLnSpc="1">
+            <a:prstTxWarp prst="textNoShape">
+              <a:avLst/>
+            </a:prstTxWarp>
+            <a:noAutofit/>
+          </a:bodyPr>
+          <a:lstStyle/>
+          <a:p>
+            <a:pPr marL="0" marR="0" indent="0" algn="ctr" defTabSz="914400" rtl="0" eaLnBrk="0" fontAlgn="base" latinLnBrk="0" hangingPunct="0">
+              <a:lnSpc>
+                <a:spcPct val="100000"/>
+              </a:lnSpc>
+              <a:spcBef>
+                <a:spcPct val="0"/>
+              </a:spcBef>
+              <a:spcAft>
+                <a:spcPct val="0"/>
+              </a:spcAft>
+              <a:buClrTx/>
+              <a:buSzTx/>
+              <a:buFontTx/>
+              <a:buNone/>
+              <a:tabLst/>
+            </a:pPr>
+            <a:r>
+              <a:rPr lang="en-US" altLang="ja-JP" sz="1000" b="1" dirty="0" smtClean="0">
+                <a:latin typeface="メイリオ"/>
+                <a:ea typeface="メイリオ"/>
+              </a:rPr>
+              <a:t>Broker</a:t>
+            </a:r>
+            <a:endParaRPr kumimoji="0" lang="ja-JP" altLang="en-US" sz="1000" b="1" i="0" u="none" strike="noStrike" cap="none" normalizeH="0" baseline="0" dirty="0" smtClean="0">
+              <a:ln>
+                <a:noFill/>
+              </a:ln>
+              <a:solidFill>
+                <a:schemeClr val="tx1"/>
+              </a:solidFill>
+              <a:effectLst/>
+              <a:latin typeface="メイリオ"/>
+              <a:ea typeface="メイリオ"/>
+            </a:endParaRPr>
+          </a:p>
+        </p:txBody>
+      </p:sp>
+      <p:sp>
+        <p:nvSpPr>
+          <p:cNvPr id="21" name="正方形/長方形 20"/>
+          <p:cNvSpPr/>
+          <p:nvPr/>
+        </p:nvSpPr>
+        <p:spPr bwMode="auto">
+          <a:xfrm>
+            <a:off x="6172200" y="4914900"/>
+            <a:ext cx="939800" cy="317500"/>
+          </a:xfrm>
+          <a:prstGeom prst="rect">
+            <a:avLst/>
+          </a:prstGeom>
+          <a:solidFill>
+            <a:srgbClr val="FFD0ED"/>
+          </a:solidFill>
+          <a:ln w="12700" cap="rnd" cmpd="sng" algn="ctr">
+            <a:solidFill>
+              <a:schemeClr val="tx1"/>
+            </a:solidFill>
+            <a:prstDash val="solid"/>
+            <a:round/>
+            <a:headEnd type="none" w="sm" len="sm"/>
+            <a:tailEnd type="none" w="sm" len="sm"/>
+          </a:ln>
+          <a:effectLst/>
+          <a:extLst/>
+        </p:spPr>
+        <p:txBody>
+          <a:bodyPr rot="0" spcFirstLastPara="0" vertOverflow="overflow" horzOverflow="overflow" vert="horz" wrap="square" lIns="91440" tIns="45720" rIns="91440" bIns="45720" numCol="1" spcCol="0" rtlCol="0" fromWordArt="0" anchor="ctr" anchorCtr="0" forceAA="0" compatLnSpc="1">
+            <a:prstTxWarp prst="textNoShape">
+              <a:avLst/>
+            </a:prstTxWarp>
+            <a:noAutofit/>
+          </a:bodyPr>
+          <a:lstStyle/>
+          <a:p>
+            <a:pPr marL="0" marR="0" indent="0" algn="ctr" defTabSz="914400" rtl="0" eaLnBrk="0" fontAlgn="base" latinLnBrk="0" hangingPunct="0">
+              <a:lnSpc>
+                <a:spcPct val="100000"/>
+              </a:lnSpc>
+              <a:spcBef>
+                <a:spcPct val="0"/>
+              </a:spcBef>
+              <a:spcAft>
+                <a:spcPct val="0"/>
+              </a:spcAft>
+              <a:buClrTx/>
+              <a:buSzTx/>
+              <a:buFontTx/>
+              <a:buNone/>
+              <a:tabLst/>
+            </a:pPr>
+            <a:r>
+              <a:rPr lang="en-US" altLang="ja-JP" sz="1000" b="1" dirty="0" smtClean="0">
+                <a:latin typeface="メイリオ"/>
+                <a:ea typeface="メイリオ"/>
+              </a:rPr>
+              <a:t>Subscriber</a:t>
+            </a:r>
+            <a:endParaRPr kumimoji="0" lang="ja-JP" altLang="en-US" sz="1000" b="1" i="0" u="none" strike="noStrike" cap="none" normalizeH="0" baseline="0" dirty="0" smtClean="0">
+              <a:ln>
+                <a:noFill/>
+              </a:ln>
+              <a:solidFill>
+                <a:schemeClr val="tx1"/>
+              </a:solidFill>
+              <a:effectLst/>
+              <a:latin typeface="メイリオ"/>
+              <a:ea typeface="メイリオ"/>
+            </a:endParaRPr>
+          </a:p>
+        </p:txBody>
+      </p:sp>
+      <p:cxnSp>
+        <p:nvCxnSpPr>
+          <p:cNvPr id="22" name="直線矢印コネクタ 21"/>
+          <p:cNvCxnSpPr>
+            <a:stCxn id="19" idx="3"/>
+            <a:endCxn id="20" idx="1"/>
+          </p:cNvCxnSpPr>
+          <p:nvPr/>
+        </p:nvCxnSpPr>
+        <p:spPr bwMode="auto">
+          <a:xfrm>
+            <a:off x="1854200" y="5035550"/>
+            <a:ext cx="1701800" cy="25400"/>
+          </a:xfrm>
+          <a:prstGeom prst="straightConnector1">
+            <a:avLst/>
+          </a:prstGeom>
+          <a:solidFill>
+            <a:srgbClr val="FFCC00"/>
+          </a:solidFill>
+          <a:ln w="12700" cap="rnd" cmpd="sng" algn="ctr">
+            <a:solidFill>
+              <a:schemeClr val="tx1"/>
+            </a:solidFill>
+            <a:prstDash val="solid"/>
+            <a:round/>
+            <a:headEnd type="none" w="sm" len="sm"/>
+            <a:tailEnd type="arrow"/>
+          </a:ln>
+          <a:effectLst/>
+          <a:extLst>
+            <a:ext uri="{AF507438-7753-43e0-B8FC-AC1667EBCBE1}">
+              <a14:hiddenEffects xmlns:a14="http://schemas.microsoft.com/office/drawing/2010/main">
+                <a:effectLst>
+                  <a:outerShdw dist="35921" dir="2700000" algn="ctr" rotWithShape="0">
+                    <a:schemeClr val="bg2"/>
+                  </a:outerShdw>
+                </a:effectLst>
+              </a14:hiddenEffects>
+            </a:ext>
+          </a:extLst>
+        </p:spPr>
+      </p:cxnSp>
+      <p:cxnSp>
+        <p:nvCxnSpPr>
+          <p:cNvPr id="23" name="直線矢印コネクタ 22"/>
+          <p:cNvCxnSpPr>
+            <a:stCxn id="20" idx="3"/>
+            <a:endCxn id="21" idx="1"/>
+          </p:cNvCxnSpPr>
+          <p:nvPr/>
+        </p:nvCxnSpPr>
+        <p:spPr bwMode="auto">
+          <a:xfrm>
+            <a:off x="4495800" y="5060950"/>
+            <a:ext cx="1676400" cy="12700"/>
+          </a:xfrm>
+          <a:prstGeom prst="straightConnector1">
+            <a:avLst/>
+          </a:prstGeom>
+          <a:solidFill>
+            <a:srgbClr val="FFCC00"/>
+          </a:solidFill>
+          <a:ln w="12700" cap="rnd" cmpd="sng" algn="ctr">
+            <a:solidFill>
+              <a:schemeClr val="tx1"/>
+            </a:solidFill>
+            <a:prstDash val="solid"/>
+            <a:round/>
+            <a:headEnd type="none" w="sm" len="sm"/>
+            <a:tailEnd type="arrow"/>
+          </a:ln>
+          <a:effectLst/>
+          <a:extLst>
+            <a:ext uri="{AF507438-7753-43e0-B8FC-AC1667EBCBE1}">
+              <a14:hiddenEffects xmlns:a14="http://schemas.microsoft.com/office/drawing/2010/main">
+                <a:effectLst>
+                  <a:outerShdw dist="35921" dir="2700000" algn="ctr" rotWithShape="0">
+                    <a:schemeClr val="bg2"/>
+                  </a:outerShdw>
+                </a:effectLst>
+              </a14:hiddenEffects>
+            </a:ext>
+          </a:extLst>
+        </p:spPr>
+      </p:cxnSp>
+      <p:sp>
+        <p:nvSpPr>
+          <p:cNvPr id="24" name="テキスト ボックス 23"/>
+          <p:cNvSpPr txBox="1"/>
+          <p:nvPr/>
+        </p:nvSpPr>
+        <p:spPr>
+          <a:xfrm>
+            <a:off x="509414" y="4203700"/>
+            <a:ext cx="1351652" cy="307777"/>
+          </a:xfrm>
+          <a:prstGeom prst="rect">
+            <a:avLst/>
+          </a:prstGeom>
+          <a:noFill/>
+        </p:spPr>
+        <p:txBody>
+          <a:bodyPr wrap="none" rtlCol="0">
+            <a:spAutoFit/>
+          </a:bodyPr>
+          <a:lstStyle/>
+          <a:p>
+            <a:r>
+              <a:rPr kumimoji="1" lang="en-US" altLang="ja-JP" sz="1400" b="1" dirty="0" smtClean="0">
+                <a:latin typeface="メイリオ"/>
+                <a:ea typeface="メイリオ"/>
+                <a:cs typeface="メイリオ"/>
+              </a:rPr>
+              <a:t>N</a:t>
+            </a:r>
+            <a:r>
+              <a:rPr kumimoji="1" lang="ja-JP" altLang="en-US" sz="1400" b="1" dirty="0" smtClean="0">
+                <a:latin typeface="メイリオ"/>
+                <a:ea typeface="メイリオ"/>
+                <a:cs typeface="メイリオ"/>
+              </a:rPr>
+              <a:t>対</a:t>
+            </a:r>
+            <a:r>
+              <a:rPr kumimoji="1" lang="en-US" altLang="ja-JP" sz="1400" b="1" dirty="0" smtClean="0">
+                <a:latin typeface="メイリオ"/>
+                <a:ea typeface="メイリオ"/>
+                <a:cs typeface="メイリオ"/>
+              </a:rPr>
+              <a:t>1</a:t>
+            </a:r>
+            <a:r>
+              <a:rPr kumimoji="1" lang="ja-JP" altLang="en-US" sz="1400" b="1" dirty="0" smtClean="0">
+                <a:latin typeface="メイリオ"/>
+                <a:ea typeface="メイリオ"/>
+                <a:cs typeface="メイリオ"/>
+              </a:rPr>
+              <a:t>パターン</a:t>
+            </a:r>
+            <a:endParaRPr kumimoji="1" lang="ja-JP" altLang="en-US" sz="1400" b="1" dirty="0">
+              <a:latin typeface="メイリオ"/>
+              <a:ea typeface="メイリオ"/>
+              <a:cs typeface="メイリオ"/>
+            </a:endParaRPr>
+          </a:p>
+        </p:txBody>
+      </p:sp>
+      <p:sp>
+        <p:nvSpPr>
+          <p:cNvPr id="25" name="正方形/長方形 24"/>
+          <p:cNvSpPr/>
+          <p:nvPr/>
+        </p:nvSpPr>
+        <p:spPr bwMode="auto">
+          <a:xfrm>
+            <a:off x="889000" y="6057900"/>
+            <a:ext cx="939800" cy="279400"/>
+          </a:xfrm>
+          <a:prstGeom prst="rect">
+            <a:avLst/>
+          </a:prstGeom>
+          <a:solidFill>
+            <a:schemeClr val="accent2">
+              <a:lumMod val="20000"/>
+              <a:lumOff val="80000"/>
+            </a:schemeClr>
+          </a:solidFill>
+          <a:ln w="12700" cap="rnd" cmpd="sng" algn="ctr">
+            <a:solidFill>
+              <a:schemeClr val="tx1"/>
+            </a:solidFill>
+            <a:prstDash val="solid"/>
+            <a:round/>
+            <a:headEnd type="none" w="sm" len="sm"/>
+            <a:tailEnd type="none" w="sm" len="sm"/>
+          </a:ln>
+          <a:effectLst/>
+          <a:extLst/>
+        </p:spPr>
+        <p:txBody>
+          <a:bodyPr rot="0" spcFirstLastPara="0" vertOverflow="overflow" horzOverflow="overflow" vert="horz" wrap="square" lIns="91440" tIns="45720" rIns="91440" bIns="45720" numCol="1" spcCol="0" rtlCol="0" fromWordArt="0" anchor="ctr" anchorCtr="0" forceAA="0" compatLnSpc="1">
+            <a:prstTxWarp prst="textNoShape">
+              <a:avLst/>
+            </a:prstTxWarp>
+            <a:noAutofit/>
+          </a:bodyPr>
+          <a:lstStyle/>
+          <a:p>
+            <a:pPr marL="0" marR="0" indent="0" algn="ctr" defTabSz="914400" rtl="0" eaLnBrk="0" fontAlgn="base" latinLnBrk="0" hangingPunct="0">
+              <a:lnSpc>
+                <a:spcPct val="100000"/>
+              </a:lnSpc>
+              <a:spcBef>
+                <a:spcPct val="0"/>
+              </a:spcBef>
+              <a:spcAft>
+                <a:spcPct val="0"/>
+              </a:spcAft>
+              <a:buClrTx/>
+              <a:buSzTx/>
+              <a:buFontTx/>
+              <a:buNone/>
+              <a:tabLst/>
+            </a:pPr>
+            <a:r>
+              <a:rPr kumimoji="0" lang="en-US" altLang="ja-JP" sz="1000" b="1" i="0" u="none" strike="noStrike" cap="none" normalizeH="0" baseline="0" dirty="0" smtClean="0">
+                <a:ln>
+                  <a:noFill/>
+                </a:ln>
+                <a:solidFill>
+                  <a:schemeClr val="tx1"/>
+                </a:solidFill>
+                <a:effectLst/>
+                <a:latin typeface="メイリオ"/>
+                <a:ea typeface="メイリオ"/>
+              </a:rPr>
+              <a:t>Publisher</a:t>
+            </a:r>
+            <a:endParaRPr kumimoji="0" lang="ja-JP" altLang="en-US" sz="1000" b="1" i="0" u="none" strike="noStrike" cap="none" normalizeH="0" baseline="0" dirty="0" smtClean="0">
+              <a:ln>
+                <a:noFill/>
+              </a:ln>
+              <a:solidFill>
+                <a:schemeClr val="tx1"/>
+              </a:solidFill>
+              <a:effectLst/>
+              <a:latin typeface="メイリオ"/>
+              <a:ea typeface="メイリオ"/>
+            </a:endParaRPr>
+          </a:p>
+        </p:txBody>
+      </p:sp>
+      <p:sp>
+        <p:nvSpPr>
+          <p:cNvPr id="26" name="正方形/長方形 25"/>
+          <p:cNvSpPr/>
+          <p:nvPr/>
+        </p:nvSpPr>
+        <p:spPr bwMode="auto">
+          <a:xfrm>
+            <a:off x="3530600" y="6083300"/>
+            <a:ext cx="939800" cy="279400"/>
+          </a:xfrm>
+          <a:prstGeom prst="rect">
+            <a:avLst/>
+          </a:prstGeom>
+          <a:solidFill>
+            <a:srgbClr val="FFF0A6"/>
+          </a:solidFill>
+          <a:ln w="12700" cap="rnd" cmpd="sng" algn="ctr">
+            <a:solidFill>
+              <a:schemeClr val="tx1"/>
+            </a:solidFill>
+            <a:prstDash val="solid"/>
+            <a:round/>
+            <a:headEnd type="none" w="sm" len="sm"/>
+            <a:tailEnd type="none" w="sm" len="sm"/>
+          </a:ln>
+          <a:effectLst/>
+          <a:extLst/>
+        </p:spPr>
+        <p:txBody>
+          <a:bodyPr rot="0" spcFirstLastPara="0" vertOverflow="overflow" horzOverflow="overflow" vert="horz" wrap="square" lIns="91440" tIns="45720" rIns="91440" bIns="45720" numCol="1" spcCol="0" rtlCol="0" fromWordArt="0" anchor="ctr" anchorCtr="0" forceAA="0" compatLnSpc="1">
+            <a:prstTxWarp prst="textNoShape">
+              <a:avLst/>
+            </a:prstTxWarp>
+            <a:noAutofit/>
+          </a:bodyPr>
+          <a:lstStyle/>
+          <a:p>
+            <a:pPr marL="0" marR="0" indent="0" algn="ctr" defTabSz="914400" rtl="0" eaLnBrk="0" fontAlgn="base" latinLnBrk="0" hangingPunct="0">
+              <a:lnSpc>
+                <a:spcPct val="100000"/>
+              </a:lnSpc>
+              <a:spcBef>
+                <a:spcPct val="0"/>
+              </a:spcBef>
+              <a:spcAft>
+                <a:spcPct val="0"/>
+              </a:spcAft>
+              <a:buClrTx/>
+              <a:buSzTx/>
+              <a:buFontTx/>
+              <a:buNone/>
+              <a:tabLst/>
+            </a:pPr>
+            <a:r>
+              <a:rPr lang="en-US" altLang="ja-JP" sz="1000" b="1" dirty="0" smtClean="0">
+                <a:latin typeface="メイリオ"/>
+                <a:ea typeface="メイリオ"/>
+              </a:rPr>
+              <a:t>Broker</a:t>
+            </a:r>
+            <a:endParaRPr kumimoji="0" lang="ja-JP" altLang="en-US" sz="1000" b="1" i="0" u="none" strike="noStrike" cap="none" normalizeH="0" baseline="0" dirty="0" smtClean="0">
+              <a:ln>
+                <a:noFill/>
+              </a:ln>
+              <a:solidFill>
+                <a:schemeClr val="tx1"/>
+              </a:solidFill>
+              <a:effectLst/>
+              <a:latin typeface="メイリオ"/>
+              <a:ea typeface="メイリオ"/>
+            </a:endParaRPr>
+          </a:p>
+        </p:txBody>
+      </p:sp>
+      <p:sp>
+        <p:nvSpPr>
+          <p:cNvPr id="27" name="正方形/長方形 26"/>
+          <p:cNvSpPr/>
+          <p:nvPr/>
+        </p:nvSpPr>
+        <p:spPr bwMode="auto">
+          <a:xfrm>
+            <a:off x="6146800" y="6096000"/>
+            <a:ext cx="939800" cy="279400"/>
+          </a:xfrm>
+          <a:prstGeom prst="rect">
+            <a:avLst/>
+          </a:prstGeom>
+          <a:solidFill>
+            <a:srgbClr val="FFD0ED"/>
+          </a:solidFill>
+          <a:ln w="12700" cap="rnd" cmpd="sng" algn="ctr">
+            <a:solidFill>
+              <a:schemeClr val="tx1"/>
+            </a:solidFill>
+            <a:prstDash val="solid"/>
+            <a:round/>
+            <a:headEnd type="none" w="sm" len="sm"/>
+            <a:tailEnd type="none" w="sm" len="sm"/>
+          </a:ln>
+          <a:effectLst/>
+          <a:extLst/>
+        </p:spPr>
+        <p:txBody>
+          <a:bodyPr rot="0" spcFirstLastPara="0" vertOverflow="overflow" horzOverflow="overflow" vert="horz" wrap="square" lIns="91440" tIns="45720" rIns="91440" bIns="45720" numCol="1" spcCol="0" rtlCol="0" fromWordArt="0" anchor="ctr" anchorCtr="0" forceAA="0" compatLnSpc="1">
+            <a:prstTxWarp prst="textNoShape">
+              <a:avLst/>
+            </a:prstTxWarp>
+            <a:noAutofit/>
+          </a:bodyPr>
+          <a:lstStyle/>
+          <a:p>
+            <a:pPr marL="0" marR="0" indent="0" algn="ctr" defTabSz="914400" rtl="0" eaLnBrk="0" fontAlgn="base" latinLnBrk="0" hangingPunct="0">
+              <a:lnSpc>
+                <a:spcPct val="100000"/>
+              </a:lnSpc>
+              <a:spcBef>
+                <a:spcPct val="0"/>
+              </a:spcBef>
+              <a:spcAft>
+                <a:spcPct val="0"/>
+              </a:spcAft>
+              <a:buClrTx/>
+              <a:buSzTx/>
+              <a:buFontTx/>
+              <a:buNone/>
+              <a:tabLst/>
+            </a:pPr>
+            <a:r>
+              <a:rPr lang="en-US" altLang="ja-JP" sz="1000" b="1" dirty="0" smtClean="0">
+                <a:latin typeface="メイリオ"/>
+                <a:ea typeface="メイリオ"/>
+              </a:rPr>
+              <a:t>Subscriber</a:t>
+            </a:r>
+            <a:endParaRPr kumimoji="0" lang="ja-JP" altLang="en-US" sz="1000" b="1" i="0" u="none" strike="noStrike" cap="none" normalizeH="0" baseline="0" dirty="0" smtClean="0">
+              <a:ln>
+                <a:noFill/>
+              </a:ln>
+              <a:solidFill>
+                <a:schemeClr val="tx1"/>
+              </a:solidFill>
+              <a:effectLst/>
+              <a:latin typeface="メイリオ"/>
+              <a:ea typeface="メイリオ"/>
+            </a:endParaRPr>
+          </a:p>
+        </p:txBody>
+      </p:sp>
+      <p:cxnSp>
+        <p:nvCxnSpPr>
+          <p:cNvPr id="28" name="直線矢印コネクタ 27"/>
+          <p:cNvCxnSpPr>
+            <a:stCxn id="25" idx="3"/>
+            <a:endCxn id="26" idx="1"/>
+          </p:cNvCxnSpPr>
+          <p:nvPr/>
+        </p:nvCxnSpPr>
+        <p:spPr bwMode="auto">
+          <a:xfrm>
+            <a:off x="1828800" y="6197600"/>
+            <a:ext cx="1701800" cy="25400"/>
+          </a:xfrm>
+          <a:prstGeom prst="straightConnector1">
+            <a:avLst/>
+          </a:prstGeom>
+          <a:solidFill>
+            <a:srgbClr val="FFCC00"/>
+          </a:solidFill>
+          <a:ln w="12700" cap="rnd" cmpd="sng" algn="ctr">
+            <a:solidFill>
+              <a:schemeClr val="tx1"/>
+            </a:solidFill>
+            <a:prstDash val="solid"/>
+            <a:round/>
+            <a:headEnd type="none" w="sm" len="sm"/>
+            <a:tailEnd type="arrow"/>
+          </a:ln>
+          <a:effectLst/>
+          <a:extLst>
+            <a:ext uri="{AF507438-7753-43e0-B8FC-AC1667EBCBE1}">
+              <a14:hiddenEffects xmlns:a14="http://schemas.microsoft.com/office/drawing/2010/main">
+                <a:effectLst>
+                  <a:outerShdw dist="35921" dir="2700000" algn="ctr" rotWithShape="0">
+                    <a:schemeClr val="bg2"/>
+                  </a:outerShdw>
+                </a:effectLst>
+              </a14:hiddenEffects>
+            </a:ext>
+          </a:extLst>
+        </p:spPr>
+      </p:cxnSp>
+      <p:cxnSp>
+        <p:nvCxnSpPr>
+          <p:cNvPr id="29" name="直線矢印コネクタ 28"/>
+          <p:cNvCxnSpPr>
+            <a:stCxn id="26" idx="3"/>
+            <a:endCxn id="27" idx="1"/>
+          </p:cNvCxnSpPr>
+          <p:nvPr/>
+        </p:nvCxnSpPr>
+        <p:spPr bwMode="auto">
+          <a:xfrm>
+            <a:off x="4470400" y="6223000"/>
+            <a:ext cx="1676400" cy="12700"/>
+          </a:xfrm>
+          <a:prstGeom prst="straightConnector1">
+            <a:avLst/>
+          </a:prstGeom>
+          <a:solidFill>
+            <a:srgbClr val="FFCC00"/>
+          </a:solidFill>
+          <a:ln w="12700" cap="rnd" cmpd="sng" algn="ctr">
+            <a:solidFill>
+              <a:schemeClr val="tx1"/>
+            </a:solidFill>
+            <a:prstDash val="solid"/>
+            <a:round/>
+            <a:headEnd type="none" w="sm" len="sm"/>
+            <a:tailEnd type="arrow"/>
+          </a:ln>
+          <a:effectLst/>
+          <a:extLst>
+            <a:ext uri="{AF507438-7753-43e0-B8FC-AC1667EBCBE1}">
+              <a14:hiddenEffects xmlns:a14="http://schemas.microsoft.com/office/drawing/2010/main">
+                <a:effectLst>
+                  <a:outerShdw dist="35921" dir="2700000" algn="ctr" rotWithShape="0">
+                    <a:schemeClr val="bg2"/>
+                  </a:outerShdw>
+                </a:effectLst>
+              </a14:hiddenEffects>
+            </a:ext>
+          </a:extLst>
+        </p:spPr>
+      </p:cxnSp>
+      <p:sp>
+        <p:nvSpPr>
+          <p:cNvPr id="30" name="テキスト ボックス 29"/>
+          <p:cNvSpPr txBox="1"/>
+          <p:nvPr/>
+        </p:nvSpPr>
+        <p:spPr>
+          <a:xfrm>
+            <a:off x="572914" y="5689600"/>
+            <a:ext cx="1351652" cy="307777"/>
+          </a:xfrm>
+          <a:prstGeom prst="rect">
+            <a:avLst/>
+          </a:prstGeom>
+          <a:noFill/>
+        </p:spPr>
+        <p:txBody>
+          <a:bodyPr wrap="none" rtlCol="0">
+            <a:spAutoFit/>
+          </a:bodyPr>
+          <a:lstStyle/>
+          <a:p>
+            <a:r>
+              <a:rPr kumimoji="1" lang="en-US" altLang="ja-JP" sz="1400" b="1" dirty="0" smtClean="0">
+                <a:latin typeface="メイリオ"/>
+                <a:ea typeface="メイリオ"/>
+                <a:cs typeface="メイリオ"/>
+              </a:rPr>
+              <a:t>1</a:t>
+            </a:r>
+            <a:r>
+              <a:rPr kumimoji="1" lang="ja-JP" altLang="en-US" sz="1400" b="1" dirty="0" smtClean="0">
+                <a:latin typeface="メイリオ"/>
+                <a:ea typeface="メイリオ"/>
+                <a:cs typeface="メイリオ"/>
+              </a:rPr>
+              <a:t>対</a:t>
+            </a:r>
+            <a:r>
+              <a:rPr kumimoji="1" lang="en-US" altLang="ja-JP" sz="1400" b="1" dirty="0" smtClean="0">
+                <a:latin typeface="メイリオ"/>
+                <a:ea typeface="メイリオ"/>
+                <a:cs typeface="メイリオ"/>
+              </a:rPr>
+              <a:t>N</a:t>
+            </a:r>
+            <a:r>
+              <a:rPr kumimoji="1" lang="ja-JP" altLang="en-US" sz="1400" b="1" dirty="0" smtClean="0">
+                <a:latin typeface="メイリオ"/>
+                <a:ea typeface="メイリオ"/>
+                <a:cs typeface="メイリオ"/>
+              </a:rPr>
+              <a:t>パターン</a:t>
+            </a:r>
+            <a:endParaRPr kumimoji="1" lang="ja-JP" altLang="en-US" sz="1400" b="1" dirty="0">
+              <a:latin typeface="メイリオ"/>
+              <a:ea typeface="メイリオ"/>
+              <a:cs typeface="メイリオ"/>
+            </a:endParaRPr>
+          </a:p>
+        </p:txBody>
+      </p:sp>
+      <p:sp>
+        <p:nvSpPr>
+          <p:cNvPr id="37" name="正方形/長方形 36"/>
+          <p:cNvSpPr/>
+          <p:nvPr/>
+        </p:nvSpPr>
+        <p:spPr bwMode="auto">
+          <a:xfrm>
+            <a:off x="914400" y="4483100"/>
+            <a:ext cx="939800" cy="317500"/>
+          </a:xfrm>
+          <a:prstGeom prst="rect">
+            <a:avLst/>
+          </a:prstGeom>
+          <a:solidFill>
+            <a:schemeClr val="accent2">
+              <a:lumMod val="20000"/>
+              <a:lumOff val="80000"/>
+            </a:schemeClr>
+          </a:solidFill>
+          <a:ln w="12700" cap="rnd" cmpd="sng" algn="ctr">
+            <a:solidFill>
+              <a:schemeClr val="tx1"/>
+            </a:solidFill>
+            <a:prstDash val="solid"/>
+            <a:round/>
+            <a:headEnd type="none" w="sm" len="sm"/>
+            <a:tailEnd type="none" w="sm" len="sm"/>
+          </a:ln>
+          <a:effectLst/>
+          <a:extLst/>
+        </p:spPr>
+        <p:txBody>
+          <a:bodyPr rot="0" spcFirstLastPara="0" vertOverflow="overflow" horzOverflow="overflow" vert="horz" wrap="square" lIns="91440" tIns="45720" rIns="91440" bIns="45720" numCol="1" spcCol="0" rtlCol="0" fromWordArt="0" anchor="ctr" anchorCtr="0" forceAA="0" compatLnSpc="1">
+            <a:prstTxWarp prst="textNoShape">
+              <a:avLst/>
+            </a:prstTxWarp>
+            <a:noAutofit/>
+          </a:bodyPr>
+          <a:lstStyle/>
+          <a:p>
+            <a:pPr marL="0" marR="0" indent="0" algn="ctr" defTabSz="914400" rtl="0" eaLnBrk="0" fontAlgn="base" latinLnBrk="0" hangingPunct="0">
+              <a:lnSpc>
+                <a:spcPct val="100000"/>
+              </a:lnSpc>
+              <a:spcBef>
+                <a:spcPct val="0"/>
+              </a:spcBef>
+              <a:spcAft>
+                <a:spcPct val="0"/>
+              </a:spcAft>
+              <a:buClrTx/>
+              <a:buSzTx/>
+              <a:buFontTx/>
+              <a:buNone/>
+              <a:tabLst/>
+            </a:pPr>
+            <a:r>
+              <a:rPr kumimoji="0" lang="en-US" altLang="ja-JP" sz="1000" b="1" i="0" u="none" strike="noStrike" cap="none" normalizeH="0" baseline="0" dirty="0" smtClean="0">
+                <a:ln>
+                  <a:noFill/>
+                </a:ln>
+                <a:solidFill>
+                  <a:schemeClr val="tx1"/>
+                </a:solidFill>
+                <a:effectLst/>
+                <a:latin typeface="メイリオ"/>
+                <a:ea typeface="メイリオ"/>
+              </a:rPr>
+              <a:t>Publisher</a:t>
+            </a:r>
+            <a:endParaRPr kumimoji="0" lang="ja-JP" altLang="en-US" sz="1000" b="1" i="0" u="none" strike="noStrike" cap="none" normalizeH="0" baseline="0" dirty="0" smtClean="0">
+              <a:ln>
+                <a:noFill/>
+              </a:ln>
+              <a:solidFill>
+                <a:schemeClr val="tx1"/>
+              </a:solidFill>
+              <a:effectLst/>
+              <a:latin typeface="メイリオ"/>
+              <a:ea typeface="メイリオ"/>
+            </a:endParaRPr>
+          </a:p>
+        </p:txBody>
+      </p:sp>
+      <p:sp>
+        <p:nvSpPr>
+          <p:cNvPr id="38" name="正方形/長方形 37"/>
+          <p:cNvSpPr/>
+          <p:nvPr/>
+        </p:nvSpPr>
+        <p:spPr bwMode="auto">
+          <a:xfrm>
+            <a:off x="927100" y="5270500"/>
+            <a:ext cx="939800" cy="317500"/>
+          </a:xfrm>
+          <a:prstGeom prst="rect">
+            <a:avLst/>
+          </a:prstGeom>
+          <a:solidFill>
+            <a:schemeClr val="accent2">
+              <a:lumMod val="20000"/>
+              <a:lumOff val="80000"/>
+            </a:schemeClr>
+          </a:solidFill>
+          <a:ln w="12700" cap="rnd" cmpd="sng" algn="ctr">
+            <a:solidFill>
+              <a:schemeClr val="tx1"/>
+            </a:solidFill>
+            <a:prstDash val="solid"/>
+            <a:round/>
+            <a:headEnd type="none" w="sm" len="sm"/>
+            <a:tailEnd type="none" w="sm" len="sm"/>
+          </a:ln>
+          <a:effectLst/>
+          <a:extLst/>
+        </p:spPr>
+        <p:txBody>
+          <a:bodyPr rot="0" spcFirstLastPara="0" vertOverflow="overflow" horzOverflow="overflow" vert="horz" wrap="square" lIns="91440" tIns="45720" rIns="91440" bIns="45720" numCol="1" spcCol="0" rtlCol="0" fromWordArt="0" anchor="ctr" anchorCtr="0" forceAA="0" compatLnSpc="1">
+            <a:prstTxWarp prst="textNoShape">
+              <a:avLst/>
+            </a:prstTxWarp>
+            <a:noAutofit/>
+          </a:bodyPr>
+          <a:lstStyle/>
+          <a:p>
+            <a:pPr marL="0" marR="0" indent="0" algn="ctr" defTabSz="914400" rtl="0" eaLnBrk="0" fontAlgn="base" latinLnBrk="0" hangingPunct="0">
+              <a:lnSpc>
+                <a:spcPct val="100000"/>
+              </a:lnSpc>
+              <a:spcBef>
+                <a:spcPct val="0"/>
+              </a:spcBef>
+              <a:spcAft>
+                <a:spcPct val="0"/>
+              </a:spcAft>
+              <a:buClrTx/>
+              <a:buSzTx/>
+              <a:buFontTx/>
+              <a:buNone/>
+              <a:tabLst/>
+            </a:pPr>
+            <a:r>
+              <a:rPr kumimoji="0" lang="en-US" altLang="ja-JP" sz="1000" b="1" i="0" u="none" strike="noStrike" cap="none" normalizeH="0" baseline="0" dirty="0" smtClean="0">
+                <a:ln>
+                  <a:noFill/>
+                </a:ln>
+                <a:solidFill>
+                  <a:schemeClr val="tx1"/>
+                </a:solidFill>
+                <a:effectLst/>
+                <a:latin typeface="メイリオ"/>
+                <a:ea typeface="メイリオ"/>
+              </a:rPr>
+              <a:t>Publisher</a:t>
+            </a:r>
+            <a:endParaRPr kumimoji="0" lang="ja-JP" altLang="en-US" sz="1000" b="1" i="0" u="none" strike="noStrike" cap="none" normalizeH="0" baseline="0" dirty="0" smtClean="0">
+              <a:ln>
+                <a:noFill/>
+              </a:ln>
+              <a:solidFill>
+                <a:schemeClr val="tx1"/>
+              </a:solidFill>
+              <a:effectLst/>
+              <a:latin typeface="メイリオ"/>
+              <a:ea typeface="メイリオ"/>
+            </a:endParaRPr>
+          </a:p>
+        </p:txBody>
+      </p:sp>
+      <p:cxnSp>
+        <p:nvCxnSpPr>
+          <p:cNvPr id="39" name="直線矢印コネクタ 38"/>
+          <p:cNvCxnSpPr>
+            <a:stCxn id="37" idx="3"/>
+            <a:endCxn id="20" idx="1"/>
+          </p:cNvCxnSpPr>
+          <p:nvPr/>
+        </p:nvCxnSpPr>
+        <p:spPr bwMode="auto">
+          <a:xfrm>
+            <a:off x="1854200" y="4641850"/>
+            <a:ext cx="1701800" cy="419100"/>
+          </a:xfrm>
+          <a:prstGeom prst="straightConnector1">
+            <a:avLst/>
+          </a:prstGeom>
+          <a:solidFill>
+            <a:srgbClr val="FFCC00"/>
+          </a:solidFill>
+          <a:ln w="12700" cap="rnd" cmpd="sng" algn="ctr">
+            <a:solidFill>
+              <a:schemeClr val="tx1"/>
+            </a:solidFill>
+            <a:prstDash val="solid"/>
+            <a:round/>
+            <a:headEnd type="none" w="sm" len="sm"/>
+            <a:tailEnd type="arrow"/>
+          </a:ln>
+          <a:effectLst/>
+          <a:extLst>
+            <a:ext uri="{AF507438-7753-43e0-B8FC-AC1667EBCBE1}">
+              <a14:hiddenEffects xmlns:a14="http://schemas.microsoft.com/office/drawing/2010/main">
+                <a:effectLst>
+                  <a:outerShdw dist="35921" dir="2700000" algn="ctr" rotWithShape="0">
+                    <a:schemeClr val="bg2"/>
+                  </a:outerShdw>
+                </a:effectLst>
+              </a14:hiddenEffects>
+            </a:ext>
+          </a:extLst>
+        </p:spPr>
+      </p:cxnSp>
+      <p:cxnSp>
+        <p:nvCxnSpPr>
+          <p:cNvPr id="42" name="直線矢印コネクタ 41"/>
+          <p:cNvCxnSpPr>
+            <a:stCxn id="38" idx="3"/>
+            <a:endCxn id="20" idx="1"/>
+          </p:cNvCxnSpPr>
+          <p:nvPr/>
+        </p:nvCxnSpPr>
+        <p:spPr bwMode="auto">
+          <a:xfrm flipV="1">
+            <a:off x="1866900" y="5060950"/>
+            <a:ext cx="1689100" cy="368300"/>
+          </a:xfrm>
+          <a:prstGeom prst="straightConnector1">
+            <a:avLst/>
+          </a:prstGeom>
+          <a:solidFill>
+            <a:srgbClr val="FFCC00"/>
+          </a:solidFill>
+          <a:ln w="12700" cap="rnd" cmpd="sng" algn="ctr">
+            <a:solidFill>
+              <a:schemeClr val="tx1"/>
+            </a:solidFill>
+            <a:prstDash val="solid"/>
+            <a:round/>
+            <a:headEnd type="none" w="sm" len="sm"/>
+            <a:tailEnd type="arrow"/>
+          </a:ln>
+          <a:effectLst/>
+          <a:extLst>
+            <a:ext uri="{AF507438-7753-43e0-B8FC-AC1667EBCBE1}">
+              <a14:hiddenEffects xmlns:a14="http://schemas.microsoft.com/office/drawing/2010/main">
+                <a:effectLst>
+                  <a:outerShdw dist="35921" dir="2700000" algn="ctr" rotWithShape="0">
+                    <a:schemeClr val="bg2"/>
+                  </a:outerShdw>
+                </a:effectLst>
+              </a14:hiddenEffects>
+            </a:ext>
+          </a:extLst>
+        </p:spPr>
+      </p:cxnSp>
+      <p:sp>
+        <p:nvSpPr>
+          <p:cNvPr id="45" name="正方形/長方形 44"/>
+          <p:cNvSpPr/>
+          <p:nvPr/>
+        </p:nvSpPr>
+        <p:spPr bwMode="auto">
+          <a:xfrm>
+            <a:off x="6159500" y="5740400"/>
+            <a:ext cx="939800" cy="279400"/>
+          </a:xfrm>
+          <a:prstGeom prst="rect">
+            <a:avLst/>
+          </a:prstGeom>
+          <a:solidFill>
+            <a:srgbClr val="FFD0ED"/>
+          </a:solidFill>
+          <a:ln w="12700" cap="rnd" cmpd="sng" algn="ctr">
+            <a:solidFill>
+              <a:schemeClr val="tx1"/>
+            </a:solidFill>
+            <a:prstDash val="solid"/>
+            <a:round/>
+            <a:headEnd type="none" w="sm" len="sm"/>
+            <a:tailEnd type="none" w="sm" len="sm"/>
+          </a:ln>
+          <a:effectLst/>
+          <a:extLst/>
+        </p:spPr>
+        <p:txBody>
+          <a:bodyPr rot="0" spcFirstLastPara="0" vertOverflow="overflow" horzOverflow="overflow" vert="horz" wrap="square" lIns="91440" tIns="45720" rIns="91440" bIns="45720" numCol="1" spcCol="0" rtlCol="0" fromWordArt="0" anchor="ctr" anchorCtr="0" forceAA="0" compatLnSpc="1">
+            <a:prstTxWarp prst="textNoShape">
+              <a:avLst/>
+            </a:prstTxWarp>
+            <a:noAutofit/>
+          </a:bodyPr>
+          <a:lstStyle/>
+          <a:p>
+            <a:pPr marL="0" marR="0" indent="0" algn="ctr" defTabSz="914400" rtl="0" eaLnBrk="0" fontAlgn="base" latinLnBrk="0" hangingPunct="0">
+              <a:lnSpc>
+                <a:spcPct val="100000"/>
+              </a:lnSpc>
+              <a:spcBef>
+                <a:spcPct val="0"/>
+              </a:spcBef>
+              <a:spcAft>
+                <a:spcPct val="0"/>
+              </a:spcAft>
+              <a:buClrTx/>
+              <a:buSzTx/>
+              <a:buFontTx/>
+              <a:buNone/>
+              <a:tabLst/>
+            </a:pPr>
+            <a:r>
+              <a:rPr lang="en-US" altLang="ja-JP" sz="1000" b="1" dirty="0" smtClean="0">
+                <a:latin typeface="メイリオ"/>
+                <a:ea typeface="メイリオ"/>
+              </a:rPr>
+              <a:t>Subscriber</a:t>
+            </a:r>
+            <a:endParaRPr kumimoji="0" lang="ja-JP" altLang="en-US" sz="1000" b="1" i="0" u="none" strike="noStrike" cap="none" normalizeH="0" baseline="0" dirty="0" smtClean="0">
+              <a:ln>
+                <a:noFill/>
+              </a:ln>
+              <a:solidFill>
+                <a:schemeClr val="tx1"/>
+              </a:solidFill>
+              <a:effectLst/>
+              <a:latin typeface="メイリオ"/>
+              <a:ea typeface="メイリオ"/>
+            </a:endParaRPr>
+          </a:p>
+        </p:txBody>
+      </p:sp>
+      <p:sp>
+        <p:nvSpPr>
+          <p:cNvPr id="46" name="正方形/長方形 45"/>
+          <p:cNvSpPr/>
+          <p:nvPr/>
+        </p:nvSpPr>
+        <p:spPr bwMode="auto">
+          <a:xfrm>
+            <a:off x="6146800" y="6438900"/>
+            <a:ext cx="939800" cy="279400"/>
+          </a:xfrm>
+          <a:prstGeom prst="rect">
+            <a:avLst/>
+          </a:prstGeom>
+          <a:solidFill>
+            <a:srgbClr val="FFD0ED"/>
+          </a:solidFill>
+          <a:ln w="12700" cap="rnd" cmpd="sng" algn="ctr">
+            <a:solidFill>
+              <a:schemeClr val="tx1"/>
+            </a:solidFill>
+            <a:prstDash val="solid"/>
+            <a:round/>
+            <a:headEnd type="none" w="sm" len="sm"/>
+            <a:tailEnd type="none" w="sm" len="sm"/>
+          </a:ln>
+          <a:effectLst/>
+          <a:extLst/>
+        </p:spPr>
+        <p:txBody>
+          <a:bodyPr rot="0" spcFirstLastPara="0" vertOverflow="overflow" horzOverflow="overflow" vert="horz" wrap="square" lIns="91440" tIns="45720" rIns="91440" bIns="45720" numCol="1" spcCol="0" rtlCol="0" fromWordArt="0" anchor="ctr" anchorCtr="0" forceAA="0" compatLnSpc="1">
+            <a:prstTxWarp prst="textNoShape">
+              <a:avLst/>
+            </a:prstTxWarp>
+            <a:noAutofit/>
+          </a:bodyPr>
+          <a:lstStyle/>
+          <a:p>
+            <a:pPr marL="0" marR="0" indent="0" algn="ctr" defTabSz="914400" rtl="0" eaLnBrk="0" fontAlgn="base" latinLnBrk="0" hangingPunct="0">
+              <a:lnSpc>
+                <a:spcPct val="100000"/>
+              </a:lnSpc>
+              <a:spcBef>
+                <a:spcPct val="0"/>
+              </a:spcBef>
+              <a:spcAft>
+                <a:spcPct val="0"/>
+              </a:spcAft>
+              <a:buClrTx/>
+              <a:buSzTx/>
+              <a:buFontTx/>
+              <a:buNone/>
+              <a:tabLst/>
+            </a:pPr>
+            <a:r>
+              <a:rPr lang="en-US" altLang="ja-JP" sz="1000" b="1" dirty="0" smtClean="0">
+                <a:latin typeface="メイリオ"/>
+                <a:ea typeface="メイリオ"/>
+              </a:rPr>
+              <a:t>Subscriber</a:t>
+            </a:r>
+            <a:endParaRPr kumimoji="0" lang="ja-JP" altLang="en-US" sz="1000" b="1" i="0" u="none" strike="noStrike" cap="none" normalizeH="0" baseline="0" dirty="0" smtClean="0">
+              <a:ln>
+                <a:noFill/>
+              </a:ln>
+              <a:solidFill>
+                <a:schemeClr val="tx1"/>
+              </a:solidFill>
+              <a:effectLst/>
+              <a:latin typeface="メイリオ"/>
+              <a:ea typeface="メイリオ"/>
+            </a:endParaRPr>
+          </a:p>
+        </p:txBody>
+      </p:sp>
+      <p:cxnSp>
+        <p:nvCxnSpPr>
+          <p:cNvPr id="47" name="直線矢印コネクタ 46"/>
+          <p:cNvCxnSpPr>
+            <a:stCxn id="26" idx="3"/>
+            <a:endCxn id="45" idx="1"/>
+          </p:cNvCxnSpPr>
+          <p:nvPr/>
+        </p:nvCxnSpPr>
+        <p:spPr bwMode="auto">
+          <a:xfrm flipV="1">
+            <a:off x="4470400" y="5880100"/>
+            <a:ext cx="1689100" cy="342900"/>
+          </a:xfrm>
+          <a:prstGeom prst="straightConnector1">
+            <a:avLst/>
+          </a:prstGeom>
+          <a:solidFill>
+            <a:srgbClr val="FFCC00"/>
+          </a:solidFill>
+          <a:ln w="12700" cap="rnd" cmpd="sng" algn="ctr">
+            <a:solidFill>
+              <a:schemeClr val="tx1"/>
+            </a:solidFill>
+            <a:prstDash val="solid"/>
+            <a:round/>
+            <a:headEnd type="none" w="sm" len="sm"/>
+            <a:tailEnd type="arrow"/>
+          </a:ln>
+          <a:effectLst/>
+          <a:extLst>
+            <a:ext uri="{AF507438-7753-43e0-B8FC-AC1667EBCBE1}">
+              <a14:hiddenEffects xmlns:a14="http://schemas.microsoft.com/office/drawing/2010/main">
+                <a:effectLst>
+                  <a:outerShdw dist="35921" dir="2700000" algn="ctr" rotWithShape="0">
+                    <a:schemeClr val="bg2"/>
+                  </a:outerShdw>
+                </a:effectLst>
+              </a14:hiddenEffects>
+            </a:ext>
+          </a:extLst>
+        </p:spPr>
+      </p:cxnSp>
+      <p:cxnSp>
+        <p:nvCxnSpPr>
+          <p:cNvPr id="50" name="直線矢印コネクタ 49"/>
+          <p:cNvCxnSpPr>
+            <a:stCxn id="26" idx="3"/>
+            <a:endCxn id="46" idx="1"/>
+          </p:cNvCxnSpPr>
+          <p:nvPr/>
+        </p:nvCxnSpPr>
+        <p:spPr bwMode="auto">
+          <a:xfrm>
+            <a:off x="4470400" y="6223000"/>
+            <a:ext cx="1676400" cy="355600"/>
+          </a:xfrm>
+          <a:prstGeom prst="straightConnector1">
+            <a:avLst/>
+          </a:prstGeom>
+          <a:solidFill>
+            <a:srgbClr val="FFCC00"/>
+          </a:solidFill>
+          <a:ln w="12700" cap="rnd" cmpd="sng" algn="ctr">
+            <a:solidFill>
+              <a:schemeClr val="tx1"/>
+            </a:solidFill>
+            <a:prstDash val="solid"/>
+            <a:round/>
+            <a:headEnd type="none" w="sm" len="sm"/>
+            <a:tailEnd type="arrow"/>
+          </a:ln>
+          <a:effectLst/>
+          <a:extLst>
+            <a:ext uri="{AF507438-7753-43e0-B8FC-AC1667EBCBE1}">
+              <a14:hiddenEffects xmlns:a14="http://schemas.microsoft.com/office/drawing/2010/main">
+                <a:effectLst>
+                  <a:outerShdw dist="35921" dir="2700000" algn="ctr" rotWithShape="0">
+                    <a:schemeClr val="bg2"/>
+                  </a:outerShdw>
+                </a:effectLst>
+              </a14:hiddenEffects>
+            </a:ext>
+          </a:extLst>
+        </p:spPr>
+      </p:cxnSp>
     </p:spTree>
     <p:extLst>
       <p:ext uri="{BB962C8B-B14F-4D97-AF65-F5344CB8AC3E}">
-        <p14:creationId xmlns:p14="http://schemas.microsoft.com/office/powerpoint/2010/main" val="3719134463"/>
+        <p14:creationId xmlns:p14="http://schemas.microsoft.com/office/powerpoint/2010/main" val="682340286"/>
       </p:ext>
     </p:extLst>
   </p:cSld>

--- a/bluemix-env/iot-構成雛形.pptx
+++ b/bluemix-env/iot-構成雛形.pptx
@@ -5,10 +5,10 @@
     <p:sldMasterId id="2147483653" r:id="rId1"/>
   </p:sldMasterIdLst>
   <p:notesMasterIdLst>
-    <p:notesMasterId r:id="rId22"/>
+    <p:notesMasterId r:id="rId23"/>
   </p:notesMasterIdLst>
   <p:handoutMasterIdLst>
-    <p:handoutMasterId r:id="rId23"/>
+    <p:handoutMasterId r:id="rId24"/>
   </p:handoutMasterIdLst>
   <p:sldIdLst>
     <p:sldId id="376" r:id="rId2"/>
@@ -31,6 +31,7 @@
     <p:sldId id="421" r:id="rId19"/>
     <p:sldId id="423" r:id="rId20"/>
     <p:sldId id="424" r:id="rId21"/>
+    <p:sldId id="426" r:id="rId22"/>
   </p:sldIdLst>
   <p:sldSz cx="9144000" cy="6858000" type="screen4x3"/>
   <p:notesSz cx="6735763" cy="9866313"/>
@@ -5280,13 +5281,7 @@
               <a:rPr kumimoji="0" lang="ja-JP" altLang="en-US" sz="2800" dirty="0" smtClean="0">
                 <a:cs typeface="メイリオ"/>
               </a:rPr>
-              <a:t>基盤構成</a:t>
-            </a:r>
-            <a:r>
-              <a:rPr kumimoji="0" lang="ja-JP" altLang="en-US" sz="2800" dirty="0" smtClean="0">
-                <a:cs typeface="メイリオ"/>
-              </a:rPr>
-              <a:t>サンプル</a:t>
+              <a:t>基盤構成サンプル</a:t>
             </a:r>
             <a:r>
               <a:rPr kumimoji="0" lang="en-US" altLang="ja-JP" sz="2800" dirty="0" smtClean="0">
@@ -5318,22 +5313,22 @@
               <a:t>年</a:t>
             </a:r>
             <a:r>
+              <a:rPr kumimoji="0" lang="en-US" altLang="ja-JP" sz="2000" dirty="0">
+                <a:cs typeface="メイリオ"/>
+              </a:rPr>
+              <a:t>7</a:t>
+            </a:r>
+            <a:r>
+              <a:rPr kumimoji="0" lang="ja-JP" altLang="en-US" sz="2000" dirty="0" smtClean="0">
+                <a:cs typeface="メイリオ"/>
+              </a:rPr>
+              <a:t>月</a:t>
+            </a:r>
+            <a:r>
               <a:rPr kumimoji="0" lang="en-US" altLang="ja-JP" sz="2000" dirty="0" smtClean="0">
                 <a:cs typeface="メイリオ"/>
               </a:rPr>
-              <a:t>6</a:t>
-            </a:r>
-            <a:r>
-              <a:rPr kumimoji="0" lang="ja-JP" altLang="en-US" sz="2000" dirty="0" smtClean="0">
-                <a:cs typeface="メイリオ"/>
-              </a:rPr>
-              <a:t>月</a:t>
-            </a:r>
-            <a:r>
-              <a:rPr kumimoji="0" lang="en-US" altLang="ja-JP" sz="2000" dirty="0" smtClean="0">
-                <a:cs typeface="メイリオ"/>
-              </a:rPr>
-              <a:t>16</a:t>
+              <a:t>12</a:t>
             </a:r>
             <a:r>
               <a:rPr kumimoji="0" lang="ja-JP" altLang="en-US" sz="2000" dirty="0" smtClean="0">
@@ -19215,6 +19210,41 @@
           <a:chExt cx="0" cy="0"/>
         </a:xfrm>
       </p:grpSpPr>
+      <p:pic>
+        <p:nvPicPr>
+          <p:cNvPr id="7" name="図 6" descr="スクリーンショット 2016-07-12 19.15.43.png"/>
+          <p:cNvPicPr>
+            <a:picLocks noChangeAspect="1"/>
+          </p:cNvPicPr>
+          <p:nvPr/>
+        </p:nvPicPr>
+        <p:blipFill>
+          <a:blip r:embed="rId2">
+            <a:extLst>
+              <a:ext uri="{28A0092B-C50C-407E-A947-70E740481C1C}">
+                <a14:useLocalDpi xmlns:a14="http://schemas.microsoft.com/office/drawing/2010/main" val="0"/>
+              </a:ext>
+            </a:extLst>
+          </a:blip>
+          <a:stretch>
+            <a:fillRect/>
+          </a:stretch>
+        </p:blipFill>
+        <p:spPr>
+          <a:xfrm>
+            <a:off x="325098" y="1587500"/>
+            <a:ext cx="7824019" cy="4968325"/>
+          </a:xfrm>
+          <a:prstGeom prst="rect">
+            <a:avLst/>
+          </a:prstGeom>
+          <a:ln>
+            <a:solidFill>
+              <a:schemeClr val="tx1"/>
+            </a:solidFill>
+          </a:ln>
+        </p:spPr>
+      </p:pic>
       <p:sp>
         <p:nvSpPr>
           <p:cNvPr id="2" name="タイトル 1"/>
@@ -19293,41 +19323,6 @@
           </a:p>
         </p:txBody>
       </p:sp>
-      <p:pic>
-        <p:nvPicPr>
-          <p:cNvPr id="6" name="図 5" descr="スクリーンショット 2016-06-02 13.21.56.png"/>
-          <p:cNvPicPr>
-            <a:picLocks noChangeAspect="1"/>
-          </p:cNvPicPr>
-          <p:nvPr/>
-        </p:nvPicPr>
-        <p:blipFill>
-          <a:blip r:embed="rId2">
-            <a:extLst>
-              <a:ext uri="{28A0092B-C50C-407E-A947-70E740481C1C}">
-                <a14:useLocalDpi xmlns:a14="http://schemas.microsoft.com/office/drawing/2010/main" val="0"/>
-              </a:ext>
-            </a:extLst>
-          </a:blip>
-          <a:stretch>
-            <a:fillRect/>
-          </a:stretch>
-        </p:blipFill>
-        <p:spPr>
-          <a:xfrm>
-            <a:off x="342900" y="1549399"/>
-            <a:ext cx="7069146" cy="4629849"/>
-          </a:xfrm>
-          <a:prstGeom prst="rect">
-            <a:avLst/>
-          </a:prstGeom>
-          <a:ln>
-            <a:solidFill>
-              <a:schemeClr val="tx1"/>
-            </a:solidFill>
-          </a:ln>
-        </p:spPr>
-      </p:pic>
       <p:sp>
         <p:nvSpPr>
           <p:cNvPr id="5" name="正方形/長方形 4"/>
@@ -19336,7 +19331,7 @@
         </p:nvSpPr>
         <p:spPr bwMode="auto">
           <a:xfrm>
-            <a:off x="5334000" y="1993900"/>
+            <a:off x="6007100" y="2082800"/>
             <a:ext cx="1981200" cy="330200"/>
           </a:xfrm>
           <a:prstGeom prst="rect">
@@ -19402,13 +19397,13 @@
         </p:nvSpPr>
         <p:spPr bwMode="auto">
           <a:xfrm>
-            <a:off x="6477000" y="990600"/>
+            <a:off x="6362700" y="889000"/>
             <a:ext cx="2578100" cy="803148"/>
           </a:xfrm>
           <a:prstGeom prst="wedgeRoundRectCallout">
             <a:avLst>
-              <a:gd name="adj1" fmla="val -71397"/>
-              <a:gd name="adj2" fmla="val 69596"/>
+              <a:gd name="adj1" fmla="val -49230"/>
+              <a:gd name="adj2" fmla="val 99640"/>
               <a:gd name="adj3" fmla="val 16667"/>
             </a:avLst>
           </a:prstGeom>
@@ -20655,6 +20650,1185 @@
 </p:sld>
 </file>
 
+<file path=ppt/slides/slide21.xml><?xml version="1.0" encoding="utf-8"?>
+<p:sld xmlns:a="http://schemas.openxmlformats.org/drawingml/2006/main" xmlns:r="http://schemas.openxmlformats.org/officeDocument/2006/relationships" xmlns:p="http://schemas.openxmlformats.org/presentationml/2006/main">
+  <p:cSld>
+    <p:spTree>
+      <p:nvGrpSpPr>
+        <p:cNvPr id="1" name=""/>
+        <p:cNvGrpSpPr/>
+        <p:nvPr/>
+      </p:nvGrpSpPr>
+      <p:grpSpPr>
+        <a:xfrm>
+          <a:off x="0" y="0"/>
+          <a:ext cx="0" cy="0"/>
+          <a:chOff x="0" y="0"/>
+          <a:chExt cx="0" cy="0"/>
+        </a:xfrm>
+      </p:grpSpPr>
+      <p:sp>
+        <p:nvSpPr>
+          <p:cNvPr id="2" name="タイトル 1"/>
+          <p:cNvSpPr>
+            <a:spLocks noGrp="1"/>
+          </p:cNvSpPr>
+          <p:nvPr>
+            <p:ph type="title"/>
+          </p:nvPr>
+        </p:nvSpPr>
+        <p:spPr/>
+        <p:txBody>
+          <a:bodyPr/>
+          <a:lstStyle/>
+          <a:p>
+            <a:r>
+              <a:rPr lang="en-US" altLang="ja-JP" dirty="0" smtClean="0"/>
+              <a:t>(</a:t>
+            </a:r>
+            <a:r>
+              <a:rPr lang="ja-JP" altLang="en-US" dirty="0" smtClean="0"/>
+              <a:t>参考</a:t>
+            </a:r>
+            <a:r>
+              <a:rPr lang="en-US" altLang="ja-JP" dirty="0" smtClean="0"/>
+              <a:t>)</a:t>
+            </a:r>
+            <a:r>
+              <a:rPr lang="ja-JP" altLang="en-US" dirty="0" smtClean="0"/>
+              <a:t>データ</a:t>
+            </a:r>
+            <a:r>
+              <a:rPr lang="ja-JP" altLang="en-US" dirty="0" smtClean="0"/>
+              <a:t>複製プログラム</a:t>
+            </a:r>
+            <a:endParaRPr kumimoji="1" lang="ja-JP" altLang="en-US" dirty="0"/>
+          </a:p>
+        </p:txBody>
+      </p:sp>
+      <p:sp>
+        <p:nvSpPr>
+          <p:cNvPr id="3" name="コンテンツ プレースホルダー 2"/>
+          <p:cNvSpPr>
+            <a:spLocks noGrp="1"/>
+          </p:cNvSpPr>
+          <p:nvPr>
+            <p:ph idx="1"/>
+          </p:nvPr>
+        </p:nvSpPr>
+        <p:spPr>
+          <a:xfrm>
+            <a:off x="182563" y="892315"/>
+            <a:ext cx="8686800" cy="3247886"/>
+          </a:xfrm>
+        </p:spPr>
+        <p:txBody>
+          <a:bodyPr/>
+          <a:lstStyle/>
+          <a:p>
+            <a:r>
+              <a:rPr kumimoji="1" lang="en-US" altLang="ja-JP" dirty="0" smtClean="0"/>
+              <a:t>FA</a:t>
+            </a:r>
+            <a:r>
+              <a:rPr lang="ja-JP" altLang="en-US" dirty="0" smtClean="0"/>
+              <a:t>データ等ローカルの別</a:t>
+            </a:r>
+            <a:r>
+              <a:rPr lang="en-US" altLang="ja-JP" dirty="0" smtClean="0"/>
+              <a:t>DB</a:t>
+            </a:r>
+            <a:r>
+              <a:rPr lang="ja-JP" altLang="en-US" dirty="0" smtClean="0"/>
+              <a:t>に取得されている</a:t>
+            </a:r>
+            <a:r>
+              <a:rPr kumimoji="1" lang="ja-JP" altLang="en-US" dirty="0" smtClean="0"/>
+              <a:t>データ</a:t>
+            </a:r>
+            <a:r>
+              <a:rPr kumimoji="1" lang="en-US" altLang="ja-JP" dirty="0" smtClean="0"/>
+              <a:t>(</a:t>
+            </a:r>
+            <a:r>
+              <a:rPr kumimoji="1" lang="ja-JP" altLang="en-US" dirty="0" smtClean="0"/>
+              <a:t>計測情報、ロボット</a:t>
+            </a:r>
+            <a:r>
+              <a:rPr kumimoji="1" lang="ja-JP" altLang="en-US" dirty="0" smtClean="0"/>
+              <a:t>情報</a:t>
+            </a:r>
+            <a:r>
+              <a:rPr kumimoji="1" lang="ja-JP" altLang="en-US" dirty="0" smtClean="0"/>
+              <a:t>等</a:t>
+            </a:r>
+            <a:r>
+              <a:rPr kumimoji="1" lang="en-US" altLang="ja-JP" dirty="0" smtClean="0"/>
+              <a:t>)</a:t>
+            </a:r>
+            <a:r>
+              <a:rPr kumimoji="1" lang="ja-JP" altLang="en-US" dirty="0" smtClean="0"/>
+              <a:t>を</a:t>
+            </a:r>
+            <a:r>
+              <a:rPr kumimoji="1" lang="ja-JP" altLang="en-US" dirty="0" smtClean="0"/>
+              <a:t>、</a:t>
+            </a:r>
+            <a:r>
+              <a:rPr kumimoji="1" lang="en-US" altLang="ja-JP" dirty="0" err="1" smtClean="0"/>
+              <a:t>Cloudant</a:t>
+            </a:r>
+            <a:r>
+              <a:rPr kumimoji="1" lang="en-US" altLang="ja-JP" dirty="0" smtClean="0"/>
+              <a:t> </a:t>
+            </a:r>
+            <a:r>
+              <a:rPr kumimoji="1" lang="en-US" altLang="ja-JP" dirty="0" smtClean="0"/>
+              <a:t>DB</a:t>
+            </a:r>
+            <a:r>
+              <a:rPr kumimoji="1" lang="ja-JP" altLang="en-US" dirty="0" smtClean="0"/>
+              <a:t>上に差分コピー</a:t>
+            </a:r>
+            <a:r>
+              <a:rPr kumimoji="1" lang="ja-JP" altLang="en-US" dirty="0" smtClean="0"/>
+              <a:t>する</a:t>
+            </a:r>
+            <a:r>
+              <a:rPr kumimoji="1" lang="ja-JP" altLang="en-US" dirty="0" smtClean="0"/>
+              <a:t>プログラム</a:t>
+            </a:r>
+            <a:r>
+              <a:rPr kumimoji="1" lang="ja-JP" altLang="en-US" dirty="0" smtClean="0"/>
+              <a:t>。</a:t>
+            </a:r>
+            <a:r>
+              <a:rPr kumimoji="1" lang="en-US" altLang="ja-JP" dirty="0" smtClean="0"/>
+              <a:t>(</a:t>
+            </a:r>
+            <a:r>
+              <a:rPr kumimoji="1" lang="ja-JP" altLang="en-US" dirty="0" smtClean="0"/>
+              <a:t>アセット化を計画</a:t>
+            </a:r>
+            <a:r>
+              <a:rPr lang="ja-JP" altLang="en-US" dirty="0" smtClean="0"/>
+              <a:t>中</a:t>
+            </a:r>
+            <a:r>
+              <a:rPr kumimoji="1" lang="en-US" altLang="ja-JP" dirty="0" smtClean="0"/>
+              <a:t>)</a:t>
+            </a:r>
+          </a:p>
+          <a:p>
+            <a:r>
+              <a:rPr lang="en-US" altLang="ja-JP" dirty="0" smtClean="0"/>
+              <a:t>MQTT</a:t>
+            </a:r>
+            <a:r>
+              <a:rPr lang="ja-JP" altLang="en-US" dirty="0" smtClean="0"/>
+              <a:t>経由であがってきたセンサーデータとクラウド</a:t>
+            </a:r>
+            <a:r>
+              <a:rPr lang="en-US" altLang="ja-JP" dirty="0" smtClean="0"/>
+              <a:t>(Bluemix)</a:t>
+            </a:r>
+            <a:r>
+              <a:rPr lang="ja-JP" altLang="en-US" dirty="0" smtClean="0"/>
+              <a:t>上で結合することで、統合的なデータ解析が可能となる。</a:t>
+            </a:r>
+            <a:endParaRPr kumimoji="1" lang="en-US" altLang="ja-JP" dirty="0" smtClean="0"/>
+          </a:p>
+          <a:p>
+            <a:r>
+              <a:rPr lang="ja-JP" altLang="en-US" dirty="0" smtClean="0"/>
+              <a:t>差分キーは各テーブルのシーケンス</a:t>
+            </a:r>
+            <a:r>
+              <a:rPr lang="en-US" altLang="ja-JP" dirty="0" smtClean="0"/>
+              <a:t>ID</a:t>
+            </a:r>
+            <a:r>
+              <a:rPr lang="ja-JP" altLang="en-US" dirty="0" smtClean="0"/>
+              <a:t>。</a:t>
+            </a:r>
+            <a:endParaRPr lang="en-US" altLang="ja-JP" dirty="0" smtClean="0"/>
+          </a:p>
+          <a:p>
+            <a:r>
+              <a:rPr lang="ja-JP" altLang="en-US" dirty="0" smtClean="0"/>
+              <a:t>テーブル</a:t>
+            </a:r>
+            <a:r>
+              <a:rPr lang="ja-JP" altLang="en-US" dirty="0" smtClean="0"/>
+              <a:t>の</a:t>
+            </a:r>
+            <a:r>
+              <a:rPr lang="ja-JP" altLang="en-US" dirty="0" smtClean="0"/>
+              <a:t>項目名は</a:t>
+            </a:r>
+            <a:r>
+              <a:rPr lang="en-US" altLang="ja-JP" dirty="0" smtClean="0"/>
+              <a:t> JDBC </a:t>
+            </a:r>
+            <a:r>
+              <a:rPr lang="ja-JP" altLang="en-US" dirty="0" smtClean="0"/>
+              <a:t>の</a:t>
+            </a:r>
+            <a:r>
+              <a:rPr lang="en-US" altLang="ja-JP" dirty="0" err="1" smtClean="0"/>
+              <a:t>ResultSet</a:t>
+            </a:r>
+            <a:r>
+              <a:rPr lang="en-US" altLang="ja-JP" dirty="0" smtClean="0"/>
+              <a:t> Metadata</a:t>
+            </a:r>
+            <a:r>
+              <a:rPr lang="ja-JP" altLang="en-US" dirty="0" smtClean="0"/>
+              <a:t>を利用して自動</a:t>
+            </a:r>
+            <a:r>
+              <a:rPr lang="ja-JP" altLang="en-US" dirty="0" smtClean="0"/>
+              <a:t>取得</a:t>
+            </a:r>
+            <a:r>
+              <a:rPr lang="ja-JP" altLang="en-US" dirty="0" smtClean="0"/>
+              <a:t>。</a:t>
+            </a:r>
+            <a:endParaRPr lang="en-US" altLang="ja-JP" dirty="0" smtClean="0"/>
+          </a:p>
+          <a:p>
+            <a:r>
+              <a:rPr lang="en-US" altLang="ja-JP" dirty="0" err="1" smtClean="0"/>
+              <a:t>Cloudant</a:t>
+            </a:r>
+            <a:r>
+              <a:rPr lang="en-US" altLang="ja-JP" dirty="0" smtClean="0"/>
+              <a:t> DB</a:t>
+            </a:r>
+            <a:r>
+              <a:rPr lang="ja-JP" altLang="en-US" dirty="0" smtClean="0"/>
+              <a:t>上には</a:t>
+            </a:r>
+            <a:r>
+              <a:rPr lang="en-US" altLang="ja-JP" dirty="0" smtClean="0"/>
+              <a:t>JSON</a:t>
+            </a:r>
+            <a:r>
+              <a:rPr lang="ja-JP" altLang="en-US" dirty="0" smtClean="0"/>
+              <a:t>形式でスキーマレスに</a:t>
+            </a:r>
+            <a:r>
+              <a:rPr lang="ja-JP" altLang="en-US" dirty="0" smtClean="0"/>
+              <a:t>保存</a:t>
+            </a:r>
+            <a:r>
+              <a:rPr lang="ja-JP" altLang="en-US" dirty="0" smtClean="0"/>
+              <a:t>。</a:t>
+            </a:r>
+            <a:endParaRPr lang="en-US" altLang="ja-JP" dirty="0" smtClean="0"/>
+          </a:p>
+          <a:p>
+            <a:r>
+              <a:rPr lang="ja-JP" altLang="en-US" dirty="0" smtClean="0"/>
+              <a:t>テーブル</a:t>
+            </a:r>
+            <a:r>
+              <a:rPr lang="ja-JP" altLang="en-US" dirty="0" smtClean="0"/>
+              <a:t>設計に依存しない形で複製プログラム</a:t>
+            </a:r>
+            <a:r>
+              <a:rPr lang="ja-JP" altLang="en-US" dirty="0" smtClean="0"/>
+              <a:t>を</a:t>
+            </a:r>
+            <a:r>
+              <a:rPr lang="ja-JP" altLang="en-US" dirty="0" smtClean="0"/>
+              <a:t>実装可能。</a:t>
+            </a:r>
+            <a:endParaRPr lang="en-US" altLang="ja-JP" dirty="0" smtClean="0"/>
+          </a:p>
+          <a:p>
+            <a:r>
+              <a:rPr lang="ja-JP" altLang="en-US" dirty="0"/>
+              <a:t>対象</a:t>
+            </a:r>
+            <a:r>
+              <a:rPr lang="en-US" altLang="ja-JP" dirty="0"/>
+              <a:t>RDBMS</a:t>
+            </a:r>
+            <a:r>
+              <a:rPr lang="ja-JP" altLang="en-US" dirty="0"/>
+              <a:t>は</a:t>
+            </a:r>
+            <a:r>
+              <a:rPr lang="en-US" altLang="ja-JP" dirty="0"/>
+              <a:t>Oracle</a:t>
+            </a:r>
+            <a:r>
+              <a:rPr lang="ja-JP" altLang="en-US" dirty="0"/>
+              <a:t>版を実装中、今後</a:t>
+            </a:r>
+            <a:r>
+              <a:rPr lang="en-US" altLang="ja-JP" dirty="0"/>
+              <a:t>SQL Server / DB2</a:t>
+            </a:r>
+            <a:r>
+              <a:rPr lang="ja-JP" altLang="en-US" dirty="0"/>
+              <a:t>に拡張</a:t>
+            </a:r>
+            <a:r>
+              <a:rPr lang="ja-JP" altLang="en-US" dirty="0" smtClean="0"/>
+              <a:t>予定</a:t>
+            </a:r>
+            <a:r>
+              <a:rPr lang="ja-JP" altLang="en-US" dirty="0" smtClean="0"/>
+              <a:t>。</a:t>
+            </a:r>
+            <a:endParaRPr lang="en-US" altLang="ja-JP" dirty="0"/>
+          </a:p>
+          <a:p>
+            <a:pPr marL="0" indent="0">
+              <a:buNone/>
+            </a:pPr>
+            <a:endParaRPr lang="en-US" altLang="ja-JP" dirty="0" smtClean="0"/>
+          </a:p>
+          <a:p>
+            <a:endParaRPr lang="en-US" altLang="ja-JP" dirty="0"/>
+          </a:p>
+          <a:p>
+            <a:pPr marL="0" indent="0">
+              <a:buNone/>
+            </a:pPr>
+            <a:endParaRPr kumimoji="1" lang="en-US" altLang="ja-JP" dirty="0" smtClean="0"/>
+          </a:p>
+          <a:p>
+            <a:endParaRPr kumimoji="1" lang="ja-JP" altLang="en-US" dirty="0"/>
+          </a:p>
+        </p:txBody>
+      </p:sp>
+      <p:sp>
+        <p:nvSpPr>
+          <p:cNvPr id="4" name="円柱 3"/>
+          <p:cNvSpPr/>
+          <p:nvPr/>
+        </p:nvSpPr>
+        <p:spPr bwMode="auto">
+          <a:xfrm>
+            <a:off x="1828800" y="5829300"/>
+            <a:ext cx="901700" cy="419100"/>
+          </a:xfrm>
+          <a:prstGeom prst="can">
+            <a:avLst/>
+          </a:prstGeom>
+          <a:solidFill>
+            <a:srgbClr val="FFE6B2"/>
+          </a:solidFill>
+          <a:ln w="12700" cap="rnd" cmpd="sng" algn="ctr">
+            <a:solidFill>
+              <a:schemeClr val="tx1"/>
+            </a:solidFill>
+            <a:prstDash val="solid"/>
+            <a:round/>
+            <a:headEnd type="none" w="sm" len="sm"/>
+            <a:tailEnd type="none" w="sm" len="sm"/>
+          </a:ln>
+          <a:effectLst/>
+          <a:extLst/>
+        </p:spPr>
+        <p:txBody>
+          <a:bodyPr/>
+          <a:lstStyle/>
+          <a:p>
+            <a:pPr algn="ctr"/>
+            <a:r>
+              <a:rPr lang="ja-JP" altLang="en-US" sz="1050" dirty="0" smtClean="0">
+                <a:latin typeface="メイリオ"/>
+                <a:ea typeface="メイリオ"/>
+                <a:cs typeface="メイリオ"/>
+              </a:rPr>
+              <a:t>計測</a:t>
+            </a:r>
+            <a:r>
+              <a:rPr lang="ja-JP" altLang="en-US" sz="1050" dirty="0" smtClean="0">
+                <a:latin typeface="メイリオ"/>
+                <a:ea typeface="メイリオ"/>
+                <a:cs typeface="メイリオ"/>
+              </a:rPr>
+              <a:t>情報</a:t>
+            </a:r>
+            <a:endParaRPr lang="ja-JP" altLang="en-US" sz="1050" dirty="0">
+              <a:latin typeface="メイリオ"/>
+              <a:ea typeface="メイリオ"/>
+              <a:cs typeface="メイリオ"/>
+            </a:endParaRPr>
+          </a:p>
+        </p:txBody>
+      </p:sp>
+      <p:sp>
+        <p:nvSpPr>
+          <p:cNvPr id="5" name="正方形/長方形 4"/>
+          <p:cNvSpPr/>
+          <p:nvPr/>
+        </p:nvSpPr>
+        <p:spPr bwMode="auto">
+          <a:xfrm>
+            <a:off x="4064000" y="5562600"/>
+            <a:ext cx="863600" cy="914400"/>
+          </a:xfrm>
+          <a:prstGeom prst="rect">
+            <a:avLst/>
+          </a:prstGeom>
+          <a:solidFill>
+            <a:srgbClr val="FFF689"/>
+          </a:solidFill>
+          <a:ln w="12700" cap="rnd" cmpd="sng" algn="ctr">
+            <a:solidFill>
+              <a:schemeClr val="tx1"/>
+            </a:solidFill>
+            <a:prstDash val="solid"/>
+            <a:round/>
+            <a:headEnd type="none" w="sm" len="sm"/>
+            <a:tailEnd type="none" w="sm" len="sm"/>
+          </a:ln>
+          <a:effectLst/>
+          <a:extLst/>
+        </p:spPr>
+        <p:txBody>
+          <a:bodyPr vert="horz" wrap="square" lIns="91440" tIns="45720" rIns="91440" bIns="45720" numCol="1" rtlCol="0" anchor="ctr" anchorCtr="0" compatLnSpc="1">
+            <a:prstTxWarp prst="textNoShape">
+              <a:avLst/>
+            </a:prstTxWarp>
+          </a:bodyPr>
+          <a:lstStyle/>
+          <a:p>
+            <a:pPr marL="0" marR="0" indent="0" algn="ctr" defTabSz="914400" rtl="0" eaLnBrk="0" fontAlgn="base" latinLnBrk="0" hangingPunct="0">
+              <a:lnSpc>
+                <a:spcPct val="100000"/>
+              </a:lnSpc>
+              <a:spcBef>
+                <a:spcPct val="0"/>
+              </a:spcBef>
+              <a:spcAft>
+                <a:spcPct val="0"/>
+              </a:spcAft>
+              <a:buClrTx/>
+              <a:buSzTx/>
+              <a:buFontTx/>
+              <a:buNone/>
+              <a:tabLst/>
+            </a:pPr>
+            <a:r>
+              <a:rPr lang="ja-JP" altLang="en-US" sz="1050" b="1" dirty="0" smtClean="0">
+                <a:solidFill>
+                  <a:srgbClr val="051CB4"/>
+                </a:solidFill>
+                <a:latin typeface="メイリオ"/>
+                <a:ea typeface="メイリオ"/>
+                <a:cs typeface="メイリオ"/>
+              </a:rPr>
+              <a:t>データ</a:t>
+            </a:r>
+            <a:endParaRPr lang="en-US" altLang="ja-JP" sz="1050" b="1" dirty="0" smtClean="0">
+              <a:solidFill>
+                <a:srgbClr val="051CB4"/>
+              </a:solidFill>
+              <a:latin typeface="メイリオ"/>
+              <a:ea typeface="メイリオ"/>
+              <a:cs typeface="メイリオ"/>
+            </a:endParaRPr>
+          </a:p>
+          <a:p>
+            <a:pPr marL="0" marR="0" indent="0" algn="ctr" defTabSz="914400" rtl="0" eaLnBrk="0" fontAlgn="base" latinLnBrk="0" hangingPunct="0">
+              <a:lnSpc>
+                <a:spcPct val="100000"/>
+              </a:lnSpc>
+              <a:spcBef>
+                <a:spcPct val="0"/>
+              </a:spcBef>
+              <a:spcAft>
+                <a:spcPct val="0"/>
+              </a:spcAft>
+              <a:buClrTx/>
+              <a:buSzTx/>
+              <a:buFontTx/>
+              <a:buNone/>
+              <a:tabLst/>
+            </a:pPr>
+            <a:r>
+              <a:rPr lang="ja-JP" altLang="en-US" sz="1050" b="1" dirty="0" smtClean="0">
+                <a:solidFill>
+                  <a:srgbClr val="051CB4"/>
+                </a:solidFill>
+                <a:latin typeface="メイリオ"/>
+                <a:ea typeface="メイリオ"/>
+                <a:cs typeface="メイリオ"/>
+              </a:rPr>
+              <a:t>複製</a:t>
+            </a:r>
+            <a:endParaRPr lang="en-US" altLang="ja-JP" sz="1050" b="1" dirty="0">
+              <a:solidFill>
+                <a:srgbClr val="051CB4"/>
+              </a:solidFill>
+              <a:latin typeface="メイリオ"/>
+              <a:ea typeface="メイリオ"/>
+              <a:cs typeface="メイリオ"/>
+            </a:endParaRPr>
+          </a:p>
+          <a:p>
+            <a:pPr marL="0" marR="0" indent="0" algn="ctr" defTabSz="914400" rtl="0" eaLnBrk="0" fontAlgn="base" latinLnBrk="0" hangingPunct="0">
+              <a:lnSpc>
+                <a:spcPct val="100000"/>
+              </a:lnSpc>
+              <a:spcBef>
+                <a:spcPct val="0"/>
+              </a:spcBef>
+              <a:spcAft>
+                <a:spcPct val="0"/>
+              </a:spcAft>
+              <a:buClrTx/>
+              <a:buSzTx/>
+              <a:buFontTx/>
+              <a:buNone/>
+              <a:tabLst/>
+            </a:pPr>
+            <a:r>
+              <a:rPr kumimoji="0" lang="ja-JP" altLang="en-US" sz="1050" b="1" i="0" u="none" strike="noStrike" cap="none" normalizeH="0" baseline="0" dirty="0" smtClean="0">
+                <a:ln>
+                  <a:noFill/>
+                </a:ln>
+                <a:solidFill>
+                  <a:srgbClr val="051CB4"/>
+                </a:solidFill>
+                <a:effectLst/>
+                <a:latin typeface="メイリオ"/>
+                <a:ea typeface="メイリオ"/>
+                <a:cs typeface="メイリオ"/>
+              </a:rPr>
+              <a:t>プログラム</a:t>
+            </a:r>
+            <a:endParaRPr kumimoji="0" lang="ja-JP" altLang="en-US" sz="1050" b="1" i="0" u="none" strike="noStrike" cap="none" normalizeH="0" baseline="0" dirty="0" smtClean="0">
+              <a:ln>
+                <a:noFill/>
+              </a:ln>
+              <a:solidFill>
+                <a:srgbClr val="051CB4"/>
+              </a:solidFill>
+              <a:effectLst/>
+              <a:latin typeface="メイリオ"/>
+              <a:ea typeface="メイリオ"/>
+              <a:cs typeface="メイリオ"/>
+            </a:endParaRPr>
+          </a:p>
+        </p:txBody>
+      </p:sp>
+      <p:sp>
+        <p:nvSpPr>
+          <p:cNvPr id="6" name="円柱 5"/>
+          <p:cNvSpPr/>
+          <p:nvPr/>
+        </p:nvSpPr>
+        <p:spPr bwMode="auto">
+          <a:xfrm>
+            <a:off x="6400800" y="5842000"/>
+            <a:ext cx="901700" cy="419100"/>
+          </a:xfrm>
+          <a:prstGeom prst="can">
+            <a:avLst/>
+          </a:prstGeom>
+          <a:solidFill>
+            <a:srgbClr val="CBFFF2"/>
+          </a:solidFill>
+          <a:ln w="12700" cap="rnd" cmpd="sng" algn="ctr">
+            <a:solidFill>
+              <a:schemeClr val="tx1"/>
+            </a:solidFill>
+            <a:prstDash val="solid"/>
+            <a:round/>
+            <a:headEnd type="none" w="sm" len="sm"/>
+            <a:tailEnd type="none" w="sm" len="sm"/>
+          </a:ln>
+          <a:effectLst/>
+          <a:extLst/>
+        </p:spPr>
+        <p:txBody>
+          <a:bodyPr/>
+          <a:lstStyle/>
+          <a:p>
+            <a:pPr algn="ctr"/>
+            <a:r>
+              <a:rPr lang="ja-JP" altLang="en-US" sz="1050" dirty="0" smtClean="0">
+                <a:latin typeface="メイリオ"/>
+                <a:ea typeface="メイリオ"/>
+                <a:cs typeface="メイリオ"/>
+              </a:rPr>
+              <a:t>計測</a:t>
+            </a:r>
+            <a:r>
+              <a:rPr lang="ja-JP" altLang="en-US" sz="1050" dirty="0" smtClean="0">
+                <a:latin typeface="メイリオ"/>
+                <a:ea typeface="メイリオ"/>
+                <a:cs typeface="メイリオ"/>
+              </a:rPr>
+              <a:t>情報</a:t>
+            </a:r>
+            <a:endParaRPr lang="ja-JP" altLang="en-US" sz="1050" dirty="0">
+              <a:latin typeface="メイリオ"/>
+              <a:ea typeface="メイリオ"/>
+              <a:cs typeface="メイリオ"/>
+            </a:endParaRPr>
+          </a:p>
+        </p:txBody>
+      </p:sp>
+      <p:sp>
+        <p:nvSpPr>
+          <p:cNvPr id="7" name="右矢印 6"/>
+          <p:cNvSpPr/>
+          <p:nvPr/>
+        </p:nvSpPr>
+        <p:spPr bwMode="auto">
+          <a:xfrm>
+            <a:off x="3060700" y="5803900"/>
+            <a:ext cx="914400" cy="484632"/>
+          </a:xfrm>
+          <a:prstGeom prst="rightArrow">
+            <a:avLst/>
+          </a:prstGeom>
+          <a:solidFill>
+            <a:schemeClr val="accent3">
+              <a:lumMod val="85000"/>
+            </a:schemeClr>
+          </a:solidFill>
+          <a:ln w="12700" cap="rnd" cmpd="sng" algn="ctr">
+            <a:solidFill>
+              <a:schemeClr val="tx1"/>
+            </a:solidFill>
+            <a:prstDash val="solid"/>
+            <a:round/>
+            <a:headEnd type="none" w="sm" len="sm"/>
+            <a:tailEnd type="none" w="sm" len="sm"/>
+          </a:ln>
+          <a:effectLst/>
+          <a:extLst/>
+        </p:spPr>
+        <p:txBody>
+          <a:bodyPr vert="horz" wrap="square" lIns="91440" tIns="45720" rIns="91440" bIns="45720" numCol="1" rtlCol="0" anchor="t" anchorCtr="0" compatLnSpc="1">
+            <a:prstTxWarp prst="textNoShape">
+              <a:avLst/>
+            </a:prstTxWarp>
+          </a:bodyPr>
+          <a:lstStyle/>
+          <a:p>
+            <a:pPr marL="0" marR="0" indent="0" algn="l" defTabSz="914400" rtl="0" eaLnBrk="0" fontAlgn="base" latinLnBrk="0" hangingPunct="0">
+              <a:lnSpc>
+                <a:spcPct val="100000"/>
+              </a:lnSpc>
+              <a:spcBef>
+                <a:spcPct val="0"/>
+              </a:spcBef>
+              <a:spcAft>
+                <a:spcPct val="0"/>
+              </a:spcAft>
+              <a:buClrTx/>
+              <a:buSzTx/>
+              <a:buFontTx/>
+              <a:buNone/>
+              <a:tabLst/>
+            </a:pPr>
+            <a:endParaRPr kumimoji="0" lang="ja-JP" altLang="en-US" sz="1000" b="0" i="0" u="none" strike="noStrike" cap="none" normalizeH="0" baseline="0" dirty="0" smtClean="0">
+              <a:ln>
+                <a:noFill/>
+              </a:ln>
+              <a:solidFill>
+                <a:schemeClr val="tx1"/>
+              </a:solidFill>
+              <a:effectLst/>
+              <a:latin typeface="メイリオ"/>
+              <a:ea typeface="メイリオ"/>
+            </a:endParaRPr>
+          </a:p>
+        </p:txBody>
+      </p:sp>
+      <p:sp>
+        <p:nvSpPr>
+          <p:cNvPr id="8" name="右矢印 7"/>
+          <p:cNvSpPr/>
+          <p:nvPr/>
+        </p:nvSpPr>
+        <p:spPr bwMode="auto">
+          <a:xfrm>
+            <a:off x="5003800" y="5816600"/>
+            <a:ext cx="914400" cy="484632"/>
+          </a:xfrm>
+          <a:prstGeom prst="rightArrow">
+            <a:avLst/>
+          </a:prstGeom>
+          <a:solidFill>
+            <a:schemeClr val="accent3">
+              <a:lumMod val="85000"/>
+            </a:schemeClr>
+          </a:solidFill>
+          <a:ln w="12700" cap="rnd" cmpd="sng" algn="ctr">
+            <a:solidFill>
+              <a:schemeClr val="tx1"/>
+            </a:solidFill>
+            <a:prstDash val="solid"/>
+            <a:round/>
+            <a:headEnd type="none" w="sm" len="sm"/>
+            <a:tailEnd type="none" w="sm" len="sm"/>
+          </a:ln>
+          <a:effectLst/>
+          <a:extLst/>
+        </p:spPr>
+        <p:txBody>
+          <a:bodyPr vert="horz" wrap="square" lIns="91440" tIns="45720" rIns="91440" bIns="45720" numCol="1" rtlCol="0" anchor="t" anchorCtr="0" compatLnSpc="1">
+            <a:prstTxWarp prst="textNoShape">
+              <a:avLst/>
+            </a:prstTxWarp>
+          </a:bodyPr>
+          <a:lstStyle/>
+          <a:p>
+            <a:pPr marL="0" marR="0" indent="0" algn="l" defTabSz="914400" rtl="0" eaLnBrk="0" fontAlgn="base" latinLnBrk="0" hangingPunct="0">
+              <a:lnSpc>
+                <a:spcPct val="100000"/>
+              </a:lnSpc>
+              <a:spcBef>
+                <a:spcPct val="0"/>
+              </a:spcBef>
+              <a:spcAft>
+                <a:spcPct val="0"/>
+              </a:spcAft>
+              <a:buClrTx/>
+              <a:buSzTx/>
+              <a:buFontTx/>
+              <a:buNone/>
+              <a:tabLst/>
+            </a:pPr>
+            <a:endParaRPr kumimoji="0" lang="ja-JP" altLang="en-US" sz="1000" b="0" i="0" u="none" strike="noStrike" cap="none" normalizeH="0" baseline="0" dirty="0" smtClean="0">
+              <a:ln>
+                <a:noFill/>
+              </a:ln>
+              <a:solidFill>
+                <a:schemeClr val="tx1"/>
+              </a:solidFill>
+              <a:effectLst/>
+              <a:latin typeface="メイリオ"/>
+              <a:ea typeface="メイリオ"/>
+            </a:endParaRPr>
+          </a:p>
+        </p:txBody>
+      </p:sp>
+      <p:pic>
+        <p:nvPicPr>
+          <p:cNvPr id="9" name="図 8"/>
+          <p:cNvPicPr>
+            <a:picLocks noChangeAspect="1"/>
+          </p:cNvPicPr>
+          <p:nvPr/>
+        </p:nvPicPr>
+        <p:blipFill>
+          <a:blip r:embed="rId2"/>
+          <a:stretch>
+            <a:fillRect/>
+          </a:stretch>
+        </p:blipFill>
+        <p:spPr>
+          <a:xfrm>
+            <a:off x="546100" y="4477080"/>
+            <a:ext cx="3263900" cy="869620"/>
+          </a:xfrm>
+          <a:prstGeom prst="rect">
+            <a:avLst/>
+          </a:prstGeom>
+        </p:spPr>
+      </p:pic>
+      <p:sp>
+        <p:nvSpPr>
+          <p:cNvPr id="10" name="テキスト ボックス 9"/>
+          <p:cNvSpPr txBox="1"/>
+          <p:nvPr/>
+        </p:nvSpPr>
+        <p:spPr>
+          <a:xfrm>
+            <a:off x="5905500" y="4483100"/>
+            <a:ext cx="1917700" cy="1143000"/>
+          </a:xfrm>
+          <a:prstGeom prst="rect">
+            <a:avLst/>
+          </a:prstGeom>
+          <a:noFill/>
+          <a:ln>
+            <a:solidFill>
+              <a:schemeClr val="tx1"/>
+            </a:solidFill>
+          </a:ln>
+        </p:spPr>
+        <p:txBody>
+          <a:bodyPr wrap="square" rtlCol="0" anchor="t" anchorCtr="0">
+            <a:noAutofit/>
+          </a:bodyPr>
+          <a:lstStyle/>
+          <a:p>
+            <a:pPr algn="l"/>
+            <a:r>
+              <a:rPr kumimoji="1" lang="it-IT" altLang="ja-JP" sz="1100" dirty="0">
+                <a:latin typeface="メイリオ"/>
+                <a:ea typeface="メイリオ"/>
+                <a:cs typeface="メイリオ"/>
+              </a:rPr>
+              <a:t>{ id: </a:t>
+            </a:r>
+            <a:r>
+              <a:rPr kumimoji="1" lang="it-IT" altLang="ja-JP" sz="1100" dirty="0" smtClean="0">
+                <a:latin typeface="メイリオ"/>
+                <a:ea typeface="メイリオ"/>
+                <a:cs typeface="メイリオ"/>
+              </a:rPr>
+              <a:t>"</a:t>
+            </a:r>
+            <a:r>
+              <a:rPr kumimoji="1" lang="it-IT" altLang="ja-JP" sz="1100" dirty="0" err="1" smtClean="0">
+                <a:latin typeface="メイリオ"/>
+                <a:ea typeface="メイリオ"/>
+                <a:cs typeface="メイリオ"/>
+              </a:rPr>
+              <a:t>xxxx</a:t>
+            </a:r>
+            <a:r>
+              <a:rPr kumimoji="1" lang="it-IT" altLang="ja-JP" sz="1100" dirty="0" smtClean="0">
+                <a:latin typeface="メイリオ"/>
+                <a:ea typeface="メイリオ"/>
+                <a:cs typeface="メイリオ"/>
+              </a:rPr>
+              <a:t>",</a:t>
+            </a:r>
+            <a:r>
+              <a:rPr kumimoji="1" lang="it-IT" altLang="ja-JP" sz="1100" dirty="0">
+                <a:latin typeface="メイリオ"/>
+                <a:ea typeface="メイリオ"/>
+                <a:cs typeface="メイリオ"/>
+              </a:rPr>
+              <a:t>		</a:t>
+            </a:r>
+          </a:p>
+          <a:p>
+            <a:pPr algn="l"/>
+            <a:r>
+              <a:rPr kumimoji="1" lang="it-IT" altLang="ja-JP" sz="1100" dirty="0">
+                <a:latin typeface="メイリオ"/>
+                <a:ea typeface="メイリオ"/>
+                <a:cs typeface="メイリオ"/>
+              </a:rPr>
+              <a:t>  </a:t>
+            </a:r>
+            <a:r>
+              <a:rPr kumimoji="1" lang="it-IT" altLang="ja-JP" sz="1100" dirty="0" err="1">
+                <a:latin typeface="メイリオ"/>
+                <a:ea typeface="メイリオ"/>
+                <a:cs typeface="メイリオ"/>
+              </a:rPr>
+              <a:t>timestamp</a:t>
+            </a:r>
+            <a:r>
+              <a:rPr kumimoji="1" lang="it-IT" altLang="ja-JP" sz="1100" dirty="0">
+                <a:latin typeface="メイリオ"/>
+                <a:ea typeface="メイリオ"/>
+                <a:cs typeface="メイリオ"/>
+              </a:rPr>
+              <a:t>: </a:t>
+            </a:r>
+            <a:r>
+              <a:rPr kumimoji="1" lang="it-IT" altLang="ja-JP" sz="1100" dirty="0" smtClean="0">
+                <a:latin typeface="メイリオ"/>
+                <a:ea typeface="メイリオ"/>
+                <a:cs typeface="メイリオ"/>
+              </a:rPr>
+              <a:t>"</a:t>
+            </a:r>
+            <a:r>
+              <a:rPr kumimoji="1" lang="it-IT" altLang="ja-JP" sz="1100" dirty="0" err="1" smtClean="0">
+                <a:latin typeface="メイリオ"/>
+                <a:ea typeface="メイリオ"/>
+                <a:cs typeface="メイリオ"/>
+              </a:rPr>
+              <a:t>aaaa</a:t>
+            </a:r>
+            <a:r>
+              <a:rPr kumimoji="1" lang="it-IT" altLang="ja-JP" sz="1100" dirty="0" smtClean="0">
+                <a:latin typeface="メイリオ"/>
+                <a:ea typeface="メイリオ"/>
+                <a:cs typeface="メイリオ"/>
+              </a:rPr>
+              <a:t>",</a:t>
+            </a:r>
+          </a:p>
+          <a:p>
+            <a:pPr algn="l"/>
+            <a:r>
+              <a:rPr kumimoji="1" lang="it-IT" altLang="ja-JP" sz="1100" dirty="0" smtClean="0">
+                <a:latin typeface="メイリオ"/>
+                <a:ea typeface="メイリオ"/>
+                <a:cs typeface="メイリオ"/>
+              </a:rPr>
+              <a:t>  </a:t>
+            </a:r>
+            <a:r>
+              <a:rPr kumimoji="1" lang="it-IT" altLang="ja-JP" sz="1100" dirty="0">
+                <a:latin typeface="メイリオ"/>
+                <a:ea typeface="メイリオ"/>
+                <a:cs typeface="メイリオ"/>
+              </a:rPr>
+              <a:t>col1: </a:t>
+            </a:r>
+            <a:r>
+              <a:rPr kumimoji="1" lang="it-IT" altLang="ja-JP" sz="1100" dirty="0" smtClean="0">
+                <a:latin typeface="メイリオ"/>
+                <a:ea typeface="メイリオ"/>
+                <a:cs typeface="メイリオ"/>
+              </a:rPr>
+              <a:t>"</a:t>
+            </a:r>
+            <a:r>
+              <a:rPr kumimoji="1" lang="it-IT" altLang="ja-JP" sz="1100" dirty="0" err="1" smtClean="0">
+                <a:latin typeface="メイリオ"/>
+                <a:ea typeface="メイリオ"/>
+                <a:cs typeface="メイリオ"/>
+              </a:rPr>
+              <a:t>ddd</a:t>
+            </a:r>
+            <a:r>
+              <a:rPr kumimoji="1" lang="it-IT" altLang="ja-JP" sz="1100" dirty="0" smtClean="0">
+                <a:latin typeface="メイリオ"/>
+                <a:ea typeface="メイリオ"/>
+                <a:cs typeface="メイリオ"/>
+              </a:rPr>
+              <a:t>",</a:t>
+            </a:r>
+            <a:r>
+              <a:rPr kumimoji="1" lang="it-IT" altLang="ja-JP" sz="1100" dirty="0">
+                <a:latin typeface="メイリオ"/>
+                <a:ea typeface="メイリオ"/>
+                <a:cs typeface="メイリオ"/>
+              </a:rPr>
+              <a:t>		</a:t>
+            </a:r>
+          </a:p>
+          <a:p>
+            <a:pPr algn="l"/>
+            <a:r>
+              <a:rPr kumimoji="1" lang="it-IT" altLang="ja-JP" sz="1100" dirty="0">
+                <a:latin typeface="メイリオ"/>
+                <a:ea typeface="メイリオ"/>
+                <a:cs typeface="メイリオ"/>
+              </a:rPr>
+              <a:t>  col2: </a:t>
+            </a:r>
+            <a:r>
+              <a:rPr kumimoji="1" lang="it-IT" altLang="ja-JP" sz="1100" dirty="0" smtClean="0">
+                <a:latin typeface="メイリオ"/>
+                <a:ea typeface="メイリオ"/>
+                <a:cs typeface="メイリオ"/>
+              </a:rPr>
+              <a:t>"</a:t>
+            </a:r>
+            <a:r>
+              <a:rPr kumimoji="1" lang="it-IT" altLang="ja-JP" sz="1100" dirty="0" err="1" smtClean="0">
+                <a:latin typeface="メイリオ"/>
+                <a:ea typeface="メイリオ"/>
+                <a:cs typeface="メイリオ"/>
+              </a:rPr>
+              <a:t>eee</a:t>
+            </a:r>
+            <a:r>
+              <a:rPr kumimoji="1" lang="it-IT" altLang="ja-JP" sz="1100" dirty="0" smtClean="0">
+                <a:latin typeface="メイリオ"/>
+                <a:ea typeface="メイリオ"/>
+                <a:cs typeface="メイリオ"/>
+              </a:rPr>
+              <a:t>",</a:t>
+            </a:r>
+            <a:r>
+              <a:rPr kumimoji="1" lang="it-IT" altLang="ja-JP" sz="1100" dirty="0">
+                <a:latin typeface="メイリオ"/>
+                <a:ea typeface="メイリオ"/>
+                <a:cs typeface="メイリオ"/>
+              </a:rPr>
+              <a:t>		</a:t>
+            </a:r>
+          </a:p>
+          <a:p>
+            <a:pPr algn="l"/>
+            <a:r>
+              <a:rPr kumimoji="1" lang="it-IT" altLang="ja-JP" sz="1100" dirty="0">
+                <a:latin typeface="メイリオ"/>
+                <a:ea typeface="メイリオ"/>
+                <a:cs typeface="メイリオ"/>
+              </a:rPr>
+              <a:t>  col3: </a:t>
+            </a:r>
+            <a:r>
+              <a:rPr kumimoji="1" lang="it-IT" altLang="ja-JP" sz="1100" dirty="0" smtClean="0">
+                <a:latin typeface="メイリオ"/>
+                <a:ea typeface="メイリオ"/>
+                <a:cs typeface="メイリオ"/>
+              </a:rPr>
+              <a:t>"</a:t>
+            </a:r>
+            <a:r>
+              <a:rPr kumimoji="1" lang="it-IT" altLang="ja-JP" sz="1100" dirty="0" err="1" smtClean="0">
+                <a:latin typeface="メイリオ"/>
+                <a:ea typeface="メイリオ"/>
+                <a:cs typeface="メイリオ"/>
+              </a:rPr>
+              <a:t>fff</a:t>
+            </a:r>
+            <a:r>
+              <a:rPr kumimoji="1" lang="it-IT" altLang="ja-JP" sz="1100" dirty="0" smtClean="0">
+                <a:latin typeface="メイリオ"/>
+                <a:ea typeface="メイリオ"/>
+                <a:cs typeface="メイリオ"/>
+              </a:rPr>
+              <a:t>"</a:t>
+            </a:r>
+            <a:r>
+              <a:rPr kumimoji="1" lang="it-IT" altLang="ja-JP" sz="1100" dirty="0">
+                <a:latin typeface="メイリオ"/>
+                <a:ea typeface="メイリオ"/>
+                <a:cs typeface="メイリオ"/>
+              </a:rPr>
+              <a:t>		</a:t>
+            </a:r>
+          </a:p>
+          <a:p>
+            <a:pPr algn="l"/>
+            <a:r>
+              <a:rPr kumimoji="1" lang="it-IT" altLang="ja-JP" sz="1100" dirty="0">
+                <a:latin typeface="メイリオ"/>
+                <a:ea typeface="メイリオ"/>
+                <a:cs typeface="メイリオ"/>
+              </a:rPr>
+              <a:t>}		</a:t>
+            </a:r>
+            <a:endParaRPr kumimoji="1" lang="ja-JP" altLang="en-US" sz="1100" dirty="0">
+              <a:latin typeface="メイリオ"/>
+              <a:ea typeface="メイリオ"/>
+              <a:cs typeface="メイリオ"/>
+            </a:endParaRPr>
+          </a:p>
+        </p:txBody>
+      </p:sp>
+      <p:sp>
+        <p:nvSpPr>
+          <p:cNvPr id="12" name="テキスト ボックス 11"/>
+          <p:cNvSpPr txBox="1"/>
+          <p:nvPr/>
+        </p:nvSpPr>
+        <p:spPr>
+          <a:xfrm>
+            <a:off x="6282314" y="4203700"/>
+            <a:ext cx="1172586" cy="276999"/>
+          </a:xfrm>
+          <a:prstGeom prst="rect">
+            <a:avLst/>
+          </a:prstGeom>
+          <a:noFill/>
+        </p:spPr>
+        <p:txBody>
+          <a:bodyPr wrap="square" rtlCol="0">
+            <a:spAutoFit/>
+          </a:bodyPr>
+          <a:lstStyle/>
+          <a:p>
+            <a:pPr algn="ctr"/>
+            <a:r>
+              <a:rPr kumimoji="1" lang="en-US" altLang="ja-JP" sz="1200" b="1" dirty="0" smtClean="0">
+                <a:latin typeface="メイリオ"/>
+                <a:ea typeface="メイリオ"/>
+                <a:cs typeface="メイリオ"/>
+              </a:rPr>
+              <a:t>JSON</a:t>
+            </a:r>
+            <a:r>
+              <a:rPr kumimoji="1" lang="ja-JP" altLang="en-US" sz="1200" b="1" dirty="0" smtClean="0">
+                <a:latin typeface="メイリオ"/>
+                <a:ea typeface="メイリオ"/>
+                <a:cs typeface="メイリオ"/>
+              </a:rPr>
+              <a:t>形式</a:t>
+            </a:r>
+            <a:endParaRPr kumimoji="1" lang="ja-JP" altLang="en-US" sz="1200" b="1" dirty="0">
+              <a:latin typeface="メイリオ"/>
+              <a:ea typeface="メイリオ"/>
+              <a:cs typeface="メイリオ"/>
+            </a:endParaRPr>
+          </a:p>
+        </p:txBody>
+      </p:sp>
+      <p:sp>
+        <p:nvSpPr>
+          <p:cNvPr id="13" name="テキスト ボックス 12"/>
+          <p:cNvSpPr txBox="1"/>
+          <p:nvPr/>
+        </p:nvSpPr>
+        <p:spPr>
+          <a:xfrm>
+            <a:off x="1507114" y="4203700"/>
+            <a:ext cx="1172586" cy="276999"/>
+          </a:xfrm>
+          <a:prstGeom prst="rect">
+            <a:avLst/>
+          </a:prstGeom>
+          <a:noFill/>
+        </p:spPr>
+        <p:txBody>
+          <a:bodyPr wrap="square" rtlCol="0">
+            <a:spAutoFit/>
+          </a:bodyPr>
+          <a:lstStyle/>
+          <a:p>
+            <a:pPr algn="ctr"/>
+            <a:r>
+              <a:rPr kumimoji="1" lang="en-US" altLang="ja-JP" sz="1200" b="1" dirty="0" smtClean="0">
+                <a:latin typeface="メイリオ"/>
+                <a:ea typeface="メイリオ"/>
+                <a:cs typeface="メイリオ"/>
+              </a:rPr>
+              <a:t>RDB</a:t>
+            </a:r>
+            <a:r>
+              <a:rPr kumimoji="1" lang="ja-JP" altLang="en-US" sz="1200" b="1" dirty="0" smtClean="0">
+                <a:latin typeface="メイリオ"/>
+                <a:ea typeface="メイリオ"/>
+                <a:cs typeface="メイリオ"/>
+              </a:rPr>
+              <a:t>形式</a:t>
+            </a:r>
+            <a:endParaRPr kumimoji="1" lang="ja-JP" altLang="en-US" sz="1200" b="1" dirty="0">
+              <a:latin typeface="メイリオ"/>
+              <a:ea typeface="メイリオ"/>
+              <a:cs typeface="メイリオ"/>
+            </a:endParaRPr>
+          </a:p>
+        </p:txBody>
+      </p:sp>
+    </p:spTree>
+    <p:extLst>
+      <p:ext uri="{BB962C8B-B14F-4D97-AF65-F5344CB8AC3E}">
+        <p14:creationId xmlns:p14="http://schemas.microsoft.com/office/powerpoint/2010/main" val="2476957196"/>
+      </p:ext>
+    </p:extLst>
+  </p:cSld>
+  <p:clrMapOvr>
+    <a:masterClrMapping/>
+  </p:clrMapOvr>
+  <p:timing>
+    <p:tnLst>
+      <p:par>
+        <p:cTn xmlns:p14="http://schemas.microsoft.com/office/powerpoint/2010/main" id="1" dur="indefinite" restart="never" nodeType="tmRoot"/>
+      </p:par>
+    </p:tnLst>
+  </p:timing>
+</p:sld>
+</file>
+
 <file path=ppt/slides/slide3.xml><?xml version="1.0" encoding="utf-8"?>
 <p:sld xmlns:a="http://schemas.openxmlformats.org/drawingml/2006/main" xmlns:r="http://schemas.openxmlformats.org/officeDocument/2006/relationships" xmlns:p="http://schemas.openxmlformats.org/presentationml/2006/main">
   <p:cSld>
@@ -26700,14 +27874,14 @@
       </p:sp>
       <p:pic>
         <p:nvPicPr>
-          <p:cNvPr id="4" name="図 3" descr="スクリーンショット 2016-06-16 17.39.55.png"/>
+          <p:cNvPr id="7" name="図 6" descr="IMG_0108.jpg"/>
           <p:cNvPicPr>
             <a:picLocks noChangeAspect="1"/>
           </p:cNvPicPr>
           <p:nvPr/>
         </p:nvPicPr>
         <p:blipFill>
-          <a:blip r:embed="rId2">
+          <a:blip r:embed="rId2" cstate="print">
             <a:extLst>
               <a:ext uri="{28A0092B-C50C-407E-A947-70E740481C1C}">
                 <a14:useLocalDpi xmlns:a14="http://schemas.microsoft.com/office/drawing/2010/main" val="0"/>
@@ -26720,8 +27894,8 @@
         </p:blipFill>
         <p:spPr>
           <a:xfrm>
-            <a:off x="342900" y="1448013"/>
-            <a:ext cx="8483600" cy="4407680"/>
+            <a:off x="3759200" y="749300"/>
+            <a:ext cx="5143500" cy="6858000"/>
           </a:xfrm>
           <a:prstGeom prst="rect">
             <a:avLst/>
@@ -26733,6 +27907,349 @@
           </a:ln>
         </p:spPr>
       </p:pic>
+      <p:sp>
+        <p:nvSpPr>
+          <p:cNvPr id="8" name="角丸四角形吹き出し 7"/>
+          <p:cNvSpPr/>
+          <p:nvPr/>
+        </p:nvSpPr>
+        <p:spPr bwMode="auto">
+          <a:xfrm>
+            <a:off x="6578600" y="1587500"/>
+            <a:ext cx="2019300" cy="685800"/>
+          </a:xfrm>
+          <a:prstGeom prst="wedgeRoundRectCallout">
+            <a:avLst>
+              <a:gd name="adj1" fmla="val -113968"/>
+              <a:gd name="adj2" fmla="val 25556"/>
+              <a:gd name="adj3" fmla="val 16667"/>
+            </a:avLst>
+          </a:prstGeom>
+          <a:noFill/>
+          <a:ln w="12700" cap="rnd" cmpd="sng" algn="ctr">
+            <a:solidFill>
+              <a:schemeClr val="tx1"/>
+            </a:solidFill>
+            <a:prstDash val="solid"/>
+            <a:round/>
+            <a:headEnd type="none" w="sm" len="sm"/>
+            <a:tailEnd type="none" w="sm" len="sm"/>
+          </a:ln>
+          <a:effectLst/>
+          <a:extLst/>
+        </p:spPr>
+        <p:txBody>
+          <a:bodyPr vert="horz" wrap="square" lIns="91440" tIns="45720" rIns="91440" bIns="45720" numCol="1" rtlCol="0" anchor="t" anchorCtr="0" compatLnSpc="1">
+            <a:prstTxWarp prst="textNoShape">
+              <a:avLst/>
+            </a:prstTxWarp>
+          </a:bodyPr>
+          <a:lstStyle/>
+          <a:p>
+            <a:pPr marL="0" marR="0" indent="0" algn="l" defTabSz="914400" rtl="0" eaLnBrk="0" fontAlgn="base" latinLnBrk="0" hangingPunct="0">
+              <a:lnSpc>
+                <a:spcPct val="100000"/>
+              </a:lnSpc>
+              <a:spcBef>
+                <a:spcPct val="0"/>
+              </a:spcBef>
+              <a:spcAft>
+                <a:spcPct val="0"/>
+              </a:spcAft>
+              <a:buClrTx/>
+              <a:buSzTx/>
+              <a:buFontTx/>
+              <a:buNone/>
+              <a:tabLst/>
+            </a:pPr>
+            <a:r>
+              <a:rPr lang="en-US" altLang="ja-JP" sz="1400" dirty="0" err="1">
+                <a:latin typeface="メイリオ"/>
+                <a:ea typeface="メイリオ"/>
+              </a:rPr>
+              <a:t>i</a:t>
+            </a:r>
+            <a:r>
+              <a:rPr kumimoji="0" lang="en-US" altLang="ja-JP" sz="1400" b="0" i="0" u="none" strike="noStrike" cap="none" normalizeH="0" baseline="0" dirty="0" err="1" smtClean="0">
+                <a:ln>
+                  <a:noFill/>
+                </a:ln>
+                <a:solidFill>
+                  <a:schemeClr val="tx1"/>
+                </a:solidFill>
+                <a:effectLst/>
+                <a:latin typeface="メイリオ"/>
+                <a:ea typeface="メイリオ"/>
+              </a:rPr>
+              <a:t>Pad</a:t>
+            </a:r>
+            <a:r>
+              <a:rPr kumimoji="0" lang="en-US" altLang="ja-JP" sz="1400" b="0" i="0" u="none" strike="noStrike" cap="none" normalizeH="0" baseline="0" dirty="0" smtClean="0">
+                <a:ln>
+                  <a:noFill/>
+                </a:ln>
+                <a:solidFill>
+                  <a:schemeClr val="tx1"/>
+                </a:solidFill>
+                <a:effectLst/>
+                <a:latin typeface="メイリオ"/>
+                <a:ea typeface="メイリオ"/>
+              </a:rPr>
+              <a:t> / </a:t>
+            </a:r>
+            <a:r>
+              <a:rPr lang="en-US" altLang="ja-JP" sz="1400" dirty="0" smtClean="0">
+                <a:latin typeface="メイリオ"/>
+                <a:ea typeface="メイリオ"/>
+              </a:rPr>
+              <a:t>iPhone</a:t>
+            </a:r>
+            <a:r>
+              <a:rPr lang="ja-JP" altLang="en-US" sz="1400" dirty="0" smtClean="0">
+                <a:latin typeface="メイリオ"/>
+                <a:ea typeface="メイリオ"/>
+              </a:rPr>
+              <a:t>用</a:t>
+            </a:r>
+            <a:endParaRPr lang="en-US" altLang="ja-JP" sz="1400" dirty="0" smtClean="0">
+              <a:latin typeface="メイリオ"/>
+              <a:ea typeface="メイリオ"/>
+            </a:endParaRPr>
+          </a:p>
+          <a:p>
+            <a:pPr marL="0" marR="0" indent="0" algn="l" defTabSz="914400" rtl="0" eaLnBrk="0" fontAlgn="base" latinLnBrk="0" hangingPunct="0">
+              <a:lnSpc>
+                <a:spcPct val="100000"/>
+              </a:lnSpc>
+              <a:spcBef>
+                <a:spcPct val="0"/>
+              </a:spcBef>
+              <a:spcAft>
+                <a:spcPct val="0"/>
+              </a:spcAft>
+              <a:buClrTx/>
+              <a:buSzTx/>
+              <a:buFontTx/>
+              <a:buNone/>
+              <a:tabLst/>
+            </a:pPr>
+            <a:r>
+              <a:rPr lang="ja-JP" altLang="en-US" sz="1400" dirty="0" smtClean="0">
+                <a:latin typeface="メイリオ"/>
+                <a:ea typeface="メイリオ"/>
+              </a:rPr>
+              <a:t>サンプルアプリ画面</a:t>
+            </a:r>
+            <a:endParaRPr kumimoji="0" lang="ja-JP" altLang="en-US" sz="1400" b="0" i="0" u="none" strike="noStrike" cap="none" normalizeH="0" baseline="0" dirty="0" smtClean="0">
+              <a:ln>
+                <a:noFill/>
+              </a:ln>
+              <a:solidFill>
+                <a:schemeClr val="tx1"/>
+              </a:solidFill>
+              <a:effectLst/>
+              <a:latin typeface="メイリオ"/>
+              <a:ea typeface="メイリオ"/>
+            </a:endParaRPr>
+          </a:p>
+        </p:txBody>
+      </p:sp>
+      <p:pic>
+        <p:nvPicPr>
+          <p:cNvPr id="5" name="図 4" descr="スクリーンショット 2016-07-12 18.28.39.png"/>
+          <p:cNvPicPr>
+            <a:picLocks noChangeAspect="1"/>
+          </p:cNvPicPr>
+          <p:nvPr/>
+        </p:nvPicPr>
+        <p:blipFill>
+          <a:blip r:embed="rId3">
+            <a:extLst>
+              <a:ext uri="{28A0092B-C50C-407E-A947-70E740481C1C}">
+                <a14:useLocalDpi xmlns:a14="http://schemas.microsoft.com/office/drawing/2010/main" val="0"/>
+              </a:ext>
+            </a:extLst>
+          </a:blip>
+          <a:stretch>
+            <a:fillRect/>
+          </a:stretch>
+        </p:blipFill>
+        <p:spPr>
+          <a:xfrm>
+            <a:off x="638737" y="3519310"/>
+            <a:ext cx="7997264" cy="3021189"/>
+          </a:xfrm>
+          <a:prstGeom prst="rect">
+            <a:avLst/>
+          </a:prstGeom>
+          <a:solidFill>
+            <a:schemeClr val="accent2">
+              <a:lumMod val="20000"/>
+              <a:lumOff val="80000"/>
+            </a:schemeClr>
+          </a:solidFill>
+          <a:ln>
+            <a:solidFill>
+              <a:schemeClr val="tx1"/>
+            </a:solidFill>
+          </a:ln>
+        </p:spPr>
+      </p:pic>
+      <p:sp>
+        <p:nvSpPr>
+          <p:cNvPr id="10" name="下矢印 9"/>
+          <p:cNvSpPr/>
+          <p:nvPr/>
+        </p:nvSpPr>
+        <p:spPr bwMode="auto">
+          <a:xfrm>
+            <a:off x="4508500" y="2921000"/>
+            <a:ext cx="533400" cy="1283208"/>
+          </a:xfrm>
+          <a:prstGeom prst="downArrow">
+            <a:avLst/>
+          </a:prstGeom>
+          <a:solidFill>
+            <a:schemeClr val="accent2">
+              <a:lumMod val="20000"/>
+              <a:lumOff val="80000"/>
+            </a:schemeClr>
+          </a:solidFill>
+          <a:ln w="12700" cap="rnd" cmpd="sng" algn="ctr">
+            <a:solidFill>
+              <a:schemeClr val="tx1"/>
+            </a:solidFill>
+            <a:prstDash val="solid"/>
+            <a:round/>
+            <a:headEnd type="none" w="sm" len="sm"/>
+            <a:tailEnd type="none" w="sm" len="sm"/>
+          </a:ln>
+          <a:effectLst/>
+          <a:extLst/>
+        </p:spPr>
+        <p:txBody>
+          <a:bodyPr vert="horz" wrap="square" lIns="91440" tIns="45720" rIns="91440" bIns="45720" numCol="1" rtlCol="0" anchor="t" anchorCtr="0" compatLnSpc="1">
+            <a:prstTxWarp prst="textNoShape">
+              <a:avLst/>
+            </a:prstTxWarp>
+          </a:bodyPr>
+          <a:lstStyle/>
+          <a:p>
+            <a:pPr marL="0" marR="0" indent="0" algn="l" defTabSz="914400" rtl="0" eaLnBrk="0" fontAlgn="base" latinLnBrk="0" hangingPunct="0">
+              <a:lnSpc>
+                <a:spcPct val="100000"/>
+              </a:lnSpc>
+              <a:spcBef>
+                <a:spcPct val="0"/>
+              </a:spcBef>
+              <a:spcAft>
+                <a:spcPct val="0"/>
+              </a:spcAft>
+              <a:buClrTx/>
+              <a:buSzTx/>
+              <a:buFontTx/>
+              <a:buNone/>
+              <a:tabLst/>
+            </a:pPr>
+            <a:endParaRPr kumimoji="0" lang="ja-JP" altLang="en-US" sz="1000" b="0" i="0" u="none" strike="noStrike" cap="none" normalizeH="0" baseline="0" dirty="0" smtClean="0">
+              <a:ln>
+                <a:noFill/>
+              </a:ln>
+              <a:solidFill>
+                <a:schemeClr val="tx1"/>
+              </a:solidFill>
+              <a:effectLst/>
+              <a:latin typeface="メイリオ"/>
+              <a:ea typeface="メイリオ"/>
+            </a:endParaRPr>
+          </a:p>
+        </p:txBody>
+      </p:sp>
+      <p:sp>
+        <p:nvSpPr>
+          <p:cNvPr id="9" name="角丸四角形吹き出し 8"/>
+          <p:cNvSpPr/>
+          <p:nvPr/>
+        </p:nvSpPr>
+        <p:spPr bwMode="auto">
+          <a:xfrm>
+            <a:off x="6921500" y="4584700"/>
+            <a:ext cx="1536700" cy="698500"/>
+          </a:xfrm>
+          <a:prstGeom prst="wedgeRoundRectCallout">
+            <a:avLst>
+              <a:gd name="adj1" fmla="val -105880"/>
+              <a:gd name="adj2" fmla="val 6730"/>
+              <a:gd name="adj3" fmla="val 16667"/>
+            </a:avLst>
+          </a:prstGeom>
+          <a:solidFill>
+            <a:schemeClr val="bg1"/>
+          </a:solidFill>
+          <a:ln w="12700" cap="rnd" cmpd="sng" algn="ctr">
+            <a:solidFill>
+              <a:schemeClr val="tx1"/>
+            </a:solidFill>
+            <a:prstDash val="solid"/>
+            <a:round/>
+            <a:headEnd type="none" w="sm" len="sm"/>
+            <a:tailEnd type="none" w="sm" len="sm"/>
+          </a:ln>
+          <a:effectLst/>
+          <a:extLst/>
+        </p:spPr>
+        <p:txBody>
+          <a:bodyPr vert="horz" wrap="square" lIns="91440" tIns="45720" rIns="91440" bIns="45720" numCol="1" rtlCol="0" anchor="t" anchorCtr="0" compatLnSpc="1">
+            <a:prstTxWarp prst="textNoShape">
+              <a:avLst/>
+            </a:prstTxWarp>
+          </a:bodyPr>
+          <a:lstStyle/>
+          <a:p>
+            <a:pPr marL="0" marR="0" indent="0" algn="l" defTabSz="914400" rtl="0" eaLnBrk="0" fontAlgn="base" latinLnBrk="0" hangingPunct="0">
+              <a:lnSpc>
+                <a:spcPct val="100000"/>
+              </a:lnSpc>
+              <a:spcBef>
+                <a:spcPct val="0"/>
+              </a:spcBef>
+              <a:spcAft>
+                <a:spcPct val="0"/>
+              </a:spcAft>
+              <a:buClrTx/>
+              <a:buSzTx/>
+              <a:buFontTx/>
+              <a:buNone/>
+              <a:tabLst/>
+            </a:pPr>
+            <a:r>
+              <a:rPr lang="en-US" altLang="ja-JP" sz="1400" dirty="0" smtClean="0">
+                <a:latin typeface="メイリオ"/>
+                <a:ea typeface="メイリオ"/>
+              </a:rPr>
+              <a:t>IOT Platform </a:t>
+            </a:r>
+            <a:r>
+              <a:rPr lang="ja-JP" altLang="en-US" sz="1400" dirty="0" smtClean="0">
+                <a:latin typeface="メイリオ"/>
+                <a:ea typeface="メイリオ"/>
+              </a:rPr>
+              <a:t>画面</a:t>
+            </a:r>
+            <a:endParaRPr kumimoji="0" lang="ja-JP" altLang="en-US" sz="1400" b="0" i="0" u="none" strike="noStrike" cap="none" normalizeH="0" baseline="0" dirty="0" smtClean="0">
+              <a:ln>
+                <a:noFill/>
+              </a:ln>
+              <a:solidFill>
+                <a:schemeClr val="tx1"/>
+              </a:solidFill>
+              <a:effectLst/>
+              <a:latin typeface="メイリオ"/>
+              <a:ea typeface="メイリオ"/>
+            </a:endParaRPr>
+          </a:p>
+        </p:txBody>
+      </p:sp>
     </p:spTree>
     <p:extLst>
       <p:ext uri="{BB962C8B-B14F-4D97-AF65-F5344CB8AC3E}">
@@ -26743,6 +28260,13 @@
   <p:clrMapOvr>
     <a:masterClrMapping/>
   </p:clrMapOvr>
+  <p:timing>
+    <p:tnLst>
+      <p:par>
+        <p:cTn xmlns:p14="http://schemas.microsoft.com/office/powerpoint/2010/main" id="1" dur="indefinite" restart="never" nodeType="tmRoot"/>
+      </p:par>
+    </p:tnLst>
+  </p:timing>
 </p:sld>
 </file>
 
